--- a/01_doc/Presentations/Courte présentation des résultats du compteur - 28_11_22.pptx
+++ b/01_doc/Presentations/Courte présentation des résultats du compteur - 28_11_22.pptx
@@ -8,6 +8,13 @@
     <p:sldId id="256" r:id="rId2"/>
     <p:sldId id="257" r:id="rId3"/>
     <p:sldId id="258" r:id="rId4"/>
+    <p:sldId id="260" r:id="rId5"/>
+    <p:sldId id="259" r:id="rId6"/>
+    <p:sldId id="261" r:id="rId7"/>
+    <p:sldId id="262" r:id="rId8"/>
+    <p:sldId id="263" r:id="rId9"/>
+    <p:sldId id="264" r:id="rId10"/>
+    <p:sldId id="265" r:id="rId11"/>
   </p:sldIdLst>
   <p:sldSz cx="12192000" cy="6858000"/>
   <p:notesSz cx="6858000" cy="9144000"/>
@@ -106,6 +113,11 @@
       </a:defRPr>
     </a:lvl9pPr>
   </p:defaultTextStyle>
+  <p:extLst>
+    <p:ext uri="{EFAFB233-063F-42B5-8137-9DF3F51BA10A}">
+      <p15:sldGuideLst xmlns:p15="http://schemas.microsoft.com/office/powerpoint/2012/main"/>
+    </p:ext>
+  </p:extLst>
 </p:presentation>
 </file>
 
@@ -256,7 +268,7 @@
           <a:p>
             <a:fld id="{D0E5DF8D-38D1-4C48-B8B8-94ADE8CC0298}" type="datetimeFigureOut">
               <a:rPr lang="fr-FR" smtClean="0"/>
-              <a:t>24/11/2022</a:t>
+              <a:t>28/11/2022</a:t>
             </a:fld>
             <a:endParaRPr lang="fr-FR"/>
           </a:p>
@@ -454,7 +466,7 @@
           <a:p>
             <a:fld id="{D0E5DF8D-38D1-4C48-B8B8-94ADE8CC0298}" type="datetimeFigureOut">
               <a:rPr lang="fr-FR" smtClean="0"/>
-              <a:t>24/11/2022</a:t>
+              <a:t>28/11/2022</a:t>
             </a:fld>
             <a:endParaRPr lang="fr-FR"/>
           </a:p>
@@ -662,7 +674,7 @@
           <a:p>
             <a:fld id="{D0E5DF8D-38D1-4C48-B8B8-94ADE8CC0298}" type="datetimeFigureOut">
               <a:rPr lang="fr-FR" smtClean="0"/>
-              <a:t>24/11/2022</a:t>
+              <a:t>28/11/2022</a:t>
             </a:fld>
             <a:endParaRPr lang="fr-FR"/>
           </a:p>
@@ -860,7 +872,7 @@
           <a:p>
             <a:fld id="{D0E5DF8D-38D1-4C48-B8B8-94ADE8CC0298}" type="datetimeFigureOut">
               <a:rPr lang="fr-FR" smtClean="0"/>
-              <a:t>24/11/2022</a:t>
+              <a:t>28/11/2022</a:t>
             </a:fld>
             <a:endParaRPr lang="fr-FR"/>
           </a:p>
@@ -1135,7 +1147,7 @@
           <a:p>
             <a:fld id="{D0E5DF8D-38D1-4C48-B8B8-94ADE8CC0298}" type="datetimeFigureOut">
               <a:rPr lang="fr-FR" smtClean="0"/>
-              <a:t>24/11/2022</a:t>
+              <a:t>28/11/2022</a:t>
             </a:fld>
             <a:endParaRPr lang="fr-FR"/>
           </a:p>
@@ -1400,7 +1412,7 @@
           <a:p>
             <a:fld id="{D0E5DF8D-38D1-4C48-B8B8-94ADE8CC0298}" type="datetimeFigureOut">
               <a:rPr lang="fr-FR" smtClean="0"/>
-              <a:t>24/11/2022</a:t>
+              <a:t>28/11/2022</a:t>
             </a:fld>
             <a:endParaRPr lang="fr-FR"/>
           </a:p>
@@ -1812,7 +1824,7 @@
           <a:p>
             <a:fld id="{D0E5DF8D-38D1-4C48-B8B8-94ADE8CC0298}" type="datetimeFigureOut">
               <a:rPr lang="fr-FR" smtClean="0"/>
-              <a:t>24/11/2022</a:t>
+              <a:t>28/11/2022</a:t>
             </a:fld>
             <a:endParaRPr lang="fr-FR"/>
           </a:p>
@@ -1953,7 +1965,7 @@
           <a:p>
             <a:fld id="{D0E5DF8D-38D1-4C48-B8B8-94ADE8CC0298}" type="datetimeFigureOut">
               <a:rPr lang="fr-FR" smtClean="0"/>
-              <a:t>24/11/2022</a:t>
+              <a:t>28/11/2022</a:t>
             </a:fld>
             <a:endParaRPr lang="fr-FR"/>
           </a:p>
@@ -2066,7 +2078,7 @@
           <a:p>
             <a:fld id="{D0E5DF8D-38D1-4C48-B8B8-94ADE8CC0298}" type="datetimeFigureOut">
               <a:rPr lang="fr-FR" smtClean="0"/>
-              <a:t>24/11/2022</a:t>
+              <a:t>28/11/2022</a:t>
             </a:fld>
             <a:endParaRPr lang="fr-FR"/>
           </a:p>
@@ -2377,7 +2389,7 @@
           <a:p>
             <a:fld id="{D0E5DF8D-38D1-4C48-B8B8-94ADE8CC0298}" type="datetimeFigureOut">
               <a:rPr lang="fr-FR" smtClean="0"/>
-              <a:t>24/11/2022</a:t>
+              <a:t>28/11/2022</a:t>
             </a:fld>
             <a:endParaRPr lang="fr-FR"/>
           </a:p>
@@ -2665,7 +2677,7 @@
           <a:p>
             <a:fld id="{D0E5DF8D-38D1-4C48-B8B8-94ADE8CC0298}" type="datetimeFigureOut">
               <a:rPr lang="fr-FR" smtClean="0"/>
-              <a:t>24/11/2022</a:t>
+              <a:t>28/11/2022</a:t>
             </a:fld>
             <a:endParaRPr lang="fr-FR"/>
           </a:p>
@@ -2906,7 +2918,7 @@
           <a:p>
             <a:fld id="{D0E5DF8D-38D1-4C48-B8B8-94ADE8CC0298}" type="datetimeFigureOut">
               <a:rPr lang="fr-FR" smtClean="0"/>
-              <a:t>24/11/2022</a:t>
+              <a:t>28/11/2022</a:t>
             </a:fld>
             <a:endParaRPr lang="fr-FR"/>
           </a:p>
@@ -3617,6 +3629,915 @@
 </p:sld>
 </file>
 
+<file path=ppt/slides/slide10.xml><?xml version="1.0" encoding="utf-8"?>
+<p:sld xmlns:a="http://schemas.openxmlformats.org/drawingml/2006/main" xmlns:r="http://schemas.openxmlformats.org/officeDocument/2006/relationships" xmlns:p="http://schemas.openxmlformats.org/presentationml/2006/main">
+  <p:cSld>
+    <p:spTree>
+      <p:nvGrpSpPr>
+        <p:cNvPr id="1" name=""/>
+        <p:cNvGrpSpPr/>
+        <p:nvPr/>
+      </p:nvGrpSpPr>
+      <p:grpSpPr>
+        <a:xfrm>
+          <a:off x="0" y="0"/>
+          <a:ext cx="0" cy="0"/>
+          <a:chOff x="0" y="0"/>
+          <a:chExt cx="0" cy="0"/>
+        </a:xfrm>
+      </p:grpSpPr>
+      <p:sp>
+        <p:nvSpPr>
+          <p:cNvPr id="4" name="Titre 1">
+            <a:extLst>
+              <a:ext uri="{FF2B5EF4-FFF2-40B4-BE49-F238E27FC236}">
+                <a16:creationId xmlns:a16="http://schemas.microsoft.com/office/drawing/2014/main" id="{D060DB7A-2461-457D-682A-0561A302AD31}"/>
+              </a:ext>
+            </a:extLst>
+          </p:cNvPr>
+          <p:cNvSpPr txBox="1">
+            <a:spLocks/>
+          </p:cNvSpPr>
+          <p:nvPr/>
+        </p:nvSpPr>
+        <p:spPr>
+          <a:xfrm>
+            <a:off x="447582" y="193676"/>
+            <a:ext cx="10515600" cy="868871"/>
+          </a:xfrm>
+          <a:prstGeom prst="rect">
+            <a:avLst/>
+          </a:prstGeom>
+        </p:spPr>
+        <p:txBody>
+          <a:bodyPr vert="horz" lIns="91440" tIns="45720" rIns="91440" bIns="45720" rtlCol="0" anchor="ctr">
+            <a:normAutofit fontScale="85000" lnSpcReduction="20000"/>
+          </a:bodyPr>
+          <a:lstStyle>
+            <a:lvl1pPr algn="l" defTabSz="914400" rtl="0" eaLnBrk="1" latinLnBrk="0" hangingPunct="1">
+              <a:lnSpc>
+                <a:spcPct val="90000"/>
+              </a:lnSpc>
+              <a:spcBef>
+                <a:spcPct val="0"/>
+              </a:spcBef>
+              <a:buNone/>
+              <a:defRPr sz="4400" kern="1200">
+                <a:solidFill>
+                  <a:schemeClr val="tx1"/>
+                </a:solidFill>
+                <a:latin typeface="+mj-lt"/>
+                <a:ea typeface="+mj-ea"/>
+                <a:cs typeface="+mj-cs"/>
+              </a:defRPr>
+            </a:lvl1pPr>
+          </a:lstStyle>
+          <a:p>
+            <a:pPr algn="l"/>
+            <a:r>
+              <a:rPr lang="fr-FR" dirty="0"/>
+              <a:t>Test sur : </a:t>
+            </a:r>
+            <a:r>
+              <a:rPr lang="fr-FR" sz="1800" b="1" dirty="0">
+                <a:solidFill>
+                  <a:srgbClr val="7F0055"/>
+                </a:solidFill>
+                <a:latin typeface="Consolas" panose="020B0609020204030204" pitchFamily="49" charset="0"/>
+              </a:rPr>
+              <a:t>if</a:t>
+            </a:r>
+            <a:r>
+              <a:rPr lang="fr-FR" sz="1800" b="1" dirty="0">
+                <a:solidFill>
+                  <a:srgbClr val="000000"/>
+                </a:solidFill>
+                <a:latin typeface="Consolas" panose="020B0609020204030204" pitchFamily="49" charset="0"/>
+              </a:rPr>
+              <a:t> (commande &lt; </a:t>
+            </a:r>
+            <a:r>
+              <a:rPr lang="fr-FR" sz="1800" b="1" dirty="0" err="1">
+                <a:solidFill>
+                  <a:srgbClr val="000000"/>
+                </a:solidFill>
+                <a:latin typeface="Consolas" panose="020B0609020204030204" pitchFamily="49" charset="0"/>
+              </a:rPr>
+              <a:t>valeur_min_moteur</a:t>
+            </a:r>
+            <a:r>
+              <a:rPr lang="fr-FR" sz="1800" b="1" dirty="0">
+                <a:solidFill>
+                  <a:srgbClr val="000000"/>
+                </a:solidFill>
+                <a:latin typeface="Consolas" panose="020B0609020204030204" pitchFamily="49" charset="0"/>
+              </a:rPr>
+              <a:t>) {</a:t>
+            </a:r>
+          </a:p>
+          <a:p>
+            <a:pPr algn="l"/>
+            <a:r>
+              <a:rPr lang="fr-FR" sz="1800" dirty="0">
+                <a:solidFill>
+                  <a:srgbClr val="000000"/>
+                </a:solidFill>
+                <a:latin typeface="Consolas" panose="020B0609020204030204" pitchFamily="49" charset="0"/>
+              </a:rPr>
+              <a:t>commande = </a:t>
+            </a:r>
+            <a:r>
+              <a:rPr lang="fr-FR" sz="1800" dirty="0" err="1">
+                <a:solidFill>
+                  <a:srgbClr val="000000"/>
+                </a:solidFill>
+                <a:latin typeface="Consolas" panose="020B0609020204030204" pitchFamily="49" charset="0"/>
+              </a:rPr>
+              <a:t>valeur_min_moteur</a:t>
+            </a:r>
+            <a:r>
+              <a:rPr lang="fr-FR" sz="1800" dirty="0">
+                <a:solidFill>
+                  <a:srgbClr val="000000"/>
+                </a:solidFill>
+                <a:latin typeface="Consolas" panose="020B0609020204030204" pitchFamily="49" charset="0"/>
+              </a:rPr>
+              <a:t>;</a:t>
+            </a:r>
+          </a:p>
+          <a:p>
+            <a:pPr algn="l"/>
+            <a:r>
+              <a:rPr lang="fr-FR" sz="1800" dirty="0">
+                <a:solidFill>
+                  <a:srgbClr val="000000"/>
+                </a:solidFill>
+                <a:latin typeface="Consolas" panose="020B0609020204030204" pitchFamily="49" charset="0"/>
+              </a:rPr>
+              <a:t>}</a:t>
+            </a:r>
+            <a:endParaRPr lang="fr-FR" dirty="0"/>
+          </a:p>
+        </p:txBody>
+      </p:sp>
+      <p:sp>
+        <p:nvSpPr>
+          <p:cNvPr id="5" name="Espace réservé du contenu 2">
+            <a:extLst>
+              <a:ext uri="{FF2B5EF4-FFF2-40B4-BE49-F238E27FC236}">
+                <a16:creationId xmlns:a16="http://schemas.microsoft.com/office/drawing/2014/main" id="{7EC817E1-2C5E-D034-9FA9-4338DFCA246A}"/>
+              </a:ext>
+            </a:extLst>
+          </p:cNvPr>
+          <p:cNvSpPr txBox="1">
+            <a:spLocks/>
+          </p:cNvSpPr>
+          <p:nvPr/>
+        </p:nvSpPr>
+        <p:spPr>
+          <a:xfrm>
+            <a:off x="447582" y="1062547"/>
+            <a:ext cx="10515600" cy="509202"/>
+          </a:xfrm>
+          <a:prstGeom prst="rect">
+            <a:avLst/>
+          </a:prstGeom>
+        </p:spPr>
+        <p:txBody>
+          <a:bodyPr vert="horz" lIns="91440" tIns="45720" rIns="91440" bIns="45720" rtlCol="0">
+            <a:normAutofit/>
+          </a:bodyPr>
+          <a:lstStyle>
+            <a:lvl1pPr marL="228600" indent="-228600" algn="l" defTabSz="914400" rtl="0" eaLnBrk="1" latinLnBrk="0" hangingPunct="1">
+              <a:lnSpc>
+                <a:spcPct val="90000"/>
+              </a:lnSpc>
+              <a:spcBef>
+                <a:spcPts val="1000"/>
+              </a:spcBef>
+              <a:buFont typeface="Arial" panose="020B0604020202020204" pitchFamily="34" charset="0"/>
+              <a:buChar char="•"/>
+              <a:defRPr sz="2800" kern="1200">
+                <a:solidFill>
+                  <a:schemeClr val="tx1"/>
+                </a:solidFill>
+                <a:latin typeface="+mn-lt"/>
+                <a:ea typeface="+mn-ea"/>
+                <a:cs typeface="+mn-cs"/>
+              </a:defRPr>
+            </a:lvl1pPr>
+            <a:lvl2pPr marL="685800" indent="-228600" algn="l" defTabSz="914400" rtl="0" eaLnBrk="1" latinLnBrk="0" hangingPunct="1">
+              <a:lnSpc>
+                <a:spcPct val="90000"/>
+              </a:lnSpc>
+              <a:spcBef>
+                <a:spcPts val="500"/>
+              </a:spcBef>
+              <a:buFont typeface="Arial" panose="020B0604020202020204" pitchFamily="34" charset="0"/>
+              <a:buChar char="•"/>
+              <a:defRPr sz="2400" kern="1200">
+                <a:solidFill>
+                  <a:schemeClr val="tx1"/>
+                </a:solidFill>
+                <a:latin typeface="+mn-lt"/>
+                <a:ea typeface="+mn-ea"/>
+                <a:cs typeface="+mn-cs"/>
+              </a:defRPr>
+            </a:lvl2pPr>
+            <a:lvl3pPr marL="1143000" indent="-228600" algn="l" defTabSz="914400" rtl="0" eaLnBrk="1" latinLnBrk="0" hangingPunct="1">
+              <a:lnSpc>
+                <a:spcPct val="90000"/>
+              </a:lnSpc>
+              <a:spcBef>
+                <a:spcPts val="500"/>
+              </a:spcBef>
+              <a:buFont typeface="Arial" panose="020B0604020202020204" pitchFamily="34" charset="0"/>
+              <a:buChar char="•"/>
+              <a:defRPr sz="2000" kern="1200">
+                <a:solidFill>
+                  <a:schemeClr val="tx1"/>
+                </a:solidFill>
+                <a:latin typeface="+mn-lt"/>
+                <a:ea typeface="+mn-ea"/>
+                <a:cs typeface="+mn-cs"/>
+              </a:defRPr>
+            </a:lvl3pPr>
+            <a:lvl4pPr marL="1600200" indent="-228600" algn="l" defTabSz="914400" rtl="0" eaLnBrk="1" latinLnBrk="0" hangingPunct="1">
+              <a:lnSpc>
+                <a:spcPct val="90000"/>
+              </a:lnSpc>
+              <a:spcBef>
+                <a:spcPts val="500"/>
+              </a:spcBef>
+              <a:buFont typeface="Arial" panose="020B0604020202020204" pitchFamily="34" charset="0"/>
+              <a:buChar char="•"/>
+              <a:defRPr sz="1800" kern="1200">
+                <a:solidFill>
+                  <a:schemeClr val="tx1"/>
+                </a:solidFill>
+                <a:latin typeface="+mn-lt"/>
+                <a:ea typeface="+mn-ea"/>
+                <a:cs typeface="+mn-cs"/>
+              </a:defRPr>
+            </a:lvl4pPr>
+            <a:lvl5pPr marL="2057400" indent="-228600" algn="l" defTabSz="914400" rtl="0" eaLnBrk="1" latinLnBrk="0" hangingPunct="1">
+              <a:lnSpc>
+                <a:spcPct val="90000"/>
+              </a:lnSpc>
+              <a:spcBef>
+                <a:spcPts val="500"/>
+              </a:spcBef>
+              <a:buFont typeface="Arial" panose="020B0604020202020204" pitchFamily="34" charset="0"/>
+              <a:buChar char="•"/>
+              <a:defRPr sz="1800" kern="1200">
+                <a:solidFill>
+                  <a:schemeClr val="tx1"/>
+                </a:solidFill>
+                <a:latin typeface="+mn-lt"/>
+                <a:ea typeface="+mn-ea"/>
+                <a:cs typeface="+mn-cs"/>
+              </a:defRPr>
+            </a:lvl5pPr>
+            <a:lvl6pPr marL="2514600" indent="-228600" algn="l" defTabSz="914400" rtl="0" eaLnBrk="1" latinLnBrk="0" hangingPunct="1">
+              <a:lnSpc>
+                <a:spcPct val="90000"/>
+              </a:lnSpc>
+              <a:spcBef>
+                <a:spcPts val="500"/>
+              </a:spcBef>
+              <a:buFont typeface="Arial" panose="020B0604020202020204" pitchFamily="34" charset="0"/>
+              <a:buChar char="•"/>
+              <a:defRPr sz="1800" kern="1200">
+                <a:solidFill>
+                  <a:schemeClr val="tx1"/>
+                </a:solidFill>
+                <a:latin typeface="+mn-lt"/>
+                <a:ea typeface="+mn-ea"/>
+                <a:cs typeface="+mn-cs"/>
+              </a:defRPr>
+            </a:lvl6pPr>
+            <a:lvl7pPr marL="2971800" indent="-228600" algn="l" defTabSz="914400" rtl="0" eaLnBrk="1" latinLnBrk="0" hangingPunct="1">
+              <a:lnSpc>
+                <a:spcPct val="90000"/>
+              </a:lnSpc>
+              <a:spcBef>
+                <a:spcPts val="500"/>
+              </a:spcBef>
+              <a:buFont typeface="Arial" panose="020B0604020202020204" pitchFamily="34" charset="0"/>
+              <a:buChar char="•"/>
+              <a:defRPr sz="1800" kern="1200">
+                <a:solidFill>
+                  <a:schemeClr val="tx1"/>
+                </a:solidFill>
+                <a:latin typeface="+mn-lt"/>
+                <a:ea typeface="+mn-ea"/>
+                <a:cs typeface="+mn-cs"/>
+              </a:defRPr>
+            </a:lvl7pPr>
+            <a:lvl8pPr marL="3429000" indent="-228600" algn="l" defTabSz="914400" rtl="0" eaLnBrk="1" latinLnBrk="0" hangingPunct="1">
+              <a:lnSpc>
+                <a:spcPct val="90000"/>
+              </a:lnSpc>
+              <a:spcBef>
+                <a:spcPts val="500"/>
+              </a:spcBef>
+              <a:buFont typeface="Arial" panose="020B0604020202020204" pitchFamily="34" charset="0"/>
+              <a:buChar char="•"/>
+              <a:defRPr sz="1800" kern="1200">
+                <a:solidFill>
+                  <a:schemeClr val="tx1"/>
+                </a:solidFill>
+                <a:latin typeface="+mn-lt"/>
+                <a:ea typeface="+mn-ea"/>
+                <a:cs typeface="+mn-cs"/>
+              </a:defRPr>
+            </a:lvl8pPr>
+            <a:lvl9pPr marL="3886200" indent="-228600" algn="l" defTabSz="914400" rtl="0" eaLnBrk="1" latinLnBrk="0" hangingPunct="1">
+              <a:lnSpc>
+                <a:spcPct val="90000"/>
+              </a:lnSpc>
+              <a:spcBef>
+                <a:spcPts val="500"/>
+              </a:spcBef>
+              <a:buFont typeface="Arial" panose="020B0604020202020204" pitchFamily="34" charset="0"/>
+              <a:buChar char="•"/>
+              <a:defRPr sz="1800" kern="1200">
+                <a:solidFill>
+                  <a:schemeClr val="tx1"/>
+                </a:solidFill>
+                <a:latin typeface="+mn-lt"/>
+                <a:ea typeface="+mn-ea"/>
+                <a:cs typeface="+mn-cs"/>
+              </a:defRPr>
+            </a:lvl9pPr>
+          </a:lstStyle>
+          <a:p>
+            <a:r>
+              <a:rPr lang="en-US" dirty="0"/>
+              <a:t>Time consumed : AUTOUR DE 36 *10^-7 seconds</a:t>
+            </a:r>
+            <a:endParaRPr lang="fr-FR" dirty="0"/>
+          </a:p>
+        </p:txBody>
+      </p:sp>
+      <p:sp>
+        <p:nvSpPr>
+          <p:cNvPr id="6" name="Titre 1">
+            <a:extLst>
+              <a:ext uri="{FF2B5EF4-FFF2-40B4-BE49-F238E27FC236}">
+                <a16:creationId xmlns:a16="http://schemas.microsoft.com/office/drawing/2014/main" id="{B7E373F6-5490-0272-2006-1071F31890ED}"/>
+              </a:ext>
+            </a:extLst>
+          </p:cNvPr>
+          <p:cNvSpPr txBox="1">
+            <a:spLocks/>
+          </p:cNvSpPr>
+          <p:nvPr/>
+        </p:nvSpPr>
+        <p:spPr>
+          <a:xfrm>
+            <a:off x="447582" y="1571749"/>
+            <a:ext cx="10515600" cy="868871"/>
+          </a:xfrm>
+          <a:prstGeom prst="rect">
+            <a:avLst/>
+          </a:prstGeom>
+        </p:spPr>
+        <p:txBody>
+          <a:bodyPr vert="horz" lIns="91440" tIns="45720" rIns="91440" bIns="45720" rtlCol="0" anchor="ctr">
+            <a:normAutofit/>
+          </a:bodyPr>
+          <a:lstStyle>
+            <a:lvl1pPr algn="l" defTabSz="914400" rtl="0" eaLnBrk="1" latinLnBrk="0" hangingPunct="1">
+              <a:lnSpc>
+                <a:spcPct val="90000"/>
+              </a:lnSpc>
+              <a:spcBef>
+                <a:spcPct val="0"/>
+              </a:spcBef>
+              <a:buNone/>
+              <a:defRPr sz="4400" kern="1200">
+                <a:solidFill>
+                  <a:schemeClr val="tx1"/>
+                </a:solidFill>
+                <a:latin typeface="+mj-lt"/>
+                <a:ea typeface="+mj-ea"/>
+                <a:cs typeface="+mj-cs"/>
+              </a:defRPr>
+            </a:lvl1pPr>
+          </a:lstStyle>
+          <a:p>
+            <a:pPr algn="l"/>
+            <a:r>
+              <a:rPr lang="fr-FR" sz="3700" dirty="0"/>
+              <a:t>Test sur : </a:t>
+            </a:r>
+            <a:r>
+              <a:rPr lang="fr-FR" sz="1800" dirty="0" err="1">
+                <a:solidFill>
+                  <a:srgbClr val="000000"/>
+                </a:solidFill>
+                <a:latin typeface="Consolas" panose="020B0609020204030204" pitchFamily="49" charset="0"/>
+              </a:rPr>
+              <a:t>load_pwm</a:t>
+            </a:r>
+            <a:r>
+              <a:rPr lang="fr-FR" sz="1800" dirty="0">
+                <a:solidFill>
+                  <a:srgbClr val="000000"/>
+                </a:solidFill>
+                <a:latin typeface="Consolas" panose="020B0609020204030204" pitchFamily="49" charset="0"/>
+              </a:rPr>
+              <a:t>(htim3, commande);</a:t>
+            </a:r>
+            <a:r>
+              <a:rPr lang="fr-FR" sz="3700" dirty="0">
+                <a:solidFill>
+                  <a:srgbClr val="000000"/>
+                </a:solidFill>
+                <a:latin typeface="Consolas" panose="020B0609020204030204" pitchFamily="49" charset="0"/>
+              </a:rPr>
+              <a:t> </a:t>
+            </a:r>
+          </a:p>
+        </p:txBody>
+      </p:sp>
+      <p:sp>
+        <p:nvSpPr>
+          <p:cNvPr id="7" name="Espace réservé du contenu 2">
+            <a:extLst>
+              <a:ext uri="{FF2B5EF4-FFF2-40B4-BE49-F238E27FC236}">
+                <a16:creationId xmlns:a16="http://schemas.microsoft.com/office/drawing/2014/main" id="{8B86A6EA-0913-1D64-5C55-5A5940B5210B}"/>
+              </a:ext>
+            </a:extLst>
+          </p:cNvPr>
+          <p:cNvSpPr txBox="1">
+            <a:spLocks/>
+          </p:cNvSpPr>
+          <p:nvPr/>
+        </p:nvSpPr>
+        <p:spPr>
+          <a:xfrm>
+            <a:off x="447582" y="2440620"/>
+            <a:ext cx="10515600" cy="509202"/>
+          </a:xfrm>
+          <a:prstGeom prst="rect">
+            <a:avLst/>
+          </a:prstGeom>
+        </p:spPr>
+        <p:txBody>
+          <a:bodyPr vert="horz" lIns="91440" tIns="45720" rIns="91440" bIns="45720" rtlCol="0">
+            <a:normAutofit/>
+          </a:bodyPr>
+          <a:lstStyle>
+            <a:lvl1pPr marL="228600" indent="-228600" algn="l" defTabSz="914400" rtl="0" eaLnBrk="1" latinLnBrk="0" hangingPunct="1">
+              <a:lnSpc>
+                <a:spcPct val="90000"/>
+              </a:lnSpc>
+              <a:spcBef>
+                <a:spcPts val="1000"/>
+              </a:spcBef>
+              <a:buFont typeface="Arial" panose="020B0604020202020204" pitchFamily="34" charset="0"/>
+              <a:buChar char="•"/>
+              <a:defRPr sz="2800" kern="1200">
+                <a:solidFill>
+                  <a:schemeClr val="tx1"/>
+                </a:solidFill>
+                <a:latin typeface="+mn-lt"/>
+                <a:ea typeface="+mn-ea"/>
+                <a:cs typeface="+mn-cs"/>
+              </a:defRPr>
+            </a:lvl1pPr>
+            <a:lvl2pPr marL="685800" indent="-228600" algn="l" defTabSz="914400" rtl="0" eaLnBrk="1" latinLnBrk="0" hangingPunct="1">
+              <a:lnSpc>
+                <a:spcPct val="90000"/>
+              </a:lnSpc>
+              <a:spcBef>
+                <a:spcPts val="500"/>
+              </a:spcBef>
+              <a:buFont typeface="Arial" panose="020B0604020202020204" pitchFamily="34" charset="0"/>
+              <a:buChar char="•"/>
+              <a:defRPr sz="2400" kern="1200">
+                <a:solidFill>
+                  <a:schemeClr val="tx1"/>
+                </a:solidFill>
+                <a:latin typeface="+mn-lt"/>
+                <a:ea typeface="+mn-ea"/>
+                <a:cs typeface="+mn-cs"/>
+              </a:defRPr>
+            </a:lvl2pPr>
+            <a:lvl3pPr marL="1143000" indent="-228600" algn="l" defTabSz="914400" rtl="0" eaLnBrk="1" latinLnBrk="0" hangingPunct="1">
+              <a:lnSpc>
+                <a:spcPct val="90000"/>
+              </a:lnSpc>
+              <a:spcBef>
+                <a:spcPts val="500"/>
+              </a:spcBef>
+              <a:buFont typeface="Arial" panose="020B0604020202020204" pitchFamily="34" charset="0"/>
+              <a:buChar char="•"/>
+              <a:defRPr sz="2000" kern="1200">
+                <a:solidFill>
+                  <a:schemeClr val="tx1"/>
+                </a:solidFill>
+                <a:latin typeface="+mn-lt"/>
+                <a:ea typeface="+mn-ea"/>
+                <a:cs typeface="+mn-cs"/>
+              </a:defRPr>
+            </a:lvl3pPr>
+            <a:lvl4pPr marL="1600200" indent="-228600" algn="l" defTabSz="914400" rtl="0" eaLnBrk="1" latinLnBrk="0" hangingPunct="1">
+              <a:lnSpc>
+                <a:spcPct val="90000"/>
+              </a:lnSpc>
+              <a:spcBef>
+                <a:spcPts val="500"/>
+              </a:spcBef>
+              <a:buFont typeface="Arial" panose="020B0604020202020204" pitchFamily="34" charset="0"/>
+              <a:buChar char="•"/>
+              <a:defRPr sz="1800" kern="1200">
+                <a:solidFill>
+                  <a:schemeClr val="tx1"/>
+                </a:solidFill>
+                <a:latin typeface="+mn-lt"/>
+                <a:ea typeface="+mn-ea"/>
+                <a:cs typeface="+mn-cs"/>
+              </a:defRPr>
+            </a:lvl4pPr>
+            <a:lvl5pPr marL="2057400" indent="-228600" algn="l" defTabSz="914400" rtl="0" eaLnBrk="1" latinLnBrk="0" hangingPunct="1">
+              <a:lnSpc>
+                <a:spcPct val="90000"/>
+              </a:lnSpc>
+              <a:spcBef>
+                <a:spcPts val="500"/>
+              </a:spcBef>
+              <a:buFont typeface="Arial" panose="020B0604020202020204" pitchFamily="34" charset="0"/>
+              <a:buChar char="•"/>
+              <a:defRPr sz="1800" kern="1200">
+                <a:solidFill>
+                  <a:schemeClr val="tx1"/>
+                </a:solidFill>
+                <a:latin typeface="+mn-lt"/>
+                <a:ea typeface="+mn-ea"/>
+                <a:cs typeface="+mn-cs"/>
+              </a:defRPr>
+            </a:lvl5pPr>
+            <a:lvl6pPr marL="2514600" indent="-228600" algn="l" defTabSz="914400" rtl="0" eaLnBrk="1" latinLnBrk="0" hangingPunct="1">
+              <a:lnSpc>
+                <a:spcPct val="90000"/>
+              </a:lnSpc>
+              <a:spcBef>
+                <a:spcPts val="500"/>
+              </a:spcBef>
+              <a:buFont typeface="Arial" panose="020B0604020202020204" pitchFamily="34" charset="0"/>
+              <a:buChar char="•"/>
+              <a:defRPr sz="1800" kern="1200">
+                <a:solidFill>
+                  <a:schemeClr val="tx1"/>
+                </a:solidFill>
+                <a:latin typeface="+mn-lt"/>
+                <a:ea typeface="+mn-ea"/>
+                <a:cs typeface="+mn-cs"/>
+              </a:defRPr>
+            </a:lvl6pPr>
+            <a:lvl7pPr marL="2971800" indent="-228600" algn="l" defTabSz="914400" rtl="0" eaLnBrk="1" latinLnBrk="0" hangingPunct="1">
+              <a:lnSpc>
+                <a:spcPct val="90000"/>
+              </a:lnSpc>
+              <a:spcBef>
+                <a:spcPts val="500"/>
+              </a:spcBef>
+              <a:buFont typeface="Arial" panose="020B0604020202020204" pitchFamily="34" charset="0"/>
+              <a:buChar char="•"/>
+              <a:defRPr sz="1800" kern="1200">
+                <a:solidFill>
+                  <a:schemeClr val="tx1"/>
+                </a:solidFill>
+                <a:latin typeface="+mn-lt"/>
+                <a:ea typeface="+mn-ea"/>
+                <a:cs typeface="+mn-cs"/>
+              </a:defRPr>
+            </a:lvl7pPr>
+            <a:lvl8pPr marL="3429000" indent="-228600" algn="l" defTabSz="914400" rtl="0" eaLnBrk="1" latinLnBrk="0" hangingPunct="1">
+              <a:lnSpc>
+                <a:spcPct val="90000"/>
+              </a:lnSpc>
+              <a:spcBef>
+                <a:spcPts val="500"/>
+              </a:spcBef>
+              <a:buFont typeface="Arial" panose="020B0604020202020204" pitchFamily="34" charset="0"/>
+              <a:buChar char="•"/>
+              <a:defRPr sz="1800" kern="1200">
+                <a:solidFill>
+                  <a:schemeClr val="tx1"/>
+                </a:solidFill>
+                <a:latin typeface="+mn-lt"/>
+                <a:ea typeface="+mn-ea"/>
+                <a:cs typeface="+mn-cs"/>
+              </a:defRPr>
+            </a:lvl8pPr>
+            <a:lvl9pPr marL="3886200" indent="-228600" algn="l" defTabSz="914400" rtl="0" eaLnBrk="1" latinLnBrk="0" hangingPunct="1">
+              <a:lnSpc>
+                <a:spcPct val="90000"/>
+              </a:lnSpc>
+              <a:spcBef>
+                <a:spcPts val="500"/>
+              </a:spcBef>
+              <a:buFont typeface="Arial" panose="020B0604020202020204" pitchFamily="34" charset="0"/>
+              <a:buChar char="•"/>
+              <a:defRPr sz="1800" kern="1200">
+                <a:solidFill>
+                  <a:schemeClr val="tx1"/>
+                </a:solidFill>
+                <a:latin typeface="+mn-lt"/>
+                <a:ea typeface="+mn-ea"/>
+                <a:cs typeface="+mn-cs"/>
+              </a:defRPr>
+            </a:lvl9pPr>
+          </a:lstStyle>
+          <a:p>
+            <a:r>
+              <a:rPr lang="en-US" dirty="0"/>
+              <a:t>Time consumed : 17 *10^-7 seconds</a:t>
+            </a:r>
+            <a:endParaRPr lang="fr-FR" dirty="0"/>
+          </a:p>
+        </p:txBody>
+      </p:sp>
+      <p:sp>
+        <p:nvSpPr>
+          <p:cNvPr id="8" name="Titre 1">
+            <a:extLst>
+              <a:ext uri="{FF2B5EF4-FFF2-40B4-BE49-F238E27FC236}">
+                <a16:creationId xmlns:a16="http://schemas.microsoft.com/office/drawing/2014/main" id="{4A61FF05-D49A-C3DC-67DA-28C304BCBBC0}"/>
+              </a:ext>
+            </a:extLst>
+          </p:cNvPr>
+          <p:cNvSpPr txBox="1">
+            <a:spLocks/>
+          </p:cNvSpPr>
+          <p:nvPr/>
+        </p:nvSpPr>
+        <p:spPr>
+          <a:xfrm>
+            <a:off x="447582" y="4332150"/>
+            <a:ext cx="10515600" cy="868871"/>
+          </a:xfrm>
+          <a:prstGeom prst="rect">
+            <a:avLst/>
+          </a:prstGeom>
+        </p:spPr>
+        <p:txBody>
+          <a:bodyPr vert="horz" lIns="91440" tIns="45720" rIns="91440" bIns="45720" rtlCol="0" anchor="ctr">
+            <a:normAutofit fontScale="77500" lnSpcReduction="20000"/>
+          </a:bodyPr>
+          <a:lstStyle>
+            <a:lvl1pPr algn="l" defTabSz="914400" rtl="0" eaLnBrk="1" latinLnBrk="0" hangingPunct="1">
+              <a:lnSpc>
+                <a:spcPct val="90000"/>
+              </a:lnSpc>
+              <a:spcBef>
+                <a:spcPct val="0"/>
+              </a:spcBef>
+              <a:buNone/>
+              <a:defRPr sz="4400" kern="1200">
+                <a:solidFill>
+                  <a:schemeClr val="tx1"/>
+                </a:solidFill>
+                <a:latin typeface="+mj-lt"/>
+                <a:ea typeface="+mj-ea"/>
+                <a:cs typeface="+mj-cs"/>
+              </a:defRPr>
+            </a:lvl1pPr>
+          </a:lstStyle>
+          <a:p>
+            <a:pPr algn="l"/>
+            <a:r>
+              <a:rPr lang="fr-FR" dirty="0"/>
+              <a:t>Test sur : Boucle Do/</a:t>
+            </a:r>
+            <a:r>
+              <a:rPr lang="fr-FR" dirty="0" err="1"/>
+              <a:t>While</a:t>
+            </a:r>
+            <a:r>
+              <a:rPr lang="fr-FR" dirty="0"/>
+              <a:t> (jusqu’à démarrage moteur)</a:t>
+            </a:r>
+          </a:p>
+        </p:txBody>
+      </p:sp>
+      <p:sp>
+        <p:nvSpPr>
+          <p:cNvPr id="9" name="Espace réservé du contenu 2">
+            <a:extLst>
+              <a:ext uri="{FF2B5EF4-FFF2-40B4-BE49-F238E27FC236}">
+                <a16:creationId xmlns:a16="http://schemas.microsoft.com/office/drawing/2014/main" id="{9B298DCA-FBAC-EC2A-5377-699B744845B8}"/>
+              </a:ext>
+            </a:extLst>
+          </p:cNvPr>
+          <p:cNvSpPr txBox="1">
+            <a:spLocks/>
+          </p:cNvSpPr>
+          <p:nvPr/>
+        </p:nvSpPr>
+        <p:spPr>
+          <a:xfrm>
+            <a:off x="447582" y="5201021"/>
+            <a:ext cx="10515600" cy="509202"/>
+          </a:xfrm>
+          <a:prstGeom prst="rect">
+            <a:avLst/>
+          </a:prstGeom>
+        </p:spPr>
+        <p:txBody>
+          <a:bodyPr vert="horz" lIns="91440" tIns="45720" rIns="91440" bIns="45720" rtlCol="0">
+            <a:normAutofit/>
+          </a:bodyPr>
+          <a:lstStyle>
+            <a:lvl1pPr marL="228600" indent="-228600" algn="l" defTabSz="914400" rtl="0" eaLnBrk="1" latinLnBrk="0" hangingPunct="1">
+              <a:lnSpc>
+                <a:spcPct val="90000"/>
+              </a:lnSpc>
+              <a:spcBef>
+                <a:spcPts val="1000"/>
+              </a:spcBef>
+              <a:buFont typeface="Arial" panose="020B0604020202020204" pitchFamily="34" charset="0"/>
+              <a:buChar char="•"/>
+              <a:defRPr sz="2800" kern="1200">
+                <a:solidFill>
+                  <a:schemeClr val="tx1"/>
+                </a:solidFill>
+                <a:latin typeface="+mn-lt"/>
+                <a:ea typeface="+mn-ea"/>
+                <a:cs typeface="+mn-cs"/>
+              </a:defRPr>
+            </a:lvl1pPr>
+            <a:lvl2pPr marL="685800" indent="-228600" algn="l" defTabSz="914400" rtl="0" eaLnBrk="1" latinLnBrk="0" hangingPunct="1">
+              <a:lnSpc>
+                <a:spcPct val="90000"/>
+              </a:lnSpc>
+              <a:spcBef>
+                <a:spcPts val="500"/>
+              </a:spcBef>
+              <a:buFont typeface="Arial" panose="020B0604020202020204" pitchFamily="34" charset="0"/>
+              <a:buChar char="•"/>
+              <a:defRPr sz="2400" kern="1200">
+                <a:solidFill>
+                  <a:schemeClr val="tx1"/>
+                </a:solidFill>
+                <a:latin typeface="+mn-lt"/>
+                <a:ea typeface="+mn-ea"/>
+                <a:cs typeface="+mn-cs"/>
+              </a:defRPr>
+            </a:lvl2pPr>
+            <a:lvl3pPr marL="1143000" indent="-228600" algn="l" defTabSz="914400" rtl="0" eaLnBrk="1" latinLnBrk="0" hangingPunct="1">
+              <a:lnSpc>
+                <a:spcPct val="90000"/>
+              </a:lnSpc>
+              <a:spcBef>
+                <a:spcPts val="500"/>
+              </a:spcBef>
+              <a:buFont typeface="Arial" panose="020B0604020202020204" pitchFamily="34" charset="0"/>
+              <a:buChar char="•"/>
+              <a:defRPr sz="2000" kern="1200">
+                <a:solidFill>
+                  <a:schemeClr val="tx1"/>
+                </a:solidFill>
+                <a:latin typeface="+mn-lt"/>
+                <a:ea typeface="+mn-ea"/>
+                <a:cs typeface="+mn-cs"/>
+              </a:defRPr>
+            </a:lvl3pPr>
+            <a:lvl4pPr marL="1600200" indent="-228600" algn="l" defTabSz="914400" rtl="0" eaLnBrk="1" latinLnBrk="0" hangingPunct="1">
+              <a:lnSpc>
+                <a:spcPct val="90000"/>
+              </a:lnSpc>
+              <a:spcBef>
+                <a:spcPts val="500"/>
+              </a:spcBef>
+              <a:buFont typeface="Arial" panose="020B0604020202020204" pitchFamily="34" charset="0"/>
+              <a:buChar char="•"/>
+              <a:defRPr sz="1800" kern="1200">
+                <a:solidFill>
+                  <a:schemeClr val="tx1"/>
+                </a:solidFill>
+                <a:latin typeface="+mn-lt"/>
+                <a:ea typeface="+mn-ea"/>
+                <a:cs typeface="+mn-cs"/>
+              </a:defRPr>
+            </a:lvl4pPr>
+            <a:lvl5pPr marL="2057400" indent="-228600" algn="l" defTabSz="914400" rtl="0" eaLnBrk="1" latinLnBrk="0" hangingPunct="1">
+              <a:lnSpc>
+                <a:spcPct val="90000"/>
+              </a:lnSpc>
+              <a:spcBef>
+                <a:spcPts val="500"/>
+              </a:spcBef>
+              <a:buFont typeface="Arial" panose="020B0604020202020204" pitchFamily="34" charset="0"/>
+              <a:buChar char="•"/>
+              <a:defRPr sz="1800" kern="1200">
+                <a:solidFill>
+                  <a:schemeClr val="tx1"/>
+                </a:solidFill>
+                <a:latin typeface="+mn-lt"/>
+                <a:ea typeface="+mn-ea"/>
+                <a:cs typeface="+mn-cs"/>
+              </a:defRPr>
+            </a:lvl5pPr>
+            <a:lvl6pPr marL="2514600" indent="-228600" algn="l" defTabSz="914400" rtl="0" eaLnBrk="1" latinLnBrk="0" hangingPunct="1">
+              <a:lnSpc>
+                <a:spcPct val="90000"/>
+              </a:lnSpc>
+              <a:spcBef>
+                <a:spcPts val="500"/>
+              </a:spcBef>
+              <a:buFont typeface="Arial" panose="020B0604020202020204" pitchFamily="34" charset="0"/>
+              <a:buChar char="•"/>
+              <a:defRPr sz="1800" kern="1200">
+                <a:solidFill>
+                  <a:schemeClr val="tx1"/>
+                </a:solidFill>
+                <a:latin typeface="+mn-lt"/>
+                <a:ea typeface="+mn-ea"/>
+                <a:cs typeface="+mn-cs"/>
+              </a:defRPr>
+            </a:lvl6pPr>
+            <a:lvl7pPr marL="2971800" indent="-228600" algn="l" defTabSz="914400" rtl="0" eaLnBrk="1" latinLnBrk="0" hangingPunct="1">
+              <a:lnSpc>
+                <a:spcPct val="90000"/>
+              </a:lnSpc>
+              <a:spcBef>
+                <a:spcPts val="500"/>
+              </a:spcBef>
+              <a:buFont typeface="Arial" panose="020B0604020202020204" pitchFamily="34" charset="0"/>
+              <a:buChar char="•"/>
+              <a:defRPr sz="1800" kern="1200">
+                <a:solidFill>
+                  <a:schemeClr val="tx1"/>
+                </a:solidFill>
+                <a:latin typeface="+mn-lt"/>
+                <a:ea typeface="+mn-ea"/>
+                <a:cs typeface="+mn-cs"/>
+              </a:defRPr>
+            </a:lvl7pPr>
+            <a:lvl8pPr marL="3429000" indent="-228600" algn="l" defTabSz="914400" rtl="0" eaLnBrk="1" latinLnBrk="0" hangingPunct="1">
+              <a:lnSpc>
+                <a:spcPct val="90000"/>
+              </a:lnSpc>
+              <a:spcBef>
+                <a:spcPts val="500"/>
+              </a:spcBef>
+              <a:buFont typeface="Arial" panose="020B0604020202020204" pitchFamily="34" charset="0"/>
+              <a:buChar char="•"/>
+              <a:defRPr sz="1800" kern="1200">
+                <a:solidFill>
+                  <a:schemeClr val="tx1"/>
+                </a:solidFill>
+                <a:latin typeface="+mn-lt"/>
+                <a:ea typeface="+mn-ea"/>
+                <a:cs typeface="+mn-cs"/>
+              </a:defRPr>
+            </a:lvl8pPr>
+            <a:lvl9pPr marL="3886200" indent="-228600" algn="l" defTabSz="914400" rtl="0" eaLnBrk="1" latinLnBrk="0" hangingPunct="1">
+              <a:lnSpc>
+                <a:spcPct val="90000"/>
+              </a:lnSpc>
+              <a:spcBef>
+                <a:spcPts val="500"/>
+              </a:spcBef>
+              <a:buFont typeface="Arial" panose="020B0604020202020204" pitchFamily="34" charset="0"/>
+              <a:buChar char="•"/>
+              <a:defRPr sz="1800" kern="1200">
+                <a:solidFill>
+                  <a:schemeClr val="tx1"/>
+                </a:solidFill>
+                <a:latin typeface="+mn-lt"/>
+                <a:ea typeface="+mn-ea"/>
+                <a:cs typeface="+mn-cs"/>
+              </a:defRPr>
+            </a:lvl9pPr>
+          </a:lstStyle>
+          <a:p>
+            <a:r>
+              <a:rPr lang="en-US" dirty="0"/>
+              <a:t>Time consumed : 142 238 467 *10^-7 seconds</a:t>
+            </a:r>
+            <a:endParaRPr lang="fr-FR" dirty="0"/>
+          </a:p>
+        </p:txBody>
+      </p:sp>
+    </p:spTree>
+    <p:extLst>
+      <p:ext uri="{BB962C8B-B14F-4D97-AF65-F5344CB8AC3E}">
+        <p14:creationId xmlns:p14="http://schemas.microsoft.com/office/powerpoint/2010/main" val="926123934"/>
+      </p:ext>
+    </p:extLst>
+  </p:cSld>
+  <p:clrMapOvr>
+    <a:masterClrMapping/>
+  </p:clrMapOvr>
+</p:sld>
+</file>
+
 <file path=ppt/slides/slide2.xml><?xml version="1.0" encoding="utf-8"?>
 <p:sld xmlns:a="http://schemas.openxmlformats.org/drawingml/2006/main" xmlns:r="http://schemas.openxmlformats.org/officeDocument/2006/relationships" xmlns:p="http://schemas.openxmlformats.org/presentationml/2006/main">
   <p:cSld>
@@ -4715,6 +5636,5038 @@
     <p:extLst>
       <p:ext uri="{BB962C8B-B14F-4D97-AF65-F5344CB8AC3E}">
         <p14:creationId xmlns:p14="http://schemas.microsoft.com/office/powerpoint/2010/main" val="4251498849"/>
+      </p:ext>
+    </p:extLst>
+  </p:cSld>
+  <p:clrMapOvr>
+    <a:masterClrMapping/>
+  </p:clrMapOvr>
+</p:sld>
+</file>
+
+<file path=ppt/slides/slide4.xml><?xml version="1.0" encoding="utf-8"?>
+<p:sld xmlns:a="http://schemas.openxmlformats.org/drawingml/2006/main" xmlns:r="http://schemas.openxmlformats.org/officeDocument/2006/relationships" xmlns:p="http://schemas.openxmlformats.org/presentationml/2006/main">
+  <p:cSld>
+    <p:spTree>
+      <p:nvGrpSpPr>
+        <p:cNvPr id="1" name=""/>
+        <p:cNvGrpSpPr/>
+        <p:nvPr/>
+      </p:nvGrpSpPr>
+      <p:grpSpPr>
+        <a:xfrm>
+          <a:off x="0" y="0"/>
+          <a:ext cx="0" cy="0"/>
+          <a:chOff x="0" y="0"/>
+          <a:chExt cx="0" cy="0"/>
+        </a:xfrm>
+      </p:grpSpPr>
+      <p:sp>
+        <p:nvSpPr>
+          <p:cNvPr id="2" name="Titre 1">
+            <a:extLst>
+              <a:ext uri="{FF2B5EF4-FFF2-40B4-BE49-F238E27FC236}">
+                <a16:creationId xmlns:a16="http://schemas.microsoft.com/office/drawing/2014/main" id="{51CF497A-9473-FE02-97FE-8DA70127CA39}"/>
+              </a:ext>
+            </a:extLst>
+          </p:cNvPr>
+          <p:cNvSpPr>
+            <a:spLocks noGrp="1"/>
+          </p:cNvSpPr>
+          <p:nvPr>
+            <p:ph type="title"/>
+          </p:nvPr>
+        </p:nvSpPr>
+        <p:spPr>
+          <a:xfrm>
+            <a:off x="3119391" y="2766218"/>
+            <a:ext cx="5953217" cy="1325563"/>
+          </a:xfrm>
+        </p:spPr>
+        <p:txBody>
+          <a:bodyPr/>
+          <a:lstStyle/>
+          <a:p>
+            <a:r>
+              <a:rPr lang="fr-FR" dirty="0"/>
+              <a:t>Avant la boucle Do/</a:t>
+            </a:r>
+            <a:r>
+              <a:rPr lang="fr-FR" dirty="0" err="1"/>
+              <a:t>While</a:t>
+            </a:r>
+            <a:endParaRPr lang="fr-FR" dirty="0"/>
+          </a:p>
+        </p:txBody>
+      </p:sp>
+    </p:spTree>
+    <p:extLst>
+      <p:ext uri="{BB962C8B-B14F-4D97-AF65-F5344CB8AC3E}">
+        <p14:creationId xmlns:p14="http://schemas.microsoft.com/office/powerpoint/2010/main" val="2590002118"/>
+      </p:ext>
+    </p:extLst>
+  </p:cSld>
+  <p:clrMapOvr>
+    <a:masterClrMapping/>
+  </p:clrMapOvr>
+</p:sld>
+</file>
+
+<file path=ppt/slides/slide5.xml><?xml version="1.0" encoding="utf-8"?>
+<p:sld xmlns:a="http://schemas.openxmlformats.org/drawingml/2006/main" xmlns:r="http://schemas.openxmlformats.org/officeDocument/2006/relationships" xmlns:p="http://schemas.openxmlformats.org/presentationml/2006/main">
+  <p:cSld>
+    <p:spTree>
+      <p:nvGrpSpPr>
+        <p:cNvPr id="1" name=""/>
+        <p:cNvGrpSpPr/>
+        <p:nvPr/>
+      </p:nvGrpSpPr>
+      <p:grpSpPr>
+        <a:xfrm>
+          <a:off x="0" y="0"/>
+          <a:ext cx="0" cy="0"/>
+          <a:chOff x="0" y="0"/>
+          <a:chExt cx="0" cy="0"/>
+        </a:xfrm>
+      </p:grpSpPr>
+      <p:sp>
+        <p:nvSpPr>
+          <p:cNvPr id="2" name="Titre 1">
+            <a:extLst>
+              <a:ext uri="{FF2B5EF4-FFF2-40B4-BE49-F238E27FC236}">
+                <a16:creationId xmlns:a16="http://schemas.microsoft.com/office/drawing/2014/main" id="{C3E4B3CA-6AD4-FFAF-4242-B39818CDC180}"/>
+              </a:ext>
+            </a:extLst>
+          </p:cNvPr>
+          <p:cNvSpPr>
+            <a:spLocks noGrp="1"/>
+          </p:cNvSpPr>
+          <p:nvPr>
+            <p:ph type="title"/>
+          </p:nvPr>
+        </p:nvSpPr>
+        <p:spPr>
+          <a:xfrm>
+            <a:off x="838200" y="365125"/>
+            <a:ext cx="10515600" cy="868871"/>
+          </a:xfrm>
+        </p:spPr>
+        <p:txBody>
+          <a:bodyPr/>
+          <a:lstStyle/>
+          <a:p>
+            <a:r>
+              <a:rPr lang="fr-FR" dirty="0"/>
+              <a:t>Test sur : </a:t>
+            </a:r>
+            <a:r>
+              <a:rPr lang="fr-FR" sz="1800" b="1" dirty="0">
+                <a:solidFill>
+                  <a:srgbClr val="642880"/>
+                </a:solidFill>
+                <a:latin typeface="Consolas" panose="020B0609020204030204" pitchFamily="49" charset="0"/>
+              </a:rPr>
+              <a:t>printf</a:t>
+            </a:r>
+            <a:r>
+              <a:rPr lang="fr-FR" sz="1800" b="1" dirty="0">
+                <a:solidFill>
+                  <a:srgbClr val="000000"/>
+                </a:solidFill>
+                <a:latin typeface="Consolas" panose="020B0609020204030204" pitchFamily="49" charset="0"/>
+              </a:rPr>
+              <a:t>(</a:t>
+            </a:r>
+            <a:r>
+              <a:rPr lang="fr-FR" sz="1800" b="1" dirty="0" err="1">
+                <a:solidFill>
+                  <a:srgbClr val="000000"/>
+                </a:solidFill>
+                <a:latin typeface="Consolas" panose="020B0609020204030204" pitchFamily="49" charset="0"/>
+              </a:rPr>
+              <a:t>msg_info_mode</a:t>
+            </a:r>
+            <a:r>
+              <a:rPr lang="fr-FR" sz="1800" b="1" dirty="0">
+                <a:solidFill>
+                  <a:srgbClr val="000000"/>
+                </a:solidFill>
+                <a:latin typeface="Consolas" panose="020B0609020204030204" pitchFamily="49" charset="0"/>
+              </a:rPr>
+              <a:t>);</a:t>
+            </a:r>
+            <a:endParaRPr lang="fr-FR" dirty="0"/>
+          </a:p>
+        </p:txBody>
+      </p:sp>
+      <p:sp>
+        <p:nvSpPr>
+          <p:cNvPr id="3" name="Espace réservé du contenu 2">
+            <a:extLst>
+              <a:ext uri="{FF2B5EF4-FFF2-40B4-BE49-F238E27FC236}">
+                <a16:creationId xmlns:a16="http://schemas.microsoft.com/office/drawing/2014/main" id="{D1EE424B-7DF7-BEF7-84EA-5E274F7AF8CA}"/>
+              </a:ext>
+            </a:extLst>
+          </p:cNvPr>
+          <p:cNvSpPr>
+            <a:spLocks noGrp="1"/>
+          </p:cNvSpPr>
+          <p:nvPr>
+            <p:ph idx="1"/>
+          </p:nvPr>
+        </p:nvSpPr>
+        <p:spPr>
+          <a:xfrm>
+            <a:off x="838200" y="1233996"/>
+            <a:ext cx="10515600" cy="509202"/>
+          </a:xfrm>
+        </p:spPr>
+        <p:txBody>
+          <a:bodyPr/>
+          <a:lstStyle/>
+          <a:p>
+            <a:r>
+              <a:rPr lang="en-US" dirty="0"/>
+              <a:t>Time consumed : 26442 *10^-7 seconds</a:t>
+            </a:r>
+            <a:endParaRPr lang="fr-FR" dirty="0"/>
+          </a:p>
+        </p:txBody>
+      </p:sp>
+      <p:sp>
+        <p:nvSpPr>
+          <p:cNvPr id="4" name="Titre 1">
+            <a:extLst>
+              <a:ext uri="{FF2B5EF4-FFF2-40B4-BE49-F238E27FC236}">
+                <a16:creationId xmlns:a16="http://schemas.microsoft.com/office/drawing/2014/main" id="{444B8E71-2D7B-4C5F-C2AF-38C7F6220532}"/>
+              </a:ext>
+            </a:extLst>
+          </p:cNvPr>
+          <p:cNvSpPr txBox="1">
+            <a:spLocks/>
+          </p:cNvSpPr>
+          <p:nvPr/>
+        </p:nvSpPr>
+        <p:spPr>
+          <a:xfrm>
+            <a:off x="838200" y="1662745"/>
+            <a:ext cx="10515600" cy="868871"/>
+          </a:xfrm>
+          <a:prstGeom prst="rect">
+            <a:avLst/>
+          </a:prstGeom>
+        </p:spPr>
+        <p:txBody>
+          <a:bodyPr vert="horz" lIns="91440" tIns="45720" rIns="91440" bIns="45720" rtlCol="0" anchor="ctr">
+            <a:normAutofit/>
+          </a:bodyPr>
+          <a:lstStyle>
+            <a:lvl1pPr algn="l" defTabSz="914400" rtl="0" eaLnBrk="1" latinLnBrk="0" hangingPunct="1">
+              <a:lnSpc>
+                <a:spcPct val="90000"/>
+              </a:lnSpc>
+              <a:spcBef>
+                <a:spcPct val="0"/>
+              </a:spcBef>
+              <a:buNone/>
+              <a:defRPr sz="4400" kern="1200">
+                <a:solidFill>
+                  <a:schemeClr val="tx1"/>
+                </a:solidFill>
+                <a:latin typeface="+mj-lt"/>
+                <a:ea typeface="+mj-ea"/>
+                <a:cs typeface="+mj-cs"/>
+              </a:defRPr>
+            </a:lvl1pPr>
+          </a:lstStyle>
+          <a:p>
+            <a:r>
+              <a:rPr lang="fr-FR" dirty="0"/>
+              <a:t>Test sur : </a:t>
+            </a:r>
+            <a:r>
+              <a:rPr lang="fr-FR" sz="1800" b="1" dirty="0">
+                <a:solidFill>
+                  <a:srgbClr val="642880"/>
+                </a:solidFill>
+                <a:latin typeface="Consolas" panose="020B0609020204030204" pitchFamily="49" charset="0"/>
+              </a:rPr>
+              <a:t>printf</a:t>
+            </a:r>
+            <a:r>
+              <a:rPr lang="fr-FR" sz="1800" b="1" dirty="0">
+                <a:solidFill>
+                  <a:srgbClr val="000000"/>
+                </a:solidFill>
+                <a:latin typeface="Consolas" panose="020B0609020204030204" pitchFamily="49" charset="0"/>
+              </a:rPr>
+              <a:t>(</a:t>
+            </a:r>
+            <a:r>
+              <a:rPr lang="fr-FR" sz="1800" b="1" dirty="0" err="1">
+                <a:solidFill>
+                  <a:srgbClr val="000000"/>
+                </a:solidFill>
+                <a:latin typeface="Consolas" panose="020B0609020204030204" pitchFamily="49" charset="0"/>
+              </a:rPr>
+              <a:t>msg_motor_ready</a:t>
+            </a:r>
+            <a:r>
+              <a:rPr lang="fr-FR" sz="1800" b="1" dirty="0">
+                <a:solidFill>
+                  <a:srgbClr val="000000"/>
+                </a:solidFill>
+                <a:latin typeface="Consolas" panose="020B0609020204030204" pitchFamily="49" charset="0"/>
+              </a:rPr>
+              <a:t>);</a:t>
+            </a:r>
+            <a:endParaRPr lang="fr-FR" dirty="0"/>
+          </a:p>
+        </p:txBody>
+      </p:sp>
+      <p:sp>
+        <p:nvSpPr>
+          <p:cNvPr id="5" name="Espace réservé du contenu 2">
+            <a:extLst>
+              <a:ext uri="{FF2B5EF4-FFF2-40B4-BE49-F238E27FC236}">
+                <a16:creationId xmlns:a16="http://schemas.microsoft.com/office/drawing/2014/main" id="{741CD6DB-09D1-BBDB-2679-0B715D5A7240}"/>
+              </a:ext>
+            </a:extLst>
+          </p:cNvPr>
+          <p:cNvSpPr txBox="1">
+            <a:spLocks/>
+          </p:cNvSpPr>
+          <p:nvPr/>
+        </p:nvSpPr>
+        <p:spPr>
+          <a:xfrm>
+            <a:off x="838200" y="2531616"/>
+            <a:ext cx="10515600" cy="509202"/>
+          </a:xfrm>
+          <a:prstGeom prst="rect">
+            <a:avLst/>
+          </a:prstGeom>
+        </p:spPr>
+        <p:txBody>
+          <a:bodyPr vert="horz" lIns="91440" tIns="45720" rIns="91440" bIns="45720" rtlCol="0">
+            <a:normAutofit/>
+          </a:bodyPr>
+          <a:lstStyle>
+            <a:lvl1pPr marL="228600" indent="-228600" algn="l" defTabSz="914400" rtl="0" eaLnBrk="1" latinLnBrk="0" hangingPunct="1">
+              <a:lnSpc>
+                <a:spcPct val="90000"/>
+              </a:lnSpc>
+              <a:spcBef>
+                <a:spcPts val="1000"/>
+              </a:spcBef>
+              <a:buFont typeface="Arial" panose="020B0604020202020204" pitchFamily="34" charset="0"/>
+              <a:buChar char="•"/>
+              <a:defRPr sz="2800" kern="1200">
+                <a:solidFill>
+                  <a:schemeClr val="tx1"/>
+                </a:solidFill>
+                <a:latin typeface="+mn-lt"/>
+                <a:ea typeface="+mn-ea"/>
+                <a:cs typeface="+mn-cs"/>
+              </a:defRPr>
+            </a:lvl1pPr>
+            <a:lvl2pPr marL="685800" indent="-228600" algn="l" defTabSz="914400" rtl="0" eaLnBrk="1" latinLnBrk="0" hangingPunct="1">
+              <a:lnSpc>
+                <a:spcPct val="90000"/>
+              </a:lnSpc>
+              <a:spcBef>
+                <a:spcPts val="500"/>
+              </a:spcBef>
+              <a:buFont typeface="Arial" panose="020B0604020202020204" pitchFamily="34" charset="0"/>
+              <a:buChar char="•"/>
+              <a:defRPr sz="2400" kern="1200">
+                <a:solidFill>
+                  <a:schemeClr val="tx1"/>
+                </a:solidFill>
+                <a:latin typeface="+mn-lt"/>
+                <a:ea typeface="+mn-ea"/>
+                <a:cs typeface="+mn-cs"/>
+              </a:defRPr>
+            </a:lvl2pPr>
+            <a:lvl3pPr marL="1143000" indent="-228600" algn="l" defTabSz="914400" rtl="0" eaLnBrk="1" latinLnBrk="0" hangingPunct="1">
+              <a:lnSpc>
+                <a:spcPct val="90000"/>
+              </a:lnSpc>
+              <a:spcBef>
+                <a:spcPts val="500"/>
+              </a:spcBef>
+              <a:buFont typeface="Arial" panose="020B0604020202020204" pitchFamily="34" charset="0"/>
+              <a:buChar char="•"/>
+              <a:defRPr sz="2000" kern="1200">
+                <a:solidFill>
+                  <a:schemeClr val="tx1"/>
+                </a:solidFill>
+                <a:latin typeface="+mn-lt"/>
+                <a:ea typeface="+mn-ea"/>
+                <a:cs typeface="+mn-cs"/>
+              </a:defRPr>
+            </a:lvl3pPr>
+            <a:lvl4pPr marL="1600200" indent="-228600" algn="l" defTabSz="914400" rtl="0" eaLnBrk="1" latinLnBrk="0" hangingPunct="1">
+              <a:lnSpc>
+                <a:spcPct val="90000"/>
+              </a:lnSpc>
+              <a:spcBef>
+                <a:spcPts val="500"/>
+              </a:spcBef>
+              <a:buFont typeface="Arial" panose="020B0604020202020204" pitchFamily="34" charset="0"/>
+              <a:buChar char="•"/>
+              <a:defRPr sz="1800" kern="1200">
+                <a:solidFill>
+                  <a:schemeClr val="tx1"/>
+                </a:solidFill>
+                <a:latin typeface="+mn-lt"/>
+                <a:ea typeface="+mn-ea"/>
+                <a:cs typeface="+mn-cs"/>
+              </a:defRPr>
+            </a:lvl4pPr>
+            <a:lvl5pPr marL="2057400" indent="-228600" algn="l" defTabSz="914400" rtl="0" eaLnBrk="1" latinLnBrk="0" hangingPunct="1">
+              <a:lnSpc>
+                <a:spcPct val="90000"/>
+              </a:lnSpc>
+              <a:spcBef>
+                <a:spcPts val="500"/>
+              </a:spcBef>
+              <a:buFont typeface="Arial" panose="020B0604020202020204" pitchFamily="34" charset="0"/>
+              <a:buChar char="•"/>
+              <a:defRPr sz="1800" kern="1200">
+                <a:solidFill>
+                  <a:schemeClr val="tx1"/>
+                </a:solidFill>
+                <a:latin typeface="+mn-lt"/>
+                <a:ea typeface="+mn-ea"/>
+                <a:cs typeface="+mn-cs"/>
+              </a:defRPr>
+            </a:lvl5pPr>
+            <a:lvl6pPr marL="2514600" indent="-228600" algn="l" defTabSz="914400" rtl="0" eaLnBrk="1" latinLnBrk="0" hangingPunct="1">
+              <a:lnSpc>
+                <a:spcPct val="90000"/>
+              </a:lnSpc>
+              <a:spcBef>
+                <a:spcPts val="500"/>
+              </a:spcBef>
+              <a:buFont typeface="Arial" panose="020B0604020202020204" pitchFamily="34" charset="0"/>
+              <a:buChar char="•"/>
+              <a:defRPr sz="1800" kern="1200">
+                <a:solidFill>
+                  <a:schemeClr val="tx1"/>
+                </a:solidFill>
+                <a:latin typeface="+mn-lt"/>
+                <a:ea typeface="+mn-ea"/>
+                <a:cs typeface="+mn-cs"/>
+              </a:defRPr>
+            </a:lvl6pPr>
+            <a:lvl7pPr marL="2971800" indent="-228600" algn="l" defTabSz="914400" rtl="0" eaLnBrk="1" latinLnBrk="0" hangingPunct="1">
+              <a:lnSpc>
+                <a:spcPct val="90000"/>
+              </a:lnSpc>
+              <a:spcBef>
+                <a:spcPts val="500"/>
+              </a:spcBef>
+              <a:buFont typeface="Arial" panose="020B0604020202020204" pitchFamily="34" charset="0"/>
+              <a:buChar char="•"/>
+              <a:defRPr sz="1800" kern="1200">
+                <a:solidFill>
+                  <a:schemeClr val="tx1"/>
+                </a:solidFill>
+                <a:latin typeface="+mn-lt"/>
+                <a:ea typeface="+mn-ea"/>
+                <a:cs typeface="+mn-cs"/>
+              </a:defRPr>
+            </a:lvl7pPr>
+            <a:lvl8pPr marL="3429000" indent="-228600" algn="l" defTabSz="914400" rtl="0" eaLnBrk="1" latinLnBrk="0" hangingPunct="1">
+              <a:lnSpc>
+                <a:spcPct val="90000"/>
+              </a:lnSpc>
+              <a:spcBef>
+                <a:spcPts val="500"/>
+              </a:spcBef>
+              <a:buFont typeface="Arial" panose="020B0604020202020204" pitchFamily="34" charset="0"/>
+              <a:buChar char="•"/>
+              <a:defRPr sz="1800" kern="1200">
+                <a:solidFill>
+                  <a:schemeClr val="tx1"/>
+                </a:solidFill>
+                <a:latin typeface="+mn-lt"/>
+                <a:ea typeface="+mn-ea"/>
+                <a:cs typeface="+mn-cs"/>
+              </a:defRPr>
+            </a:lvl8pPr>
+            <a:lvl9pPr marL="3886200" indent="-228600" algn="l" defTabSz="914400" rtl="0" eaLnBrk="1" latinLnBrk="0" hangingPunct="1">
+              <a:lnSpc>
+                <a:spcPct val="90000"/>
+              </a:lnSpc>
+              <a:spcBef>
+                <a:spcPts val="500"/>
+              </a:spcBef>
+              <a:buFont typeface="Arial" panose="020B0604020202020204" pitchFamily="34" charset="0"/>
+              <a:buChar char="•"/>
+              <a:defRPr sz="1800" kern="1200">
+                <a:solidFill>
+                  <a:schemeClr val="tx1"/>
+                </a:solidFill>
+                <a:latin typeface="+mn-lt"/>
+                <a:ea typeface="+mn-ea"/>
+                <a:cs typeface="+mn-cs"/>
+              </a:defRPr>
+            </a:lvl9pPr>
+          </a:lstStyle>
+          <a:p>
+            <a:r>
+              <a:rPr lang="en-US" dirty="0"/>
+              <a:t>Time consumed : 38564 *10^-7 seconds</a:t>
+            </a:r>
+            <a:endParaRPr lang="fr-FR" dirty="0"/>
+          </a:p>
+        </p:txBody>
+      </p:sp>
+      <p:sp>
+        <p:nvSpPr>
+          <p:cNvPr id="6" name="Titre 1">
+            <a:extLst>
+              <a:ext uri="{FF2B5EF4-FFF2-40B4-BE49-F238E27FC236}">
+                <a16:creationId xmlns:a16="http://schemas.microsoft.com/office/drawing/2014/main" id="{443076D1-2726-9A9E-CE2F-CD5E1951B1D2}"/>
+              </a:ext>
+            </a:extLst>
+          </p:cNvPr>
+          <p:cNvSpPr txBox="1">
+            <a:spLocks/>
+          </p:cNvSpPr>
+          <p:nvPr/>
+        </p:nvSpPr>
+        <p:spPr>
+          <a:xfrm>
+            <a:off x="838200" y="3214966"/>
+            <a:ext cx="10515600" cy="868871"/>
+          </a:xfrm>
+          <a:prstGeom prst="rect">
+            <a:avLst/>
+          </a:prstGeom>
+        </p:spPr>
+        <p:txBody>
+          <a:bodyPr vert="horz" lIns="91440" tIns="45720" rIns="91440" bIns="45720" rtlCol="0" anchor="ctr">
+            <a:normAutofit fontScale="85000" lnSpcReduction="10000"/>
+          </a:bodyPr>
+          <a:lstStyle>
+            <a:lvl1pPr algn="l" defTabSz="914400" rtl="0" eaLnBrk="1" latinLnBrk="0" hangingPunct="1">
+              <a:lnSpc>
+                <a:spcPct val="90000"/>
+              </a:lnSpc>
+              <a:spcBef>
+                <a:spcPct val="0"/>
+              </a:spcBef>
+              <a:buNone/>
+              <a:defRPr sz="4400" kern="1200">
+                <a:solidFill>
+                  <a:schemeClr val="tx1"/>
+                </a:solidFill>
+                <a:latin typeface="+mj-lt"/>
+                <a:ea typeface="+mj-ea"/>
+                <a:cs typeface="+mj-cs"/>
+              </a:defRPr>
+            </a:lvl1pPr>
+          </a:lstStyle>
+          <a:p>
+            <a:r>
+              <a:rPr lang="fr-FR" dirty="0"/>
+              <a:t>Test sur : </a:t>
+            </a:r>
+            <a:r>
+              <a:rPr lang="en-US" sz="1800" b="1" dirty="0" err="1">
+                <a:solidFill>
+                  <a:srgbClr val="642880"/>
+                </a:solidFill>
+                <a:latin typeface="Consolas" panose="020B0609020204030204" pitchFamily="49" charset="0"/>
+              </a:rPr>
+              <a:t>printf</a:t>
+            </a:r>
+            <a:r>
+              <a:rPr lang="en-US" sz="1800" b="1" dirty="0">
+                <a:solidFill>
+                  <a:srgbClr val="000000"/>
+                </a:solidFill>
+                <a:latin typeface="Consolas" panose="020B0609020204030204" pitchFamily="49" charset="0"/>
+              </a:rPr>
+              <a:t>(</a:t>
+            </a:r>
+            <a:r>
+              <a:rPr lang="en-US" sz="1800" b="1" dirty="0">
+                <a:solidFill>
+                  <a:srgbClr val="2A00FF"/>
+                </a:solidFill>
+                <a:latin typeface="Consolas" panose="020B0609020204030204" pitchFamily="49" charset="0"/>
+              </a:rPr>
+              <a:t>"&gt; Please enter [x] if you want to modify </a:t>
+            </a:r>
+            <a:r>
+              <a:rPr lang="en-US" sz="1800" b="1" u="sng" dirty="0" err="1">
+                <a:solidFill>
+                  <a:srgbClr val="2A00FF"/>
+                </a:solidFill>
+                <a:latin typeface="Consolas" panose="020B0609020204030204" pitchFamily="49" charset="0"/>
+              </a:rPr>
+              <a:t>kp</a:t>
+            </a:r>
+            <a:r>
+              <a:rPr lang="en-US" sz="1800" b="1" u="sng" dirty="0">
+                <a:solidFill>
+                  <a:srgbClr val="2A00FF"/>
+                </a:solidFill>
+                <a:latin typeface="Consolas" panose="020B0609020204030204" pitchFamily="49" charset="0"/>
+              </a:rPr>
+              <a:t> value\n\</a:t>
+            </a:r>
+            <a:r>
+              <a:rPr lang="en-US" sz="1800" b="1" u="sng" dirty="0" err="1">
+                <a:solidFill>
+                  <a:srgbClr val="2A00FF"/>
+                </a:solidFill>
+                <a:latin typeface="Consolas" panose="020B0609020204030204" pitchFamily="49" charset="0"/>
+              </a:rPr>
+              <a:t>rPlease</a:t>
+            </a:r>
+            <a:r>
+              <a:rPr lang="en-US" sz="1800" b="1" u="sng" dirty="0">
+                <a:solidFill>
+                  <a:srgbClr val="2A00FF"/>
+                </a:solidFill>
+                <a:latin typeface="Consolas" panose="020B0609020204030204" pitchFamily="49" charset="0"/>
+              </a:rPr>
+              <a:t> enter [y] if you want to modify ki value\n\</a:t>
+            </a:r>
+            <a:r>
+              <a:rPr lang="en-US" sz="1800" b="1" u="sng" dirty="0" err="1">
+                <a:solidFill>
+                  <a:srgbClr val="2A00FF"/>
+                </a:solidFill>
+                <a:latin typeface="Consolas" panose="020B0609020204030204" pitchFamily="49" charset="0"/>
+              </a:rPr>
+              <a:t>rPlease</a:t>
+            </a:r>
+            <a:r>
+              <a:rPr lang="en-US" sz="1800" b="1" u="sng" dirty="0">
+                <a:solidFill>
+                  <a:srgbClr val="2A00FF"/>
+                </a:solidFill>
+                <a:latin typeface="Consolas" panose="020B0609020204030204" pitchFamily="49" charset="0"/>
+              </a:rPr>
+              <a:t> enter [z] if you want to modify </a:t>
+            </a:r>
+            <a:r>
+              <a:rPr lang="en-US" sz="1800" b="1" u="sng" dirty="0" err="1">
+                <a:solidFill>
+                  <a:srgbClr val="2A00FF"/>
+                </a:solidFill>
+                <a:latin typeface="Consolas" panose="020B0609020204030204" pitchFamily="49" charset="0"/>
+              </a:rPr>
+              <a:t>kd</a:t>
+            </a:r>
+            <a:r>
+              <a:rPr lang="en-US" sz="1800" b="1" u="sng" dirty="0">
+                <a:solidFill>
+                  <a:srgbClr val="2A00FF"/>
+                </a:solidFill>
+                <a:latin typeface="Consolas" panose="020B0609020204030204" pitchFamily="49" charset="0"/>
+              </a:rPr>
+              <a:t> value\n\r"</a:t>
+            </a:r>
+            <a:r>
+              <a:rPr lang="en-US" sz="1800" b="1" u="sng" dirty="0">
+                <a:solidFill>
+                  <a:srgbClr val="000000"/>
+                </a:solidFill>
+                <a:latin typeface="Consolas" panose="020B0609020204030204" pitchFamily="49" charset="0"/>
+              </a:rPr>
+              <a:t>);</a:t>
+            </a:r>
+          </a:p>
+          <a:p>
+            <a:endParaRPr lang="fr-FR" dirty="0"/>
+          </a:p>
+        </p:txBody>
+      </p:sp>
+      <p:sp>
+        <p:nvSpPr>
+          <p:cNvPr id="7" name="Espace réservé du contenu 2">
+            <a:extLst>
+              <a:ext uri="{FF2B5EF4-FFF2-40B4-BE49-F238E27FC236}">
+                <a16:creationId xmlns:a16="http://schemas.microsoft.com/office/drawing/2014/main" id="{CDA417EE-040C-7D34-354E-E3224AA79A10}"/>
+              </a:ext>
+            </a:extLst>
+          </p:cNvPr>
+          <p:cNvSpPr txBox="1">
+            <a:spLocks/>
+          </p:cNvSpPr>
+          <p:nvPr/>
+        </p:nvSpPr>
+        <p:spPr>
+          <a:xfrm>
+            <a:off x="838200" y="3829236"/>
+            <a:ext cx="10515600" cy="509202"/>
+          </a:xfrm>
+          <a:prstGeom prst="rect">
+            <a:avLst/>
+          </a:prstGeom>
+        </p:spPr>
+        <p:txBody>
+          <a:bodyPr vert="horz" lIns="91440" tIns="45720" rIns="91440" bIns="45720" rtlCol="0">
+            <a:normAutofit/>
+          </a:bodyPr>
+          <a:lstStyle>
+            <a:lvl1pPr marL="228600" indent="-228600" algn="l" defTabSz="914400" rtl="0" eaLnBrk="1" latinLnBrk="0" hangingPunct="1">
+              <a:lnSpc>
+                <a:spcPct val="90000"/>
+              </a:lnSpc>
+              <a:spcBef>
+                <a:spcPts val="1000"/>
+              </a:spcBef>
+              <a:buFont typeface="Arial" panose="020B0604020202020204" pitchFamily="34" charset="0"/>
+              <a:buChar char="•"/>
+              <a:defRPr sz="2800" kern="1200">
+                <a:solidFill>
+                  <a:schemeClr val="tx1"/>
+                </a:solidFill>
+                <a:latin typeface="+mn-lt"/>
+                <a:ea typeface="+mn-ea"/>
+                <a:cs typeface="+mn-cs"/>
+              </a:defRPr>
+            </a:lvl1pPr>
+            <a:lvl2pPr marL="685800" indent="-228600" algn="l" defTabSz="914400" rtl="0" eaLnBrk="1" latinLnBrk="0" hangingPunct="1">
+              <a:lnSpc>
+                <a:spcPct val="90000"/>
+              </a:lnSpc>
+              <a:spcBef>
+                <a:spcPts val="500"/>
+              </a:spcBef>
+              <a:buFont typeface="Arial" panose="020B0604020202020204" pitchFamily="34" charset="0"/>
+              <a:buChar char="•"/>
+              <a:defRPr sz="2400" kern="1200">
+                <a:solidFill>
+                  <a:schemeClr val="tx1"/>
+                </a:solidFill>
+                <a:latin typeface="+mn-lt"/>
+                <a:ea typeface="+mn-ea"/>
+                <a:cs typeface="+mn-cs"/>
+              </a:defRPr>
+            </a:lvl2pPr>
+            <a:lvl3pPr marL="1143000" indent="-228600" algn="l" defTabSz="914400" rtl="0" eaLnBrk="1" latinLnBrk="0" hangingPunct="1">
+              <a:lnSpc>
+                <a:spcPct val="90000"/>
+              </a:lnSpc>
+              <a:spcBef>
+                <a:spcPts val="500"/>
+              </a:spcBef>
+              <a:buFont typeface="Arial" panose="020B0604020202020204" pitchFamily="34" charset="0"/>
+              <a:buChar char="•"/>
+              <a:defRPr sz="2000" kern="1200">
+                <a:solidFill>
+                  <a:schemeClr val="tx1"/>
+                </a:solidFill>
+                <a:latin typeface="+mn-lt"/>
+                <a:ea typeface="+mn-ea"/>
+                <a:cs typeface="+mn-cs"/>
+              </a:defRPr>
+            </a:lvl3pPr>
+            <a:lvl4pPr marL="1600200" indent="-228600" algn="l" defTabSz="914400" rtl="0" eaLnBrk="1" latinLnBrk="0" hangingPunct="1">
+              <a:lnSpc>
+                <a:spcPct val="90000"/>
+              </a:lnSpc>
+              <a:spcBef>
+                <a:spcPts val="500"/>
+              </a:spcBef>
+              <a:buFont typeface="Arial" panose="020B0604020202020204" pitchFamily="34" charset="0"/>
+              <a:buChar char="•"/>
+              <a:defRPr sz="1800" kern="1200">
+                <a:solidFill>
+                  <a:schemeClr val="tx1"/>
+                </a:solidFill>
+                <a:latin typeface="+mn-lt"/>
+                <a:ea typeface="+mn-ea"/>
+                <a:cs typeface="+mn-cs"/>
+              </a:defRPr>
+            </a:lvl4pPr>
+            <a:lvl5pPr marL="2057400" indent="-228600" algn="l" defTabSz="914400" rtl="0" eaLnBrk="1" latinLnBrk="0" hangingPunct="1">
+              <a:lnSpc>
+                <a:spcPct val="90000"/>
+              </a:lnSpc>
+              <a:spcBef>
+                <a:spcPts val="500"/>
+              </a:spcBef>
+              <a:buFont typeface="Arial" panose="020B0604020202020204" pitchFamily="34" charset="0"/>
+              <a:buChar char="•"/>
+              <a:defRPr sz="1800" kern="1200">
+                <a:solidFill>
+                  <a:schemeClr val="tx1"/>
+                </a:solidFill>
+                <a:latin typeface="+mn-lt"/>
+                <a:ea typeface="+mn-ea"/>
+                <a:cs typeface="+mn-cs"/>
+              </a:defRPr>
+            </a:lvl5pPr>
+            <a:lvl6pPr marL="2514600" indent="-228600" algn="l" defTabSz="914400" rtl="0" eaLnBrk="1" latinLnBrk="0" hangingPunct="1">
+              <a:lnSpc>
+                <a:spcPct val="90000"/>
+              </a:lnSpc>
+              <a:spcBef>
+                <a:spcPts val="500"/>
+              </a:spcBef>
+              <a:buFont typeface="Arial" panose="020B0604020202020204" pitchFamily="34" charset="0"/>
+              <a:buChar char="•"/>
+              <a:defRPr sz="1800" kern="1200">
+                <a:solidFill>
+                  <a:schemeClr val="tx1"/>
+                </a:solidFill>
+                <a:latin typeface="+mn-lt"/>
+                <a:ea typeface="+mn-ea"/>
+                <a:cs typeface="+mn-cs"/>
+              </a:defRPr>
+            </a:lvl6pPr>
+            <a:lvl7pPr marL="2971800" indent="-228600" algn="l" defTabSz="914400" rtl="0" eaLnBrk="1" latinLnBrk="0" hangingPunct="1">
+              <a:lnSpc>
+                <a:spcPct val="90000"/>
+              </a:lnSpc>
+              <a:spcBef>
+                <a:spcPts val="500"/>
+              </a:spcBef>
+              <a:buFont typeface="Arial" panose="020B0604020202020204" pitchFamily="34" charset="0"/>
+              <a:buChar char="•"/>
+              <a:defRPr sz="1800" kern="1200">
+                <a:solidFill>
+                  <a:schemeClr val="tx1"/>
+                </a:solidFill>
+                <a:latin typeface="+mn-lt"/>
+                <a:ea typeface="+mn-ea"/>
+                <a:cs typeface="+mn-cs"/>
+              </a:defRPr>
+            </a:lvl7pPr>
+            <a:lvl8pPr marL="3429000" indent="-228600" algn="l" defTabSz="914400" rtl="0" eaLnBrk="1" latinLnBrk="0" hangingPunct="1">
+              <a:lnSpc>
+                <a:spcPct val="90000"/>
+              </a:lnSpc>
+              <a:spcBef>
+                <a:spcPts val="500"/>
+              </a:spcBef>
+              <a:buFont typeface="Arial" panose="020B0604020202020204" pitchFamily="34" charset="0"/>
+              <a:buChar char="•"/>
+              <a:defRPr sz="1800" kern="1200">
+                <a:solidFill>
+                  <a:schemeClr val="tx1"/>
+                </a:solidFill>
+                <a:latin typeface="+mn-lt"/>
+                <a:ea typeface="+mn-ea"/>
+                <a:cs typeface="+mn-cs"/>
+              </a:defRPr>
+            </a:lvl8pPr>
+            <a:lvl9pPr marL="3886200" indent="-228600" algn="l" defTabSz="914400" rtl="0" eaLnBrk="1" latinLnBrk="0" hangingPunct="1">
+              <a:lnSpc>
+                <a:spcPct val="90000"/>
+              </a:lnSpc>
+              <a:spcBef>
+                <a:spcPts val="500"/>
+              </a:spcBef>
+              <a:buFont typeface="Arial" panose="020B0604020202020204" pitchFamily="34" charset="0"/>
+              <a:buChar char="•"/>
+              <a:defRPr sz="1800" kern="1200">
+                <a:solidFill>
+                  <a:schemeClr val="tx1"/>
+                </a:solidFill>
+                <a:latin typeface="+mn-lt"/>
+                <a:ea typeface="+mn-ea"/>
+                <a:cs typeface="+mn-cs"/>
+              </a:defRPr>
+            </a:lvl9pPr>
+          </a:lstStyle>
+          <a:p>
+            <a:r>
+              <a:rPr lang="en-US" dirty="0"/>
+              <a:t>Time consumed : 130453 *10^-7 seconds </a:t>
+            </a:r>
+            <a:endParaRPr lang="fr-FR" dirty="0"/>
+          </a:p>
+        </p:txBody>
+      </p:sp>
+      <p:sp>
+        <p:nvSpPr>
+          <p:cNvPr id="8" name="Titre 1">
+            <a:extLst>
+              <a:ext uri="{FF2B5EF4-FFF2-40B4-BE49-F238E27FC236}">
+                <a16:creationId xmlns:a16="http://schemas.microsoft.com/office/drawing/2014/main" id="{4DB8C118-9FAC-6B9A-9C36-45D92A00D521}"/>
+              </a:ext>
+            </a:extLst>
+          </p:cNvPr>
+          <p:cNvSpPr txBox="1">
+            <a:spLocks/>
+          </p:cNvSpPr>
+          <p:nvPr/>
+        </p:nvSpPr>
+        <p:spPr>
+          <a:xfrm>
+            <a:off x="838200" y="4225079"/>
+            <a:ext cx="11353800" cy="868871"/>
+          </a:xfrm>
+          <a:prstGeom prst="rect">
+            <a:avLst/>
+          </a:prstGeom>
+        </p:spPr>
+        <p:txBody>
+          <a:bodyPr vert="horz" lIns="91440" tIns="45720" rIns="91440" bIns="45720" rtlCol="0" anchor="ctr">
+            <a:normAutofit/>
+          </a:bodyPr>
+          <a:lstStyle>
+            <a:lvl1pPr algn="l" defTabSz="914400" rtl="0" eaLnBrk="1" latinLnBrk="0" hangingPunct="1">
+              <a:lnSpc>
+                <a:spcPct val="90000"/>
+              </a:lnSpc>
+              <a:spcBef>
+                <a:spcPct val="0"/>
+              </a:spcBef>
+              <a:buNone/>
+              <a:defRPr sz="4400" kern="1200">
+                <a:solidFill>
+                  <a:schemeClr val="tx1"/>
+                </a:solidFill>
+                <a:latin typeface="+mj-lt"/>
+                <a:ea typeface="+mj-ea"/>
+                <a:cs typeface="+mj-cs"/>
+              </a:defRPr>
+            </a:lvl1pPr>
+          </a:lstStyle>
+          <a:p>
+            <a:r>
+              <a:rPr lang="fr-FR" dirty="0"/>
+              <a:t>Test sur : </a:t>
+            </a:r>
+            <a:r>
+              <a:rPr lang="en-US" sz="1800" b="1" dirty="0" err="1">
+                <a:solidFill>
+                  <a:srgbClr val="642880"/>
+                </a:solidFill>
+                <a:latin typeface="Consolas" panose="020B0609020204030204" pitchFamily="49" charset="0"/>
+              </a:rPr>
+              <a:t>printf</a:t>
+            </a:r>
+            <a:r>
+              <a:rPr lang="en-US" sz="1800" b="1" dirty="0">
+                <a:solidFill>
+                  <a:srgbClr val="000000"/>
+                </a:solidFill>
+                <a:latin typeface="Consolas" panose="020B0609020204030204" pitchFamily="49" charset="0"/>
+              </a:rPr>
+              <a:t>(</a:t>
+            </a:r>
+            <a:r>
+              <a:rPr lang="en-US" sz="1800" b="1" dirty="0">
+                <a:solidFill>
+                  <a:srgbClr val="2A00FF"/>
+                </a:solidFill>
+                <a:latin typeface="Consolas" panose="020B0609020204030204" pitchFamily="49" charset="0"/>
+              </a:rPr>
+              <a:t>"&gt; Please enter [w] if you want to modify the angle value\n\r"</a:t>
+            </a:r>
+            <a:r>
+              <a:rPr lang="en-US" sz="1800" b="1" dirty="0">
+                <a:solidFill>
+                  <a:srgbClr val="000000"/>
+                </a:solidFill>
+                <a:latin typeface="Consolas" panose="020B0609020204030204" pitchFamily="49" charset="0"/>
+              </a:rPr>
+              <a:t>);</a:t>
+            </a:r>
+            <a:endParaRPr lang="fr-FR" dirty="0"/>
+          </a:p>
+        </p:txBody>
+      </p:sp>
+      <p:sp>
+        <p:nvSpPr>
+          <p:cNvPr id="9" name="Espace réservé du contenu 2">
+            <a:extLst>
+              <a:ext uri="{FF2B5EF4-FFF2-40B4-BE49-F238E27FC236}">
+                <a16:creationId xmlns:a16="http://schemas.microsoft.com/office/drawing/2014/main" id="{E40D3C07-9662-17E1-2254-F4DAB877088C}"/>
+              </a:ext>
+            </a:extLst>
+          </p:cNvPr>
+          <p:cNvSpPr txBox="1">
+            <a:spLocks/>
+          </p:cNvSpPr>
+          <p:nvPr/>
+        </p:nvSpPr>
+        <p:spPr>
+          <a:xfrm>
+            <a:off x="838200" y="4980591"/>
+            <a:ext cx="10515600" cy="509202"/>
+          </a:xfrm>
+          <a:prstGeom prst="rect">
+            <a:avLst/>
+          </a:prstGeom>
+        </p:spPr>
+        <p:txBody>
+          <a:bodyPr vert="horz" lIns="91440" tIns="45720" rIns="91440" bIns="45720" rtlCol="0">
+            <a:normAutofit/>
+          </a:bodyPr>
+          <a:lstStyle>
+            <a:lvl1pPr marL="228600" indent="-228600" algn="l" defTabSz="914400" rtl="0" eaLnBrk="1" latinLnBrk="0" hangingPunct="1">
+              <a:lnSpc>
+                <a:spcPct val="90000"/>
+              </a:lnSpc>
+              <a:spcBef>
+                <a:spcPts val="1000"/>
+              </a:spcBef>
+              <a:buFont typeface="Arial" panose="020B0604020202020204" pitchFamily="34" charset="0"/>
+              <a:buChar char="•"/>
+              <a:defRPr sz="2800" kern="1200">
+                <a:solidFill>
+                  <a:schemeClr val="tx1"/>
+                </a:solidFill>
+                <a:latin typeface="+mn-lt"/>
+                <a:ea typeface="+mn-ea"/>
+                <a:cs typeface="+mn-cs"/>
+              </a:defRPr>
+            </a:lvl1pPr>
+            <a:lvl2pPr marL="685800" indent="-228600" algn="l" defTabSz="914400" rtl="0" eaLnBrk="1" latinLnBrk="0" hangingPunct="1">
+              <a:lnSpc>
+                <a:spcPct val="90000"/>
+              </a:lnSpc>
+              <a:spcBef>
+                <a:spcPts val="500"/>
+              </a:spcBef>
+              <a:buFont typeface="Arial" panose="020B0604020202020204" pitchFamily="34" charset="0"/>
+              <a:buChar char="•"/>
+              <a:defRPr sz="2400" kern="1200">
+                <a:solidFill>
+                  <a:schemeClr val="tx1"/>
+                </a:solidFill>
+                <a:latin typeface="+mn-lt"/>
+                <a:ea typeface="+mn-ea"/>
+                <a:cs typeface="+mn-cs"/>
+              </a:defRPr>
+            </a:lvl2pPr>
+            <a:lvl3pPr marL="1143000" indent="-228600" algn="l" defTabSz="914400" rtl="0" eaLnBrk="1" latinLnBrk="0" hangingPunct="1">
+              <a:lnSpc>
+                <a:spcPct val="90000"/>
+              </a:lnSpc>
+              <a:spcBef>
+                <a:spcPts val="500"/>
+              </a:spcBef>
+              <a:buFont typeface="Arial" panose="020B0604020202020204" pitchFamily="34" charset="0"/>
+              <a:buChar char="•"/>
+              <a:defRPr sz="2000" kern="1200">
+                <a:solidFill>
+                  <a:schemeClr val="tx1"/>
+                </a:solidFill>
+                <a:latin typeface="+mn-lt"/>
+                <a:ea typeface="+mn-ea"/>
+                <a:cs typeface="+mn-cs"/>
+              </a:defRPr>
+            </a:lvl3pPr>
+            <a:lvl4pPr marL="1600200" indent="-228600" algn="l" defTabSz="914400" rtl="0" eaLnBrk="1" latinLnBrk="0" hangingPunct="1">
+              <a:lnSpc>
+                <a:spcPct val="90000"/>
+              </a:lnSpc>
+              <a:spcBef>
+                <a:spcPts val="500"/>
+              </a:spcBef>
+              <a:buFont typeface="Arial" panose="020B0604020202020204" pitchFamily="34" charset="0"/>
+              <a:buChar char="•"/>
+              <a:defRPr sz="1800" kern="1200">
+                <a:solidFill>
+                  <a:schemeClr val="tx1"/>
+                </a:solidFill>
+                <a:latin typeface="+mn-lt"/>
+                <a:ea typeface="+mn-ea"/>
+                <a:cs typeface="+mn-cs"/>
+              </a:defRPr>
+            </a:lvl4pPr>
+            <a:lvl5pPr marL="2057400" indent="-228600" algn="l" defTabSz="914400" rtl="0" eaLnBrk="1" latinLnBrk="0" hangingPunct="1">
+              <a:lnSpc>
+                <a:spcPct val="90000"/>
+              </a:lnSpc>
+              <a:spcBef>
+                <a:spcPts val="500"/>
+              </a:spcBef>
+              <a:buFont typeface="Arial" panose="020B0604020202020204" pitchFamily="34" charset="0"/>
+              <a:buChar char="•"/>
+              <a:defRPr sz="1800" kern="1200">
+                <a:solidFill>
+                  <a:schemeClr val="tx1"/>
+                </a:solidFill>
+                <a:latin typeface="+mn-lt"/>
+                <a:ea typeface="+mn-ea"/>
+                <a:cs typeface="+mn-cs"/>
+              </a:defRPr>
+            </a:lvl5pPr>
+            <a:lvl6pPr marL="2514600" indent="-228600" algn="l" defTabSz="914400" rtl="0" eaLnBrk="1" latinLnBrk="0" hangingPunct="1">
+              <a:lnSpc>
+                <a:spcPct val="90000"/>
+              </a:lnSpc>
+              <a:spcBef>
+                <a:spcPts val="500"/>
+              </a:spcBef>
+              <a:buFont typeface="Arial" panose="020B0604020202020204" pitchFamily="34" charset="0"/>
+              <a:buChar char="•"/>
+              <a:defRPr sz="1800" kern="1200">
+                <a:solidFill>
+                  <a:schemeClr val="tx1"/>
+                </a:solidFill>
+                <a:latin typeface="+mn-lt"/>
+                <a:ea typeface="+mn-ea"/>
+                <a:cs typeface="+mn-cs"/>
+              </a:defRPr>
+            </a:lvl6pPr>
+            <a:lvl7pPr marL="2971800" indent="-228600" algn="l" defTabSz="914400" rtl="0" eaLnBrk="1" latinLnBrk="0" hangingPunct="1">
+              <a:lnSpc>
+                <a:spcPct val="90000"/>
+              </a:lnSpc>
+              <a:spcBef>
+                <a:spcPts val="500"/>
+              </a:spcBef>
+              <a:buFont typeface="Arial" panose="020B0604020202020204" pitchFamily="34" charset="0"/>
+              <a:buChar char="•"/>
+              <a:defRPr sz="1800" kern="1200">
+                <a:solidFill>
+                  <a:schemeClr val="tx1"/>
+                </a:solidFill>
+                <a:latin typeface="+mn-lt"/>
+                <a:ea typeface="+mn-ea"/>
+                <a:cs typeface="+mn-cs"/>
+              </a:defRPr>
+            </a:lvl7pPr>
+            <a:lvl8pPr marL="3429000" indent="-228600" algn="l" defTabSz="914400" rtl="0" eaLnBrk="1" latinLnBrk="0" hangingPunct="1">
+              <a:lnSpc>
+                <a:spcPct val="90000"/>
+              </a:lnSpc>
+              <a:spcBef>
+                <a:spcPts val="500"/>
+              </a:spcBef>
+              <a:buFont typeface="Arial" panose="020B0604020202020204" pitchFamily="34" charset="0"/>
+              <a:buChar char="•"/>
+              <a:defRPr sz="1800" kern="1200">
+                <a:solidFill>
+                  <a:schemeClr val="tx1"/>
+                </a:solidFill>
+                <a:latin typeface="+mn-lt"/>
+                <a:ea typeface="+mn-ea"/>
+                <a:cs typeface="+mn-cs"/>
+              </a:defRPr>
+            </a:lvl8pPr>
+            <a:lvl9pPr marL="3886200" indent="-228600" algn="l" defTabSz="914400" rtl="0" eaLnBrk="1" latinLnBrk="0" hangingPunct="1">
+              <a:lnSpc>
+                <a:spcPct val="90000"/>
+              </a:lnSpc>
+              <a:spcBef>
+                <a:spcPts val="500"/>
+              </a:spcBef>
+              <a:buFont typeface="Arial" panose="020B0604020202020204" pitchFamily="34" charset="0"/>
+              <a:buChar char="•"/>
+              <a:defRPr sz="1800" kern="1200">
+                <a:solidFill>
+                  <a:schemeClr val="tx1"/>
+                </a:solidFill>
+                <a:latin typeface="+mn-lt"/>
+                <a:ea typeface="+mn-ea"/>
+                <a:cs typeface="+mn-cs"/>
+              </a:defRPr>
+            </a:lvl9pPr>
+          </a:lstStyle>
+          <a:p>
+            <a:r>
+              <a:rPr lang="en-US" dirty="0"/>
+              <a:t>Time consumed : 50785 *10^-7 seconds</a:t>
+            </a:r>
+            <a:endParaRPr lang="fr-FR" dirty="0"/>
+          </a:p>
+        </p:txBody>
+      </p:sp>
+      <p:sp>
+        <p:nvSpPr>
+          <p:cNvPr id="10" name="Titre 1">
+            <a:extLst>
+              <a:ext uri="{FF2B5EF4-FFF2-40B4-BE49-F238E27FC236}">
+                <a16:creationId xmlns:a16="http://schemas.microsoft.com/office/drawing/2014/main" id="{EE1A4C28-AF35-6054-66AF-DDB148B1A397}"/>
+              </a:ext>
+            </a:extLst>
+          </p:cNvPr>
+          <p:cNvSpPr txBox="1">
+            <a:spLocks/>
+          </p:cNvSpPr>
+          <p:nvPr/>
+        </p:nvSpPr>
+        <p:spPr>
+          <a:xfrm>
+            <a:off x="838200" y="5340259"/>
+            <a:ext cx="11353800" cy="868871"/>
+          </a:xfrm>
+          <a:prstGeom prst="rect">
+            <a:avLst/>
+          </a:prstGeom>
+        </p:spPr>
+        <p:txBody>
+          <a:bodyPr vert="horz" lIns="91440" tIns="45720" rIns="91440" bIns="45720" rtlCol="0" anchor="ctr">
+            <a:normAutofit lnSpcReduction="10000"/>
+          </a:bodyPr>
+          <a:lstStyle>
+            <a:lvl1pPr algn="l" defTabSz="914400" rtl="0" eaLnBrk="1" latinLnBrk="0" hangingPunct="1">
+              <a:lnSpc>
+                <a:spcPct val="90000"/>
+              </a:lnSpc>
+              <a:spcBef>
+                <a:spcPct val="0"/>
+              </a:spcBef>
+              <a:buNone/>
+              <a:defRPr sz="4400" kern="1200">
+                <a:solidFill>
+                  <a:schemeClr val="tx1"/>
+                </a:solidFill>
+                <a:latin typeface="+mj-lt"/>
+                <a:ea typeface="+mj-ea"/>
+                <a:cs typeface="+mj-cs"/>
+              </a:defRPr>
+            </a:lvl1pPr>
+          </a:lstStyle>
+          <a:p>
+            <a:r>
+              <a:rPr lang="fr-FR" dirty="0"/>
+              <a:t>Test sur : </a:t>
+            </a:r>
+            <a:r>
+              <a:rPr lang="en-US" sz="1800" b="1" dirty="0" err="1">
+                <a:solidFill>
+                  <a:srgbClr val="642880"/>
+                </a:solidFill>
+                <a:latin typeface="Consolas" panose="020B0609020204030204" pitchFamily="49" charset="0"/>
+              </a:rPr>
+              <a:t>printf</a:t>
+            </a:r>
+            <a:r>
+              <a:rPr lang="en-US" sz="1800" b="1" dirty="0">
+                <a:solidFill>
+                  <a:srgbClr val="000000"/>
+                </a:solidFill>
+                <a:latin typeface="Consolas" panose="020B0609020204030204" pitchFamily="49" charset="0"/>
+              </a:rPr>
+              <a:t>(</a:t>
+            </a:r>
+            <a:r>
+              <a:rPr lang="en-US" sz="1800" b="1" dirty="0">
+                <a:solidFill>
+                  <a:srgbClr val="2A00FF"/>
+                </a:solidFill>
+                <a:latin typeface="Consolas" panose="020B0609020204030204" pitchFamily="49" charset="0"/>
+              </a:rPr>
+              <a:t>"&gt; If you want to come back to default set of PID coefficients then press [d]\n\r"</a:t>
+            </a:r>
+            <a:r>
+              <a:rPr lang="en-US" sz="1800" b="1" dirty="0">
+                <a:solidFill>
+                  <a:srgbClr val="000000"/>
+                </a:solidFill>
+                <a:latin typeface="Consolas" panose="020B0609020204030204" pitchFamily="49" charset="0"/>
+              </a:rPr>
+              <a:t>);</a:t>
+            </a:r>
+            <a:endParaRPr lang="fr-FR" dirty="0"/>
+          </a:p>
+        </p:txBody>
+      </p:sp>
+      <p:sp>
+        <p:nvSpPr>
+          <p:cNvPr id="11" name="Espace réservé du contenu 2">
+            <a:extLst>
+              <a:ext uri="{FF2B5EF4-FFF2-40B4-BE49-F238E27FC236}">
+                <a16:creationId xmlns:a16="http://schemas.microsoft.com/office/drawing/2014/main" id="{7794AFDB-DF1A-CFE2-D07B-5F3C83FE91E8}"/>
+              </a:ext>
+            </a:extLst>
+          </p:cNvPr>
+          <p:cNvSpPr txBox="1">
+            <a:spLocks/>
+          </p:cNvSpPr>
+          <p:nvPr/>
+        </p:nvSpPr>
+        <p:spPr>
+          <a:xfrm>
+            <a:off x="838200" y="6170538"/>
+            <a:ext cx="10515600" cy="509202"/>
+          </a:xfrm>
+          <a:prstGeom prst="rect">
+            <a:avLst/>
+          </a:prstGeom>
+        </p:spPr>
+        <p:txBody>
+          <a:bodyPr vert="horz" lIns="91440" tIns="45720" rIns="91440" bIns="45720" rtlCol="0">
+            <a:normAutofit/>
+          </a:bodyPr>
+          <a:lstStyle>
+            <a:lvl1pPr marL="228600" indent="-228600" algn="l" defTabSz="914400" rtl="0" eaLnBrk="1" latinLnBrk="0" hangingPunct="1">
+              <a:lnSpc>
+                <a:spcPct val="90000"/>
+              </a:lnSpc>
+              <a:spcBef>
+                <a:spcPts val="1000"/>
+              </a:spcBef>
+              <a:buFont typeface="Arial" panose="020B0604020202020204" pitchFamily="34" charset="0"/>
+              <a:buChar char="•"/>
+              <a:defRPr sz="2800" kern="1200">
+                <a:solidFill>
+                  <a:schemeClr val="tx1"/>
+                </a:solidFill>
+                <a:latin typeface="+mn-lt"/>
+                <a:ea typeface="+mn-ea"/>
+                <a:cs typeface="+mn-cs"/>
+              </a:defRPr>
+            </a:lvl1pPr>
+            <a:lvl2pPr marL="685800" indent="-228600" algn="l" defTabSz="914400" rtl="0" eaLnBrk="1" latinLnBrk="0" hangingPunct="1">
+              <a:lnSpc>
+                <a:spcPct val="90000"/>
+              </a:lnSpc>
+              <a:spcBef>
+                <a:spcPts val="500"/>
+              </a:spcBef>
+              <a:buFont typeface="Arial" panose="020B0604020202020204" pitchFamily="34" charset="0"/>
+              <a:buChar char="•"/>
+              <a:defRPr sz="2400" kern="1200">
+                <a:solidFill>
+                  <a:schemeClr val="tx1"/>
+                </a:solidFill>
+                <a:latin typeface="+mn-lt"/>
+                <a:ea typeface="+mn-ea"/>
+                <a:cs typeface="+mn-cs"/>
+              </a:defRPr>
+            </a:lvl2pPr>
+            <a:lvl3pPr marL="1143000" indent="-228600" algn="l" defTabSz="914400" rtl="0" eaLnBrk="1" latinLnBrk="0" hangingPunct="1">
+              <a:lnSpc>
+                <a:spcPct val="90000"/>
+              </a:lnSpc>
+              <a:spcBef>
+                <a:spcPts val="500"/>
+              </a:spcBef>
+              <a:buFont typeface="Arial" panose="020B0604020202020204" pitchFamily="34" charset="0"/>
+              <a:buChar char="•"/>
+              <a:defRPr sz="2000" kern="1200">
+                <a:solidFill>
+                  <a:schemeClr val="tx1"/>
+                </a:solidFill>
+                <a:latin typeface="+mn-lt"/>
+                <a:ea typeface="+mn-ea"/>
+                <a:cs typeface="+mn-cs"/>
+              </a:defRPr>
+            </a:lvl3pPr>
+            <a:lvl4pPr marL="1600200" indent="-228600" algn="l" defTabSz="914400" rtl="0" eaLnBrk="1" latinLnBrk="0" hangingPunct="1">
+              <a:lnSpc>
+                <a:spcPct val="90000"/>
+              </a:lnSpc>
+              <a:spcBef>
+                <a:spcPts val="500"/>
+              </a:spcBef>
+              <a:buFont typeface="Arial" panose="020B0604020202020204" pitchFamily="34" charset="0"/>
+              <a:buChar char="•"/>
+              <a:defRPr sz="1800" kern="1200">
+                <a:solidFill>
+                  <a:schemeClr val="tx1"/>
+                </a:solidFill>
+                <a:latin typeface="+mn-lt"/>
+                <a:ea typeface="+mn-ea"/>
+                <a:cs typeface="+mn-cs"/>
+              </a:defRPr>
+            </a:lvl4pPr>
+            <a:lvl5pPr marL="2057400" indent="-228600" algn="l" defTabSz="914400" rtl="0" eaLnBrk="1" latinLnBrk="0" hangingPunct="1">
+              <a:lnSpc>
+                <a:spcPct val="90000"/>
+              </a:lnSpc>
+              <a:spcBef>
+                <a:spcPts val="500"/>
+              </a:spcBef>
+              <a:buFont typeface="Arial" panose="020B0604020202020204" pitchFamily="34" charset="0"/>
+              <a:buChar char="•"/>
+              <a:defRPr sz="1800" kern="1200">
+                <a:solidFill>
+                  <a:schemeClr val="tx1"/>
+                </a:solidFill>
+                <a:latin typeface="+mn-lt"/>
+                <a:ea typeface="+mn-ea"/>
+                <a:cs typeface="+mn-cs"/>
+              </a:defRPr>
+            </a:lvl5pPr>
+            <a:lvl6pPr marL="2514600" indent="-228600" algn="l" defTabSz="914400" rtl="0" eaLnBrk="1" latinLnBrk="0" hangingPunct="1">
+              <a:lnSpc>
+                <a:spcPct val="90000"/>
+              </a:lnSpc>
+              <a:spcBef>
+                <a:spcPts val="500"/>
+              </a:spcBef>
+              <a:buFont typeface="Arial" panose="020B0604020202020204" pitchFamily="34" charset="0"/>
+              <a:buChar char="•"/>
+              <a:defRPr sz="1800" kern="1200">
+                <a:solidFill>
+                  <a:schemeClr val="tx1"/>
+                </a:solidFill>
+                <a:latin typeface="+mn-lt"/>
+                <a:ea typeface="+mn-ea"/>
+                <a:cs typeface="+mn-cs"/>
+              </a:defRPr>
+            </a:lvl6pPr>
+            <a:lvl7pPr marL="2971800" indent="-228600" algn="l" defTabSz="914400" rtl="0" eaLnBrk="1" latinLnBrk="0" hangingPunct="1">
+              <a:lnSpc>
+                <a:spcPct val="90000"/>
+              </a:lnSpc>
+              <a:spcBef>
+                <a:spcPts val="500"/>
+              </a:spcBef>
+              <a:buFont typeface="Arial" panose="020B0604020202020204" pitchFamily="34" charset="0"/>
+              <a:buChar char="•"/>
+              <a:defRPr sz="1800" kern="1200">
+                <a:solidFill>
+                  <a:schemeClr val="tx1"/>
+                </a:solidFill>
+                <a:latin typeface="+mn-lt"/>
+                <a:ea typeface="+mn-ea"/>
+                <a:cs typeface="+mn-cs"/>
+              </a:defRPr>
+            </a:lvl7pPr>
+            <a:lvl8pPr marL="3429000" indent="-228600" algn="l" defTabSz="914400" rtl="0" eaLnBrk="1" latinLnBrk="0" hangingPunct="1">
+              <a:lnSpc>
+                <a:spcPct val="90000"/>
+              </a:lnSpc>
+              <a:spcBef>
+                <a:spcPts val="500"/>
+              </a:spcBef>
+              <a:buFont typeface="Arial" panose="020B0604020202020204" pitchFamily="34" charset="0"/>
+              <a:buChar char="•"/>
+              <a:defRPr sz="1800" kern="1200">
+                <a:solidFill>
+                  <a:schemeClr val="tx1"/>
+                </a:solidFill>
+                <a:latin typeface="+mn-lt"/>
+                <a:ea typeface="+mn-ea"/>
+                <a:cs typeface="+mn-cs"/>
+              </a:defRPr>
+            </a:lvl8pPr>
+            <a:lvl9pPr marL="3886200" indent="-228600" algn="l" defTabSz="914400" rtl="0" eaLnBrk="1" latinLnBrk="0" hangingPunct="1">
+              <a:lnSpc>
+                <a:spcPct val="90000"/>
+              </a:lnSpc>
+              <a:spcBef>
+                <a:spcPts val="500"/>
+              </a:spcBef>
+              <a:buFont typeface="Arial" panose="020B0604020202020204" pitchFamily="34" charset="0"/>
+              <a:buChar char="•"/>
+              <a:defRPr sz="1800" kern="1200">
+                <a:solidFill>
+                  <a:schemeClr val="tx1"/>
+                </a:solidFill>
+                <a:latin typeface="+mn-lt"/>
+                <a:ea typeface="+mn-ea"/>
+                <a:cs typeface="+mn-cs"/>
+              </a:defRPr>
+            </a:lvl9pPr>
+          </a:lstStyle>
+          <a:p>
+            <a:r>
+              <a:rPr lang="en-US" dirty="0"/>
+              <a:t>Time consumed : 68250 *10^-7 seconds</a:t>
+            </a:r>
+            <a:endParaRPr lang="fr-FR" dirty="0"/>
+          </a:p>
+        </p:txBody>
+      </p:sp>
+    </p:spTree>
+    <p:extLst>
+      <p:ext uri="{BB962C8B-B14F-4D97-AF65-F5344CB8AC3E}">
+        <p14:creationId xmlns:p14="http://schemas.microsoft.com/office/powerpoint/2010/main" val="3182886904"/>
+      </p:ext>
+    </p:extLst>
+  </p:cSld>
+  <p:clrMapOvr>
+    <a:masterClrMapping/>
+  </p:clrMapOvr>
+</p:sld>
+</file>
+
+<file path=ppt/slides/slide6.xml><?xml version="1.0" encoding="utf-8"?>
+<p:sld xmlns:a="http://schemas.openxmlformats.org/drawingml/2006/main" xmlns:r="http://schemas.openxmlformats.org/officeDocument/2006/relationships" xmlns:p="http://schemas.openxmlformats.org/presentationml/2006/main">
+  <p:cSld>
+    <p:spTree>
+      <p:nvGrpSpPr>
+        <p:cNvPr id="1" name=""/>
+        <p:cNvGrpSpPr/>
+        <p:nvPr/>
+      </p:nvGrpSpPr>
+      <p:grpSpPr>
+        <a:xfrm>
+          <a:off x="0" y="0"/>
+          <a:ext cx="0" cy="0"/>
+          <a:chOff x="0" y="0"/>
+          <a:chExt cx="0" cy="0"/>
+        </a:xfrm>
+      </p:grpSpPr>
+      <p:sp>
+        <p:nvSpPr>
+          <p:cNvPr id="4" name="Titre 1">
+            <a:extLst>
+              <a:ext uri="{FF2B5EF4-FFF2-40B4-BE49-F238E27FC236}">
+                <a16:creationId xmlns:a16="http://schemas.microsoft.com/office/drawing/2014/main" id="{B5D50010-C918-380F-F8FB-F11C3BA1BE56}"/>
+              </a:ext>
+            </a:extLst>
+          </p:cNvPr>
+          <p:cNvSpPr txBox="1">
+            <a:spLocks/>
+          </p:cNvSpPr>
+          <p:nvPr/>
+        </p:nvSpPr>
+        <p:spPr>
+          <a:xfrm>
+            <a:off x="509726" y="135785"/>
+            <a:ext cx="10515600" cy="868871"/>
+          </a:xfrm>
+          <a:prstGeom prst="rect">
+            <a:avLst/>
+          </a:prstGeom>
+        </p:spPr>
+        <p:txBody>
+          <a:bodyPr vert="horz" lIns="91440" tIns="45720" rIns="91440" bIns="45720" rtlCol="0" anchor="ctr">
+            <a:normAutofit/>
+          </a:bodyPr>
+          <a:lstStyle>
+            <a:lvl1pPr algn="l" defTabSz="914400" rtl="0" eaLnBrk="1" latinLnBrk="0" hangingPunct="1">
+              <a:lnSpc>
+                <a:spcPct val="90000"/>
+              </a:lnSpc>
+              <a:spcBef>
+                <a:spcPct val="0"/>
+              </a:spcBef>
+              <a:buNone/>
+              <a:defRPr sz="4400" kern="1200">
+                <a:solidFill>
+                  <a:schemeClr val="tx1"/>
+                </a:solidFill>
+                <a:latin typeface="+mj-lt"/>
+                <a:ea typeface="+mj-ea"/>
+                <a:cs typeface="+mj-cs"/>
+              </a:defRPr>
+            </a:lvl1pPr>
+          </a:lstStyle>
+          <a:p>
+            <a:r>
+              <a:rPr lang="fr-FR" dirty="0"/>
+              <a:t>Test sur : </a:t>
+            </a:r>
+            <a:r>
+              <a:rPr lang="fr-FR" sz="1800" dirty="0">
+                <a:solidFill>
+                  <a:srgbClr val="000000"/>
+                </a:solidFill>
+                <a:latin typeface="Consolas" panose="020B0609020204030204" pitchFamily="49" charset="0"/>
+              </a:rPr>
+              <a:t>consigne = </a:t>
+            </a:r>
+            <a:r>
+              <a:rPr lang="fr-FR" sz="1800" u="sng" dirty="0" err="1">
+                <a:solidFill>
+                  <a:srgbClr val="000000"/>
+                </a:solidFill>
+                <a:latin typeface="Consolas" panose="020B0609020204030204" pitchFamily="49" charset="0"/>
+              </a:rPr>
+              <a:t>angle_term</a:t>
+            </a:r>
+            <a:r>
+              <a:rPr lang="fr-FR" sz="1800" u="sng" dirty="0">
+                <a:solidFill>
+                  <a:srgbClr val="000000"/>
+                </a:solidFill>
+                <a:latin typeface="Consolas" panose="020B0609020204030204" pitchFamily="49" charset="0"/>
+              </a:rPr>
+              <a:t>;</a:t>
+            </a:r>
+            <a:endParaRPr lang="fr-FR" dirty="0"/>
+          </a:p>
+        </p:txBody>
+      </p:sp>
+      <p:sp>
+        <p:nvSpPr>
+          <p:cNvPr id="5" name="Espace réservé du contenu 2">
+            <a:extLst>
+              <a:ext uri="{FF2B5EF4-FFF2-40B4-BE49-F238E27FC236}">
+                <a16:creationId xmlns:a16="http://schemas.microsoft.com/office/drawing/2014/main" id="{2FB22AED-165E-3080-B0C4-7C08C7C346AB}"/>
+              </a:ext>
+            </a:extLst>
+          </p:cNvPr>
+          <p:cNvSpPr txBox="1">
+            <a:spLocks/>
+          </p:cNvSpPr>
+          <p:nvPr/>
+        </p:nvSpPr>
+        <p:spPr>
+          <a:xfrm>
+            <a:off x="509726" y="1004656"/>
+            <a:ext cx="10515600" cy="509202"/>
+          </a:xfrm>
+          <a:prstGeom prst="rect">
+            <a:avLst/>
+          </a:prstGeom>
+        </p:spPr>
+        <p:txBody>
+          <a:bodyPr vert="horz" lIns="91440" tIns="45720" rIns="91440" bIns="45720" rtlCol="0">
+            <a:normAutofit/>
+          </a:bodyPr>
+          <a:lstStyle>
+            <a:lvl1pPr marL="228600" indent="-228600" algn="l" defTabSz="914400" rtl="0" eaLnBrk="1" latinLnBrk="0" hangingPunct="1">
+              <a:lnSpc>
+                <a:spcPct val="90000"/>
+              </a:lnSpc>
+              <a:spcBef>
+                <a:spcPts val="1000"/>
+              </a:spcBef>
+              <a:buFont typeface="Arial" panose="020B0604020202020204" pitchFamily="34" charset="0"/>
+              <a:buChar char="•"/>
+              <a:defRPr sz="2800" kern="1200">
+                <a:solidFill>
+                  <a:schemeClr val="tx1"/>
+                </a:solidFill>
+                <a:latin typeface="+mn-lt"/>
+                <a:ea typeface="+mn-ea"/>
+                <a:cs typeface="+mn-cs"/>
+              </a:defRPr>
+            </a:lvl1pPr>
+            <a:lvl2pPr marL="685800" indent="-228600" algn="l" defTabSz="914400" rtl="0" eaLnBrk="1" latinLnBrk="0" hangingPunct="1">
+              <a:lnSpc>
+                <a:spcPct val="90000"/>
+              </a:lnSpc>
+              <a:spcBef>
+                <a:spcPts val="500"/>
+              </a:spcBef>
+              <a:buFont typeface="Arial" panose="020B0604020202020204" pitchFamily="34" charset="0"/>
+              <a:buChar char="•"/>
+              <a:defRPr sz="2400" kern="1200">
+                <a:solidFill>
+                  <a:schemeClr val="tx1"/>
+                </a:solidFill>
+                <a:latin typeface="+mn-lt"/>
+                <a:ea typeface="+mn-ea"/>
+                <a:cs typeface="+mn-cs"/>
+              </a:defRPr>
+            </a:lvl2pPr>
+            <a:lvl3pPr marL="1143000" indent="-228600" algn="l" defTabSz="914400" rtl="0" eaLnBrk="1" latinLnBrk="0" hangingPunct="1">
+              <a:lnSpc>
+                <a:spcPct val="90000"/>
+              </a:lnSpc>
+              <a:spcBef>
+                <a:spcPts val="500"/>
+              </a:spcBef>
+              <a:buFont typeface="Arial" panose="020B0604020202020204" pitchFamily="34" charset="0"/>
+              <a:buChar char="•"/>
+              <a:defRPr sz="2000" kern="1200">
+                <a:solidFill>
+                  <a:schemeClr val="tx1"/>
+                </a:solidFill>
+                <a:latin typeface="+mn-lt"/>
+                <a:ea typeface="+mn-ea"/>
+                <a:cs typeface="+mn-cs"/>
+              </a:defRPr>
+            </a:lvl3pPr>
+            <a:lvl4pPr marL="1600200" indent="-228600" algn="l" defTabSz="914400" rtl="0" eaLnBrk="1" latinLnBrk="0" hangingPunct="1">
+              <a:lnSpc>
+                <a:spcPct val="90000"/>
+              </a:lnSpc>
+              <a:spcBef>
+                <a:spcPts val="500"/>
+              </a:spcBef>
+              <a:buFont typeface="Arial" panose="020B0604020202020204" pitchFamily="34" charset="0"/>
+              <a:buChar char="•"/>
+              <a:defRPr sz="1800" kern="1200">
+                <a:solidFill>
+                  <a:schemeClr val="tx1"/>
+                </a:solidFill>
+                <a:latin typeface="+mn-lt"/>
+                <a:ea typeface="+mn-ea"/>
+                <a:cs typeface="+mn-cs"/>
+              </a:defRPr>
+            </a:lvl4pPr>
+            <a:lvl5pPr marL="2057400" indent="-228600" algn="l" defTabSz="914400" rtl="0" eaLnBrk="1" latinLnBrk="0" hangingPunct="1">
+              <a:lnSpc>
+                <a:spcPct val="90000"/>
+              </a:lnSpc>
+              <a:spcBef>
+                <a:spcPts val="500"/>
+              </a:spcBef>
+              <a:buFont typeface="Arial" panose="020B0604020202020204" pitchFamily="34" charset="0"/>
+              <a:buChar char="•"/>
+              <a:defRPr sz="1800" kern="1200">
+                <a:solidFill>
+                  <a:schemeClr val="tx1"/>
+                </a:solidFill>
+                <a:latin typeface="+mn-lt"/>
+                <a:ea typeface="+mn-ea"/>
+                <a:cs typeface="+mn-cs"/>
+              </a:defRPr>
+            </a:lvl5pPr>
+            <a:lvl6pPr marL="2514600" indent="-228600" algn="l" defTabSz="914400" rtl="0" eaLnBrk="1" latinLnBrk="0" hangingPunct="1">
+              <a:lnSpc>
+                <a:spcPct val="90000"/>
+              </a:lnSpc>
+              <a:spcBef>
+                <a:spcPts val="500"/>
+              </a:spcBef>
+              <a:buFont typeface="Arial" panose="020B0604020202020204" pitchFamily="34" charset="0"/>
+              <a:buChar char="•"/>
+              <a:defRPr sz="1800" kern="1200">
+                <a:solidFill>
+                  <a:schemeClr val="tx1"/>
+                </a:solidFill>
+                <a:latin typeface="+mn-lt"/>
+                <a:ea typeface="+mn-ea"/>
+                <a:cs typeface="+mn-cs"/>
+              </a:defRPr>
+            </a:lvl6pPr>
+            <a:lvl7pPr marL="2971800" indent="-228600" algn="l" defTabSz="914400" rtl="0" eaLnBrk="1" latinLnBrk="0" hangingPunct="1">
+              <a:lnSpc>
+                <a:spcPct val="90000"/>
+              </a:lnSpc>
+              <a:spcBef>
+                <a:spcPts val="500"/>
+              </a:spcBef>
+              <a:buFont typeface="Arial" panose="020B0604020202020204" pitchFamily="34" charset="0"/>
+              <a:buChar char="•"/>
+              <a:defRPr sz="1800" kern="1200">
+                <a:solidFill>
+                  <a:schemeClr val="tx1"/>
+                </a:solidFill>
+                <a:latin typeface="+mn-lt"/>
+                <a:ea typeface="+mn-ea"/>
+                <a:cs typeface="+mn-cs"/>
+              </a:defRPr>
+            </a:lvl7pPr>
+            <a:lvl8pPr marL="3429000" indent="-228600" algn="l" defTabSz="914400" rtl="0" eaLnBrk="1" latinLnBrk="0" hangingPunct="1">
+              <a:lnSpc>
+                <a:spcPct val="90000"/>
+              </a:lnSpc>
+              <a:spcBef>
+                <a:spcPts val="500"/>
+              </a:spcBef>
+              <a:buFont typeface="Arial" panose="020B0604020202020204" pitchFamily="34" charset="0"/>
+              <a:buChar char="•"/>
+              <a:defRPr sz="1800" kern="1200">
+                <a:solidFill>
+                  <a:schemeClr val="tx1"/>
+                </a:solidFill>
+                <a:latin typeface="+mn-lt"/>
+                <a:ea typeface="+mn-ea"/>
+                <a:cs typeface="+mn-cs"/>
+              </a:defRPr>
+            </a:lvl8pPr>
+            <a:lvl9pPr marL="3886200" indent="-228600" algn="l" defTabSz="914400" rtl="0" eaLnBrk="1" latinLnBrk="0" hangingPunct="1">
+              <a:lnSpc>
+                <a:spcPct val="90000"/>
+              </a:lnSpc>
+              <a:spcBef>
+                <a:spcPts val="500"/>
+              </a:spcBef>
+              <a:buFont typeface="Arial" panose="020B0604020202020204" pitchFamily="34" charset="0"/>
+              <a:buChar char="•"/>
+              <a:defRPr sz="1800" kern="1200">
+                <a:solidFill>
+                  <a:schemeClr val="tx1"/>
+                </a:solidFill>
+                <a:latin typeface="+mn-lt"/>
+                <a:ea typeface="+mn-ea"/>
+                <a:cs typeface="+mn-cs"/>
+              </a:defRPr>
+            </a:lvl9pPr>
+          </a:lstStyle>
+          <a:p>
+            <a:r>
+              <a:rPr lang="en-US" dirty="0"/>
+              <a:t>Time consumed : 1 *10^-7 seconds</a:t>
+            </a:r>
+            <a:endParaRPr lang="fr-FR" dirty="0"/>
+          </a:p>
+        </p:txBody>
+      </p:sp>
+      <p:sp>
+        <p:nvSpPr>
+          <p:cNvPr id="6" name="Titre 1">
+            <a:extLst>
+              <a:ext uri="{FF2B5EF4-FFF2-40B4-BE49-F238E27FC236}">
+                <a16:creationId xmlns:a16="http://schemas.microsoft.com/office/drawing/2014/main" id="{6625A7FE-BB48-9AE4-EC72-5B7EF99AE608}"/>
+              </a:ext>
+            </a:extLst>
+          </p:cNvPr>
+          <p:cNvSpPr txBox="1">
+            <a:spLocks/>
+          </p:cNvSpPr>
+          <p:nvPr/>
+        </p:nvSpPr>
+        <p:spPr>
+          <a:xfrm>
+            <a:off x="573349" y="1513858"/>
+            <a:ext cx="10515600" cy="868871"/>
+          </a:xfrm>
+          <a:prstGeom prst="rect">
+            <a:avLst/>
+          </a:prstGeom>
+        </p:spPr>
+        <p:txBody>
+          <a:bodyPr vert="horz" lIns="91440" tIns="45720" rIns="91440" bIns="45720" rtlCol="0" anchor="ctr">
+            <a:normAutofit/>
+          </a:bodyPr>
+          <a:lstStyle>
+            <a:lvl1pPr algn="l" defTabSz="914400" rtl="0" eaLnBrk="1" latinLnBrk="0" hangingPunct="1">
+              <a:lnSpc>
+                <a:spcPct val="90000"/>
+              </a:lnSpc>
+              <a:spcBef>
+                <a:spcPct val="0"/>
+              </a:spcBef>
+              <a:buNone/>
+              <a:defRPr sz="4400" kern="1200">
+                <a:solidFill>
+                  <a:schemeClr val="tx1"/>
+                </a:solidFill>
+                <a:latin typeface="+mj-lt"/>
+                <a:ea typeface="+mj-ea"/>
+                <a:cs typeface="+mj-cs"/>
+              </a:defRPr>
+            </a:lvl1pPr>
+          </a:lstStyle>
+          <a:p>
+            <a:r>
+              <a:rPr lang="fr-FR" dirty="0"/>
+              <a:t>Test sur : </a:t>
+            </a:r>
+            <a:r>
+              <a:rPr lang="fr-FR" sz="1800" b="1" u="sng" dirty="0">
+                <a:solidFill>
+                  <a:srgbClr val="000000"/>
+                </a:solidFill>
+                <a:latin typeface="Consolas" panose="020B0609020204030204" pitchFamily="49" charset="0"/>
+              </a:rPr>
+              <a:t>printf(</a:t>
+            </a:r>
+            <a:r>
+              <a:rPr lang="fr-FR" sz="1800" b="1" u="sng" dirty="0">
+                <a:solidFill>
+                  <a:srgbClr val="2A00FF"/>
+                </a:solidFill>
+                <a:latin typeface="Consolas" panose="020B0609020204030204" pitchFamily="49" charset="0"/>
+              </a:rPr>
+              <a:t>"\n\r"</a:t>
+            </a:r>
+            <a:r>
+              <a:rPr lang="fr-FR" sz="1800" b="1" u="sng" dirty="0">
+                <a:solidFill>
+                  <a:srgbClr val="000000"/>
+                </a:solidFill>
+                <a:latin typeface="Consolas" panose="020B0609020204030204" pitchFamily="49" charset="0"/>
+              </a:rPr>
+              <a:t>);</a:t>
+            </a:r>
+            <a:endParaRPr lang="fr-FR" dirty="0"/>
+          </a:p>
+        </p:txBody>
+      </p:sp>
+      <p:sp>
+        <p:nvSpPr>
+          <p:cNvPr id="7" name="Espace réservé du contenu 2">
+            <a:extLst>
+              <a:ext uri="{FF2B5EF4-FFF2-40B4-BE49-F238E27FC236}">
+                <a16:creationId xmlns:a16="http://schemas.microsoft.com/office/drawing/2014/main" id="{83175C15-08C3-83A9-F042-82FB8C0FA271}"/>
+              </a:ext>
+            </a:extLst>
+          </p:cNvPr>
+          <p:cNvSpPr txBox="1">
+            <a:spLocks/>
+          </p:cNvSpPr>
+          <p:nvPr/>
+        </p:nvSpPr>
+        <p:spPr>
+          <a:xfrm>
+            <a:off x="573349" y="2382729"/>
+            <a:ext cx="10515600" cy="509202"/>
+          </a:xfrm>
+          <a:prstGeom prst="rect">
+            <a:avLst/>
+          </a:prstGeom>
+        </p:spPr>
+        <p:txBody>
+          <a:bodyPr vert="horz" lIns="91440" tIns="45720" rIns="91440" bIns="45720" rtlCol="0">
+            <a:normAutofit/>
+          </a:bodyPr>
+          <a:lstStyle>
+            <a:lvl1pPr marL="228600" indent="-228600" algn="l" defTabSz="914400" rtl="0" eaLnBrk="1" latinLnBrk="0" hangingPunct="1">
+              <a:lnSpc>
+                <a:spcPct val="90000"/>
+              </a:lnSpc>
+              <a:spcBef>
+                <a:spcPts val="1000"/>
+              </a:spcBef>
+              <a:buFont typeface="Arial" panose="020B0604020202020204" pitchFamily="34" charset="0"/>
+              <a:buChar char="•"/>
+              <a:defRPr sz="2800" kern="1200">
+                <a:solidFill>
+                  <a:schemeClr val="tx1"/>
+                </a:solidFill>
+                <a:latin typeface="+mn-lt"/>
+                <a:ea typeface="+mn-ea"/>
+                <a:cs typeface="+mn-cs"/>
+              </a:defRPr>
+            </a:lvl1pPr>
+            <a:lvl2pPr marL="685800" indent="-228600" algn="l" defTabSz="914400" rtl="0" eaLnBrk="1" latinLnBrk="0" hangingPunct="1">
+              <a:lnSpc>
+                <a:spcPct val="90000"/>
+              </a:lnSpc>
+              <a:spcBef>
+                <a:spcPts val="500"/>
+              </a:spcBef>
+              <a:buFont typeface="Arial" panose="020B0604020202020204" pitchFamily="34" charset="0"/>
+              <a:buChar char="•"/>
+              <a:defRPr sz="2400" kern="1200">
+                <a:solidFill>
+                  <a:schemeClr val="tx1"/>
+                </a:solidFill>
+                <a:latin typeface="+mn-lt"/>
+                <a:ea typeface="+mn-ea"/>
+                <a:cs typeface="+mn-cs"/>
+              </a:defRPr>
+            </a:lvl2pPr>
+            <a:lvl3pPr marL="1143000" indent="-228600" algn="l" defTabSz="914400" rtl="0" eaLnBrk="1" latinLnBrk="0" hangingPunct="1">
+              <a:lnSpc>
+                <a:spcPct val="90000"/>
+              </a:lnSpc>
+              <a:spcBef>
+                <a:spcPts val="500"/>
+              </a:spcBef>
+              <a:buFont typeface="Arial" panose="020B0604020202020204" pitchFamily="34" charset="0"/>
+              <a:buChar char="•"/>
+              <a:defRPr sz="2000" kern="1200">
+                <a:solidFill>
+                  <a:schemeClr val="tx1"/>
+                </a:solidFill>
+                <a:latin typeface="+mn-lt"/>
+                <a:ea typeface="+mn-ea"/>
+                <a:cs typeface="+mn-cs"/>
+              </a:defRPr>
+            </a:lvl3pPr>
+            <a:lvl4pPr marL="1600200" indent="-228600" algn="l" defTabSz="914400" rtl="0" eaLnBrk="1" latinLnBrk="0" hangingPunct="1">
+              <a:lnSpc>
+                <a:spcPct val="90000"/>
+              </a:lnSpc>
+              <a:spcBef>
+                <a:spcPts val="500"/>
+              </a:spcBef>
+              <a:buFont typeface="Arial" panose="020B0604020202020204" pitchFamily="34" charset="0"/>
+              <a:buChar char="•"/>
+              <a:defRPr sz="1800" kern="1200">
+                <a:solidFill>
+                  <a:schemeClr val="tx1"/>
+                </a:solidFill>
+                <a:latin typeface="+mn-lt"/>
+                <a:ea typeface="+mn-ea"/>
+                <a:cs typeface="+mn-cs"/>
+              </a:defRPr>
+            </a:lvl4pPr>
+            <a:lvl5pPr marL="2057400" indent="-228600" algn="l" defTabSz="914400" rtl="0" eaLnBrk="1" latinLnBrk="0" hangingPunct="1">
+              <a:lnSpc>
+                <a:spcPct val="90000"/>
+              </a:lnSpc>
+              <a:spcBef>
+                <a:spcPts val="500"/>
+              </a:spcBef>
+              <a:buFont typeface="Arial" panose="020B0604020202020204" pitchFamily="34" charset="0"/>
+              <a:buChar char="•"/>
+              <a:defRPr sz="1800" kern="1200">
+                <a:solidFill>
+                  <a:schemeClr val="tx1"/>
+                </a:solidFill>
+                <a:latin typeface="+mn-lt"/>
+                <a:ea typeface="+mn-ea"/>
+                <a:cs typeface="+mn-cs"/>
+              </a:defRPr>
+            </a:lvl5pPr>
+            <a:lvl6pPr marL="2514600" indent="-228600" algn="l" defTabSz="914400" rtl="0" eaLnBrk="1" latinLnBrk="0" hangingPunct="1">
+              <a:lnSpc>
+                <a:spcPct val="90000"/>
+              </a:lnSpc>
+              <a:spcBef>
+                <a:spcPts val="500"/>
+              </a:spcBef>
+              <a:buFont typeface="Arial" panose="020B0604020202020204" pitchFamily="34" charset="0"/>
+              <a:buChar char="•"/>
+              <a:defRPr sz="1800" kern="1200">
+                <a:solidFill>
+                  <a:schemeClr val="tx1"/>
+                </a:solidFill>
+                <a:latin typeface="+mn-lt"/>
+                <a:ea typeface="+mn-ea"/>
+                <a:cs typeface="+mn-cs"/>
+              </a:defRPr>
+            </a:lvl6pPr>
+            <a:lvl7pPr marL="2971800" indent="-228600" algn="l" defTabSz="914400" rtl="0" eaLnBrk="1" latinLnBrk="0" hangingPunct="1">
+              <a:lnSpc>
+                <a:spcPct val="90000"/>
+              </a:lnSpc>
+              <a:spcBef>
+                <a:spcPts val="500"/>
+              </a:spcBef>
+              <a:buFont typeface="Arial" panose="020B0604020202020204" pitchFamily="34" charset="0"/>
+              <a:buChar char="•"/>
+              <a:defRPr sz="1800" kern="1200">
+                <a:solidFill>
+                  <a:schemeClr val="tx1"/>
+                </a:solidFill>
+                <a:latin typeface="+mn-lt"/>
+                <a:ea typeface="+mn-ea"/>
+                <a:cs typeface="+mn-cs"/>
+              </a:defRPr>
+            </a:lvl7pPr>
+            <a:lvl8pPr marL="3429000" indent="-228600" algn="l" defTabSz="914400" rtl="0" eaLnBrk="1" latinLnBrk="0" hangingPunct="1">
+              <a:lnSpc>
+                <a:spcPct val="90000"/>
+              </a:lnSpc>
+              <a:spcBef>
+                <a:spcPts val="500"/>
+              </a:spcBef>
+              <a:buFont typeface="Arial" panose="020B0604020202020204" pitchFamily="34" charset="0"/>
+              <a:buChar char="•"/>
+              <a:defRPr sz="1800" kern="1200">
+                <a:solidFill>
+                  <a:schemeClr val="tx1"/>
+                </a:solidFill>
+                <a:latin typeface="+mn-lt"/>
+                <a:ea typeface="+mn-ea"/>
+                <a:cs typeface="+mn-cs"/>
+              </a:defRPr>
+            </a:lvl8pPr>
+            <a:lvl9pPr marL="3886200" indent="-228600" algn="l" defTabSz="914400" rtl="0" eaLnBrk="1" latinLnBrk="0" hangingPunct="1">
+              <a:lnSpc>
+                <a:spcPct val="90000"/>
+              </a:lnSpc>
+              <a:spcBef>
+                <a:spcPts val="500"/>
+              </a:spcBef>
+              <a:buFont typeface="Arial" panose="020B0604020202020204" pitchFamily="34" charset="0"/>
+              <a:buChar char="•"/>
+              <a:defRPr sz="1800" kern="1200">
+                <a:solidFill>
+                  <a:schemeClr val="tx1"/>
+                </a:solidFill>
+                <a:latin typeface="+mn-lt"/>
+                <a:ea typeface="+mn-ea"/>
+                <a:cs typeface="+mn-cs"/>
+              </a:defRPr>
+            </a:lvl9pPr>
+          </a:lstStyle>
+          <a:p>
+            <a:r>
+              <a:rPr lang="en-US" dirty="0"/>
+              <a:t>Time consumed : 1891 *10^-7 seconds</a:t>
+            </a:r>
+            <a:endParaRPr lang="fr-FR" dirty="0"/>
+          </a:p>
+        </p:txBody>
+      </p:sp>
+    </p:spTree>
+    <p:extLst>
+      <p:ext uri="{BB962C8B-B14F-4D97-AF65-F5344CB8AC3E}">
+        <p14:creationId xmlns:p14="http://schemas.microsoft.com/office/powerpoint/2010/main" val="1710097149"/>
+      </p:ext>
+    </p:extLst>
+  </p:cSld>
+  <p:clrMapOvr>
+    <a:masterClrMapping/>
+  </p:clrMapOvr>
+</p:sld>
+</file>
+
+<file path=ppt/slides/slide7.xml><?xml version="1.0" encoding="utf-8"?>
+<p:sld xmlns:a="http://schemas.openxmlformats.org/drawingml/2006/main" xmlns:r="http://schemas.openxmlformats.org/officeDocument/2006/relationships" xmlns:p="http://schemas.openxmlformats.org/presentationml/2006/main">
+  <p:cSld>
+    <p:spTree>
+      <p:nvGrpSpPr>
+        <p:cNvPr id="1" name=""/>
+        <p:cNvGrpSpPr/>
+        <p:nvPr/>
+      </p:nvGrpSpPr>
+      <p:grpSpPr>
+        <a:xfrm>
+          <a:off x="0" y="0"/>
+          <a:ext cx="0" cy="0"/>
+          <a:chOff x="0" y="0"/>
+          <a:chExt cx="0" cy="0"/>
+        </a:xfrm>
+      </p:grpSpPr>
+      <p:sp>
+        <p:nvSpPr>
+          <p:cNvPr id="2" name="Titre 1">
+            <a:extLst>
+              <a:ext uri="{FF2B5EF4-FFF2-40B4-BE49-F238E27FC236}">
+                <a16:creationId xmlns:a16="http://schemas.microsoft.com/office/drawing/2014/main" id="{51CF497A-9473-FE02-97FE-8DA70127CA39}"/>
+              </a:ext>
+            </a:extLst>
+          </p:cNvPr>
+          <p:cNvSpPr>
+            <a:spLocks noGrp="1"/>
+          </p:cNvSpPr>
+          <p:nvPr>
+            <p:ph type="title"/>
+          </p:nvPr>
+        </p:nvSpPr>
+        <p:spPr>
+          <a:xfrm>
+            <a:off x="3119391" y="2766218"/>
+            <a:ext cx="5953217" cy="1325563"/>
+          </a:xfrm>
+        </p:spPr>
+        <p:txBody>
+          <a:bodyPr/>
+          <a:lstStyle/>
+          <a:p>
+            <a:r>
+              <a:rPr lang="fr-FR" dirty="0"/>
+              <a:t>Dans la boucle Do/</a:t>
+            </a:r>
+            <a:r>
+              <a:rPr lang="fr-FR" dirty="0" err="1"/>
+              <a:t>While</a:t>
+            </a:r>
+            <a:endParaRPr lang="fr-FR" dirty="0"/>
+          </a:p>
+        </p:txBody>
+      </p:sp>
+    </p:spTree>
+    <p:extLst>
+      <p:ext uri="{BB962C8B-B14F-4D97-AF65-F5344CB8AC3E}">
+        <p14:creationId xmlns:p14="http://schemas.microsoft.com/office/powerpoint/2010/main" val="1818705270"/>
+      </p:ext>
+    </p:extLst>
+  </p:cSld>
+  <p:clrMapOvr>
+    <a:masterClrMapping/>
+  </p:clrMapOvr>
+</p:sld>
+</file>
+
+<file path=ppt/slides/slide8.xml><?xml version="1.0" encoding="utf-8"?>
+<p:sld xmlns:a="http://schemas.openxmlformats.org/drawingml/2006/main" xmlns:r="http://schemas.openxmlformats.org/officeDocument/2006/relationships" xmlns:p="http://schemas.openxmlformats.org/presentationml/2006/main">
+  <p:cSld>
+    <p:spTree>
+      <p:nvGrpSpPr>
+        <p:cNvPr id="1" name=""/>
+        <p:cNvGrpSpPr/>
+        <p:nvPr/>
+      </p:nvGrpSpPr>
+      <p:grpSpPr>
+        <a:xfrm>
+          <a:off x="0" y="0"/>
+          <a:ext cx="0" cy="0"/>
+          <a:chOff x="0" y="0"/>
+          <a:chExt cx="0" cy="0"/>
+        </a:xfrm>
+      </p:grpSpPr>
+      <p:sp>
+        <p:nvSpPr>
+          <p:cNvPr id="4" name="Titre 1">
+            <a:extLst>
+              <a:ext uri="{FF2B5EF4-FFF2-40B4-BE49-F238E27FC236}">
+                <a16:creationId xmlns:a16="http://schemas.microsoft.com/office/drawing/2014/main" id="{8378A7E1-DEEA-B6EC-A5C6-587B4985C008}"/>
+              </a:ext>
+            </a:extLst>
+          </p:cNvPr>
+          <p:cNvSpPr txBox="1">
+            <a:spLocks/>
+          </p:cNvSpPr>
+          <p:nvPr/>
+        </p:nvSpPr>
+        <p:spPr>
+          <a:xfrm>
+            <a:off x="509726" y="135785"/>
+            <a:ext cx="10515600" cy="1932711"/>
+          </a:xfrm>
+          <a:prstGeom prst="rect">
+            <a:avLst/>
+          </a:prstGeom>
+        </p:spPr>
+        <p:txBody>
+          <a:bodyPr vert="horz" lIns="91440" tIns="45720" rIns="91440" bIns="45720" rtlCol="0" anchor="ctr">
+            <a:normAutofit fontScale="92500" lnSpcReduction="10000"/>
+          </a:bodyPr>
+          <a:lstStyle>
+            <a:lvl1pPr algn="l" defTabSz="914400" rtl="0" eaLnBrk="1" latinLnBrk="0" hangingPunct="1">
+              <a:lnSpc>
+                <a:spcPct val="90000"/>
+              </a:lnSpc>
+              <a:spcBef>
+                <a:spcPct val="0"/>
+              </a:spcBef>
+              <a:buNone/>
+              <a:defRPr sz="4400" kern="1200">
+                <a:solidFill>
+                  <a:schemeClr val="tx1"/>
+                </a:solidFill>
+                <a:latin typeface="+mj-lt"/>
+                <a:ea typeface="+mj-ea"/>
+                <a:cs typeface="+mj-cs"/>
+              </a:defRPr>
+            </a:lvl1pPr>
+          </a:lstStyle>
+          <a:p>
+            <a:pPr algn="l"/>
+            <a:r>
+              <a:rPr lang="fr-FR" dirty="0"/>
+              <a:t>Test sur : </a:t>
+            </a:r>
+          </a:p>
+          <a:p>
+            <a:pPr algn="l"/>
+            <a:r>
+              <a:rPr lang="en-US" sz="1800" b="1" dirty="0">
+                <a:solidFill>
+                  <a:srgbClr val="7F0055"/>
+                </a:solidFill>
+                <a:latin typeface="Consolas" panose="020B0609020204030204" pitchFamily="49" charset="0"/>
+              </a:rPr>
+              <a:t>if</a:t>
+            </a:r>
+            <a:r>
+              <a:rPr lang="en-US" sz="1800" b="1" dirty="0">
+                <a:solidFill>
+                  <a:srgbClr val="000000"/>
+                </a:solidFill>
+                <a:latin typeface="Consolas" panose="020B0609020204030204" pitchFamily="49" charset="0"/>
+              </a:rPr>
+              <a:t> (</a:t>
+            </a:r>
+            <a:r>
+              <a:rPr lang="en-US" sz="1800" b="1" dirty="0" err="1">
+                <a:solidFill>
+                  <a:srgbClr val="000000"/>
+                </a:solidFill>
+                <a:latin typeface="Consolas" panose="020B0609020204030204" pitchFamily="49" charset="0"/>
+              </a:rPr>
+              <a:t>HAL_UART_Receive</a:t>
+            </a:r>
+            <a:r>
+              <a:rPr lang="en-US" sz="1800" b="1" dirty="0">
+                <a:solidFill>
+                  <a:srgbClr val="000000"/>
+                </a:solidFill>
+                <a:latin typeface="Consolas" panose="020B0609020204030204" pitchFamily="49" charset="0"/>
+              </a:rPr>
+              <a:t>(&amp;huart2, (</a:t>
+            </a:r>
+            <a:r>
+              <a:rPr lang="en-US" sz="1800" b="1" dirty="0">
+                <a:solidFill>
+                  <a:srgbClr val="005032"/>
+                </a:solidFill>
+                <a:latin typeface="Consolas" panose="020B0609020204030204" pitchFamily="49" charset="0"/>
+              </a:rPr>
+              <a:t>uint8_t</a:t>
+            </a:r>
+            <a:r>
+              <a:rPr lang="en-US" sz="1800" b="1" dirty="0">
+                <a:solidFill>
+                  <a:srgbClr val="000000"/>
+                </a:solidFill>
+                <a:latin typeface="Consolas" panose="020B0609020204030204" pitchFamily="49" charset="0"/>
+              </a:rPr>
+              <a:t>*) </a:t>
+            </a:r>
+            <a:r>
+              <a:rPr lang="en-US" sz="1800" b="1" dirty="0" err="1">
+                <a:solidFill>
+                  <a:srgbClr val="000000"/>
+                </a:solidFill>
+                <a:latin typeface="Consolas" panose="020B0609020204030204" pitchFamily="49" charset="0"/>
+              </a:rPr>
+              <a:t>r_buffer</a:t>
+            </a:r>
+            <a:r>
+              <a:rPr lang="en-US" sz="1800" b="1" dirty="0">
+                <a:solidFill>
+                  <a:srgbClr val="000000"/>
+                </a:solidFill>
+                <a:latin typeface="Consolas" panose="020B0609020204030204" pitchFamily="49" charset="0"/>
+              </a:rPr>
+              <a:t>, 1, 10) == </a:t>
+            </a:r>
+            <a:r>
+              <a:rPr lang="en-US" sz="1800" b="1" i="1" dirty="0">
+                <a:solidFill>
+                  <a:srgbClr val="0000C0"/>
+                </a:solidFill>
+                <a:latin typeface="Consolas" panose="020B0609020204030204" pitchFamily="49" charset="0"/>
+              </a:rPr>
+              <a:t>HAL_OK</a:t>
+            </a:r>
+            <a:r>
+              <a:rPr lang="en-US" sz="1800" b="1" i="1" dirty="0">
+                <a:solidFill>
+                  <a:srgbClr val="000000"/>
+                </a:solidFill>
+                <a:latin typeface="Consolas" panose="020B0609020204030204" pitchFamily="49" charset="0"/>
+              </a:rPr>
+              <a:t>) {</a:t>
+            </a:r>
+          </a:p>
+          <a:p>
+            <a:pPr algn="l"/>
+            <a:r>
+              <a:rPr lang="de-DE" sz="1800" dirty="0" err="1">
+                <a:solidFill>
+                  <a:srgbClr val="000000"/>
+                </a:solidFill>
+                <a:latin typeface="Consolas" panose="020B0609020204030204" pitchFamily="49" charset="0"/>
+              </a:rPr>
+              <a:t>HAL_UART_Transmit</a:t>
+            </a:r>
+            <a:r>
+              <a:rPr lang="de-DE" sz="1800" dirty="0">
+                <a:solidFill>
+                  <a:srgbClr val="000000"/>
+                </a:solidFill>
+                <a:latin typeface="Consolas" panose="020B0609020204030204" pitchFamily="49" charset="0"/>
+              </a:rPr>
+              <a:t>(&amp;huart2, (</a:t>
+            </a:r>
+            <a:r>
+              <a:rPr lang="de-DE" sz="1800" dirty="0">
+                <a:solidFill>
+                  <a:srgbClr val="005032"/>
+                </a:solidFill>
+                <a:latin typeface="Consolas" panose="020B0609020204030204" pitchFamily="49" charset="0"/>
+              </a:rPr>
+              <a:t>uint8_t</a:t>
+            </a:r>
+            <a:r>
+              <a:rPr lang="de-DE" sz="1800" dirty="0">
+                <a:solidFill>
+                  <a:srgbClr val="000000"/>
+                </a:solidFill>
+                <a:latin typeface="Consolas" panose="020B0609020204030204" pitchFamily="49" charset="0"/>
+              </a:rPr>
+              <a:t>*) </a:t>
+            </a:r>
+            <a:r>
+              <a:rPr lang="de-DE" sz="1800" dirty="0" err="1">
+                <a:solidFill>
+                  <a:srgbClr val="000000"/>
+                </a:solidFill>
+                <a:latin typeface="Consolas" panose="020B0609020204030204" pitchFamily="49" charset="0"/>
+              </a:rPr>
+              <a:t>r_buffer</a:t>
+            </a:r>
+            <a:r>
+              <a:rPr lang="de-DE" sz="1800" dirty="0">
+                <a:solidFill>
+                  <a:srgbClr val="000000"/>
+                </a:solidFill>
+                <a:latin typeface="Consolas" panose="020B0609020204030204" pitchFamily="49" charset="0"/>
+              </a:rPr>
+              <a:t>, 1, 10);</a:t>
+            </a:r>
+          </a:p>
+          <a:p>
+            <a:pPr algn="l"/>
+            <a:r>
+              <a:rPr lang="fr-FR" sz="1800" b="1" dirty="0">
+                <a:solidFill>
+                  <a:srgbClr val="642880"/>
+                </a:solidFill>
+                <a:latin typeface="Consolas" panose="020B0609020204030204" pitchFamily="49" charset="0"/>
+              </a:rPr>
+              <a:t>printf</a:t>
+            </a:r>
+            <a:r>
+              <a:rPr lang="fr-FR" sz="1800" b="1" dirty="0">
+                <a:solidFill>
+                  <a:srgbClr val="000000"/>
+                </a:solidFill>
+                <a:latin typeface="Consolas" panose="020B0609020204030204" pitchFamily="49" charset="0"/>
+              </a:rPr>
+              <a:t>(</a:t>
+            </a:r>
+            <a:r>
+              <a:rPr lang="fr-FR" sz="1800" b="1" dirty="0">
+                <a:solidFill>
+                  <a:srgbClr val="2A00FF"/>
+                </a:solidFill>
+                <a:latin typeface="Consolas" panose="020B0609020204030204" pitchFamily="49" charset="0"/>
+              </a:rPr>
+              <a:t>"\n\n\r"</a:t>
+            </a:r>
+            <a:r>
+              <a:rPr lang="fr-FR" sz="1800" b="1" dirty="0">
+                <a:solidFill>
+                  <a:srgbClr val="000000"/>
+                </a:solidFill>
+                <a:latin typeface="Consolas" panose="020B0609020204030204" pitchFamily="49" charset="0"/>
+              </a:rPr>
+              <a:t>);</a:t>
+            </a:r>
+          </a:p>
+          <a:p>
+            <a:pPr algn="l"/>
+            <a:r>
+              <a:rPr lang="fr-FR" sz="1800" dirty="0">
+                <a:solidFill>
+                  <a:srgbClr val="000000"/>
+                </a:solidFill>
+                <a:latin typeface="Consolas" panose="020B0609020204030204" pitchFamily="49" charset="0"/>
+              </a:rPr>
+              <a:t>} </a:t>
+            </a:r>
+            <a:r>
+              <a:rPr lang="fr-FR" sz="1800" b="1" dirty="0" err="1">
+                <a:solidFill>
+                  <a:srgbClr val="7F0055"/>
+                </a:solidFill>
+                <a:latin typeface="Consolas" panose="020B0609020204030204" pitchFamily="49" charset="0"/>
+              </a:rPr>
+              <a:t>else</a:t>
+            </a:r>
+            <a:r>
+              <a:rPr lang="fr-FR" sz="1800" b="1" dirty="0">
+                <a:solidFill>
+                  <a:srgbClr val="000000"/>
+                </a:solidFill>
+                <a:latin typeface="Consolas" panose="020B0609020204030204" pitchFamily="49" charset="0"/>
+              </a:rPr>
+              <a:t> {</a:t>
+            </a:r>
+          </a:p>
+          <a:p>
+            <a:pPr algn="l"/>
+            <a:r>
+              <a:rPr lang="fr-FR" sz="1800" dirty="0">
+                <a:solidFill>
+                  <a:srgbClr val="000000"/>
+                </a:solidFill>
+                <a:latin typeface="Consolas" panose="020B0609020204030204" pitchFamily="49" charset="0"/>
+              </a:rPr>
+              <a:t>__HAL_UART_CLEAR_OREFLAG(&amp;huart2);</a:t>
+            </a:r>
+          </a:p>
+          <a:p>
+            <a:pPr algn="l"/>
+            <a:r>
+              <a:rPr lang="fr-FR" sz="1800" dirty="0">
+                <a:solidFill>
+                  <a:srgbClr val="000000"/>
+                </a:solidFill>
+                <a:latin typeface="Consolas" panose="020B0609020204030204" pitchFamily="49" charset="0"/>
+              </a:rPr>
+              <a:t>}</a:t>
+            </a:r>
+            <a:endParaRPr lang="fr-FR" dirty="0"/>
+          </a:p>
+        </p:txBody>
+      </p:sp>
+      <p:sp>
+        <p:nvSpPr>
+          <p:cNvPr id="5" name="Espace réservé du contenu 2">
+            <a:extLst>
+              <a:ext uri="{FF2B5EF4-FFF2-40B4-BE49-F238E27FC236}">
+                <a16:creationId xmlns:a16="http://schemas.microsoft.com/office/drawing/2014/main" id="{4ECCC852-66E8-8166-E6A5-61CEC3FD55C3}"/>
+              </a:ext>
+            </a:extLst>
+          </p:cNvPr>
+          <p:cNvSpPr txBox="1">
+            <a:spLocks/>
+          </p:cNvSpPr>
+          <p:nvPr/>
+        </p:nvSpPr>
+        <p:spPr>
+          <a:xfrm>
+            <a:off x="509726" y="1970844"/>
+            <a:ext cx="10515600" cy="509202"/>
+          </a:xfrm>
+          <a:prstGeom prst="rect">
+            <a:avLst/>
+          </a:prstGeom>
+        </p:spPr>
+        <p:txBody>
+          <a:bodyPr vert="horz" lIns="91440" tIns="45720" rIns="91440" bIns="45720" rtlCol="0">
+            <a:normAutofit/>
+          </a:bodyPr>
+          <a:lstStyle>
+            <a:lvl1pPr marL="228600" indent="-228600" algn="l" defTabSz="914400" rtl="0" eaLnBrk="1" latinLnBrk="0" hangingPunct="1">
+              <a:lnSpc>
+                <a:spcPct val="90000"/>
+              </a:lnSpc>
+              <a:spcBef>
+                <a:spcPts val="1000"/>
+              </a:spcBef>
+              <a:buFont typeface="Arial" panose="020B0604020202020204" pitchFamily="34" charset="0"/>
+              <a:buChar char="•"/>
+              <a:defRPr sz="2800" kern="1200">
+                <a:solidFill>
+                  <a:schemeClr val="tx1"/>
+                </a:solidFill>
+                <a:latin typeface="+mn-lt"/>
+                <a:ea typeface="+mn-ea"/>
+                <a:cs typeface="+mn-cs"/>
+              </a:defRPr>
+            </a:lvl1pPr>
+            <a:lvl2pPr marL="685800" indent="-228600" algn="l" defTabSz="914400" rtl="0" eaLnBrk="1" latinLnBrk="0" hangingPunct="1">
+              <a:lnSpc>
+                <a:spcPct val="90000"/>
+              </a:lnSpc>
+              <a:spcBef>
+                <a:spcPts val="500"/>
+              </a:spcBef>
+              <a:buFont typeface="Arial" panose="020B0604020202020204" pitchFamily="34" charset="0"/>
+              <a:buChar char="•"/>
+              <a:defRPr sz="2400" kern="1200">
+                <a:solidFill>
+                  <a:schemeClr val="tx1"/>
+                </a:solidFill>
+                <a:latin typeface="+mn-lt"/>
+                <a:ea typeface="+mn-ea"/>
+                <a:cs typeface="+mn-cs"/>
+              </a:defRPr>
+            </a:lvl2pPr>
+            <a:lvl3pPr marL="1143000" indent="-228600" algn="l" defTabSz="914400" rtl="0" eaLnBrk="1" latinLnBrk="0" hangingPunct="1">
+              <a:lnSpc>
+                <a:spcPct val="90000"/>
+              </a:lnSpc>
+              <a:spcBef>
+                <a:spcPts val="500"/>
+              </a:spcBef>
+              <a:buFont typeface="Arial" panose="020B0604020202020204" pitchFamily="34" charset="0"/>
+              <a:buChar char="•"/>
+              <a:defRPr sz="2000" kern="1200">
+                <a:solidFill>
+                  <a:schemeClr val="tx1"/>
+                </a:solidFill>
+                <a:latin typeface="+mn-lt"/>
+                <a:ea typeface="+mn-ea"/>
+                <a:cs typeface="+mn-cs"/>
+              </a:defRPr>
+            </a:lvl3pPr>
+            <a:lvl4pPr marL="1600200" indent="-228600" algn="l" defTabSz="914400" rtl="0" eaLnBrk="1" latinLnBrk="0" hangingPunct="1">
+              <a:lnSpc>
+                <a:spcPct val="90000"/>
+              </a:lnSpc>
+              <a:spcBef>
+                <a:spcPts val="500"/>
+              </a:spcBef>
+              <a:buFont typeface="Arial" panose="020B0604020202020204" pitchFamily="34" charset="0"/>
+              <a:buChar char="•"/>
+              <a:defRPr sz="1800" kern="1200">
+                <a:solidFill>
+                  <a:schemeClr val="tx1"/>
+                </a:solidFill>
+                <a:latin typeface="+mn-lt"/>
+                <a:ea typeface="+mn-ea"/>
+                <a:cs typeface="+mn-cs"/>
+              </a:defRPr>
+            </a:lvl4pPr>
+            <a:lvl5pPr marL="2057400" indent="-228600" algn="l" defTabSz="914400" rtl="0" eaLnBrk="1" latinLnBrk="0" hangingPunct="1">
+              <a:lnSpc>
+                <a:spcPct val="90000"/>
+              </a:lnSpc>
+              <a:spcBef>
+                <a:spcPts val="500"/>
+              </a:spcBef>
+              <a:buFont typeface="Arial" panose="020B0604020202020204" pitchFamily="34" charset="0"/>
+              <a:buChar char="•"/>
+              <a:defRPr sz="1800" kern="1200">
+                <a:solidFill>
+                  <a:schemeClr val="tx1"/>
+                </a:solidFill>
+                <a:latin typeface="+mn-lt"/>
+                <a:ea typeface="+mn-ea"/>
+                <a:cs typeface="+mn-cs"/>
+              </a:defRPr>
+            </a:lvl5pPr>
+            <a:lvl6pPr marL="2514600" indent="-228600" algn="l" defTabSz="914400" rtl="0" eaLnBrk="1" latinLnBrk="0" hangingPunct="1">
+              <a:lnSpc>
+                <a:spcPct val="90000"/>
+              </a:lnSpc>
+              <a:spcBef>
+                <a:spcPts val="500"/>
+              </a:spcBef>
+              <a:buFont typeface="Arial" panose="020B0604020202020204" pitchFamily="34" charset="0"/>
+              <a:buChar char="•"/>
+              <a:defRPr sz="1800" kern="1200">
+                <a:solidFill>
+                  <a:schemeClr val="tx1"/>
+                </a:solidFill>
+                <a:latin typeface="+mn-lt"/>
+                <a:ea typeface="+mn-ea"/>
+                <a:cs typeface="+mn-cs"/>
+              </a:defRPr>
+            </a:lvl6pPr>
+            <a:lvl7pPr marL="2971800" indent="-228600" algn="l" defTabSz="914400" rtl="0" eaLnBrk="1" latinLnBrk="0" hangingPunct="1">
+              <a:lnSpc>
+                <a:spcPct val="90000"/>
+              </a:lnSpc>
+              <a:spcBef>
+                <a:spcPts val="500"/>
+              </a:spcBef>
+              <a:buFont typeface="Arial" panose="020B0604020202020204" pitchFamily="34" charset="0"/>
+              <a:buChar char="•"/>
+              <a:defRPr sz="1800" kern="1200">
+                <a:solidFill>
+                  <a:schemeClr val="tx1"/>
+                </a:solidFill>
+                <a:latin typeface="+mn-lt"/>
+                <a:ea typeface="+mn-ea"/>
+                <a:cs typeface="+mn-cs"/>
+              </a:defRPr>
+            </a:lvl7pPr>
+            <a:lvl8pPr marL="3429000" indent="-228600" algn="l" defTabSz="914400" rtl="0" eaLnBrk="1" latinLnBrk="0" hangingPunct="1">
+              <a:lnSpc>
+                <a:spcPct val="90000"/>
+              </a:lnSpc>
+              <a:spcBef>
+                <a:spcPts val="500"/>
+              </a:spcBef>
+              <a:buFont typeface="Arial" panose="020B0604020202020204" pitchFamily="34" charset="0"/>
+              <a:buChar char="•"/>
+              <a:defRPr sz="1800" kern="1200">
+                <a:solidFill>
+                  <a:schemeClr val="tx1"/>
+                </a:solidFill>
+                <a:latin typeface="+mn-lt"/>
+                <a:ea typeface="+mn-ea"/>
+                <a:cs typeface="+mn-cs"/>
+              </a:defRPr>
+            </a:lvl8pPr>
+            <a:lvl9pPr marL="3886200" indent="-228600" algn="l" defTabSz="914400" rtl="0" eaLnBrk="1" latinLnBrk="0" hangingPunct="1">
+              <a:lnSpc>
+                <a:spcPct val="90000"/>
+              </a:lnSpc>
+              <a:spcBef>
+                <a:spcPts val="500"/>
+              </a:spcBef>
+              <a:buFont typeface="Arial" panose="020B0604020202020204" pitchFamily="34" charset="0"/>
+              <a:buChar char="•"/>
+              <a:defRPr sz="1800" kern="1200">
+                <a:solidFill>
+                  <a:schemeClr val="tx1"/>
+                </a:solidFill>
+                <a:latin typeface="+mn-lt"/>
+                <a:ea typeface="+mn-ea"/>
+                <a:cs typeface="+mn-cs"/>
+              </a:defRPr>
+            </a:lvl9pPr>
+          </a:lstStyle>
+          <a:p>
+            <a:r>
+              <a:rPr lang="en-US" dirty="0"/>
+              <a:t>Time consumed : AUTOUR DE 110015 *10^-7 seconds</a:t>
+            </a:r>
+            <a:endParaRPr lang="fr-FR" dirty="0"/>
+          </a:p>
+        </p:txBody>
+      </p:sp>
+      <p:sp>
+        <p:nvSpPr>
+          <p:cNvPr id="6" name="Titre 1">
+            <a:extLst>
+              <a:ext uri="{FF2B5EF4-FFF2-40B4-BE49-F238E27FC236}">
+                <a16:creationId xmlns:a16="http://schemas.microsoft.com/office/drawing/2014/main" id="{15736179-FBC0-9424-5E5D-1BA1806C6A2B}"/>
+              </a:ext>
+            </a:extLst>
+          </p:cNvPr>
+          <p:cNvSpPr txBox="1">
+            <a:spLocks/>
+          </p:cNvSpPr>
+          <p:nvPr/>
+        </p:nvSpPr>
+        <p:spPr>
+          <a:xfrm>
+            <a:off x="509726" y="2480046"/>
+            <a:ext cx="10515600" cy="868871"/>
+          </a:xfrm>
+          <a:prstGeom prst="rect">
+            <a:avLst/>
+          </a:prstGeom>
+        </p:spPr>
+        <p:txBody>
+          <a:bodyPr vert="horz" lIns="91440" tIns="45720" rIns="91440" bIns="45720" rtlCol="0" anchor="ctr">
+            <a:normAutofit/>
+          </a:bodyPr>
+          <a:lstStyle>
+            <a:lvl1pPr algn="l" defTabSz="914400" rtl="0" eaLnBrk="1" latinLnBrk="0" hangingPunct="1">
+              <a:lnSpc>
+                <a:spcPct val="90000"/>
+              </a:lnSpc>
+              <a:spcBef>
+                <a:spcPct val="0"/>
+              </a:spcBef>
+              <a:buNone/>
+              <a:defRPr sz="4400" kern="1200">
+                <a:solidFill>
+                  <a:schemeClr val="tx1"/>
+                </a:solidFill>
+                <a:latin typeface="+mj-lt"/>
+                <a:ea typeface="+mj-ea"/>
+                <a:cs typeface="+mj-cs"/>
+              </a:defRPr>
+            </a:lvl1pPr>
+          </a:lstStyle>
+          <a:p>
+            <a:r>
+              <a:rPr lang="fr-FR" dirty="0"/>
+              <a:t>Test sur : </a:t>
+            </a:r>
+            <a:r>
+              <a:rPr lang="en-US" sz="1800" dirty="0">
+                <a:solidFill>
+                  <a:srgbClr val="000000"/>
+                </a:solidFill>
+                <a:latin typeface="Consolas" panose="020B0609020204030204" pitchFamily="49" charset="0"/>
+              </a:rPr>
+              <a:t>MPU6050_Read_All(&amp;hi2c1, &amp;</a:t>
+            </a:r>
+            <a:r>
+              <a:rPr lang="en-US" sz="1800" u="sng" dirty="0" err="1">
+                <a:solidFill>
+                  <a:srgbClr val="000000"/>
+                </a:solidFill>
+                <a:latin typeface="Consolas" panose="020B0609020204030204" pitchFamily="49" charset="0"/>
+              </a:rPr>
+              <a:t>mpu</a:t>
+            </a:r>
+            <a:r>
+              <a:rPr lang="en-US" sz="1800" u="sng" dirty="0">
+                <a:solidFill>
+                  <a:srgbClr val="000000"/>
+                </a:solidFill>
+                <a:latin typeface="Consolas" panose="020B0609020204030204" pitchFamily="49" charset="0"/>
+              </a:rPr>
+              <a:t>);</a:t>
+            </a:r>
+            <a:endParaRPr lang="fr-FR" dirty="0"/>
+          </a:p>
+        </p:txBody>
+      </p:sp>
+      <p:sp>
+        <p:nvSpPr>
+          <p:cNvPr id="7" name="Espace réservé du contenu 2">
+            <a:extLst>
+              <a:ext uri="{FF2B5EF4-FFF2-40B4-BE49-F238E27FC236}">
+                <a16:creationId xmlns:a16="http://schemas.microsoft.com/office/drawing/2014/main" id="{141F0CC3-2F6F-5050-8834-67340065C8F7}"/>
+              </a:ext>
+            </a:extLst>
+          </p:cNvPr>
+          <p:cNvSpPr txBox="1">
+            <a:spLocks/>
+          </p:cNvSpPr>
+          <p:nvPr/>
+        </p:nvSpPr>
+        <p:spPr>
+          <a:xfrm>
+            <a:off x="509726" y="3348917"/>
+            <a:ext cx="10515600" cy="509202"/>
+          </a:xfrm>
+          <a:prstGeom prst="rect">
+            <a:avLst/>
+          </a:prstGeom>
+        </p:spPr>
+        <p:txBody>
+          <a:bodyPr vert="horz" lIns="91440" tIns="45720" rIns="91440" bIns="45720" rtlCol="0">
+            <a:normAutofit/>
+          </a:bodyPr>
+          <a:lstStyle>
+            <a:lvl1pPr marL="228600" indent="-228600" algn="l" defTabSz="914400" rtl="0" eaLnBrk="1" latinLnBrk="0" hangingPunct="1">
+              <a:lnSpc>
+                <a:spcPct val="90000"/>
+              </a:lnSpc>
+              <a:spcBef>
+                <a:spcPts val="1000"/>
+              </a:spcBef>
+              <a:buFont typeface="Arial" panose="020B0604020202020204" pitchFamily="34" charset="0"/>
+              <a:buChar char="•"/>
+              <a:defRPr sz="2800" kern="1200">
+                <a:solidFill>
+                  <a:schemeClr val="tx1"/>
+                </a:solidFill>
+                <a:latin typeface="+mn-lt"/>
+                <a:ea typeface="+mn-ea"/>
+                <a:cs typeface="+mn-cs"/>
+              </a:defRPr>
+            </a:lvl1pPr>
+            <a:lvl2pPr marL="685800" indent="-228600" algn="l" defTabSz="914400" rtl="0" eaLnBrk="1" latinLnBrk="0" hangingPunct="1">
+              <a:lnSpc>
+                <a:spcPct val="90000"/>
+              </a:lnSpc>
+              <a:spcBef>
+                <a:spcPts val="500"/>
+              </a:spcBef>
+              <a:buFont typeface="Arial" panose="020B0604020202020204" pitchFamily="34" charset="0"/>
+              <a:buChar char="•"/>
+              <a:defRPr sz="2400" kern="1200">
+                <a:solidFill>
+                  <a:schemeClr val="tx1"/>
+                </a:solidFill>
+                <a:latin typeface="+mn-lt"/>
+                <a:ea typeface="+mn-ea"/>
+                <a:cs typeface="+mn-cs"/>
+              </a:defRPr>
+            </a:lvl2pPr>
+            <a:lvl3pPr marL="1143000" indent="-228600" algn="l" defTabSz="914400" rtl="0" eaLnBrk="1" latinLnBrk="0" hangingPunct="1">
+              <a:lnSpc>
+                <a:spcPct val="90000"/>
+              </a:lnSpc>
+              <a:spcBef>
+                <a:spcPts val="500"/>
+              </a:spcBef>
+              <a:buFont typeface="Arial" panose="020B0604020202020204" pitchFamily="34" charset="0"/>
+              <a:buChar char="•"/>
+              <a:defRPr sz="2000" kern="1200">
+                <a:solidFill>
+                  <a:schemeClr val="tx1"/>
+                </a:solidFill>
+                <a:latin typeface="+mn-lt"/>
+                <a:ea typeface="+mn-ea"/>
+                <a:cs typeface="+mn-cs"/>
+              </a:defRPr>
+            </a:lvl3pPr>
+            <a:lvl4pPr marL="1600200" indent="-228600" algn="l" defTabSz="914400" rtl="0" eaLnBrk="1" latinLnBrk="0" hangingPunct="1">
+              <a:lnSpc>
+                <a:spcPct val="90000"/>
+              </a:lnSpc>
+              <a:spcBef>
+                <a:spcPts val="500"/>
+              </a:spcBef>
+              <a:buFont typeface="Arial" panose="020B0604020202020204" pitchFamily="34" charset="0"/>
+              <a:buChar char="•"/>
+              <a:defRPr sz="1800" kern="1200">
+                <a:solidFill>
+                  <a:schemeClr val="tx1"/>
+                </a:solidFill>
+                <a:latin typeface="+mn-lt"/>
+                <a:ea typeface="+mn-ea"/>
+                <a:cs typeface="+mn-cs"/>
+              </a:defRPr>
+            </a:lvl4pPr>
+            <a:lvl5pPr marL="2057400" indent="-228600" algn="l" defTabSz="914400" rtl="0" eaLnBrk="1" latinLnBrk="0" hangingPunct="1">
+              <a:lnSpc>
+                <a:spcPct val="90000"/>
+              </a:lnSpc>
+              <a:spcBef>
+                <a:spcPts val="500"/>
+              </a:spcBef>
+              <a:buFont typeface="Arial" panose="020B0604020202020204" pitchFamily="34" charset="0"/>
+              <a:buChar char="•"/>
+              <a:defRPr sz="1800" kern="1200">
+                <a:solidFill>
+                  <a:schemeClr val="tx1"/>
+                </a:solidFill>
+                <a:latin typeface="+mn-lt"/>
+                <a:ea typeface="+mn-ea"/>
+                <a:cs typeface="+mn-cs"/>
+              </a:defRPr>
+            </a:lvl5pPr>
+            <a:lvl6pPr marL="2514600" indent="-228600" algn="l" defTabSz="914400" rtl="0" eaLnBrk="1" latinLnBrk="0" hangingPunct="1">
+              <a:lnSpc>
+                <a:spcPct val="90000"/>
+              </a:lnSpc>
+              <a:spcBef>
+                <a:spcPts val="500"/>
+              </a:spcBef>
+              <a:buFont typeface="Arial" panose="020B0604020202020204" pitchFamily="34" charset="0"/>
+              <a:buChar char="•"/>
+              <a:defRPr sz="1800" kern="1200">
+                <a:solidFill>
+                  <a:schemeClr val="tx1"/>
+                </a:solidFill>
+                <a:latin typeface="+mn-lt"/>
+                <a:ea typeface="+mn-ea"/>
+                <a:cs typeface="+mn-cs"/>
+              </a:defRPr>
+            </a:lvl6pPr>
+            <a:lvl7pPr marL="2971800" indent="-228600" algn="l" defTabSz="914400" rtl="0" eaLnBrk="1" latinLnBrk="0" hangingPunct="1">
+              <a:lnSpc>
+                <a:spcPct val="90000"/>
+              </a:lnSpc>
+              <a:spcBef>
+                <a:spcPts val="500"/>
+              </a:spcBef>
+              <a:buFont typeface="Arial" panose="020B0604020202020204" pitchFamily="34" charset="0"/>
+              <a:buChar char="•"/>
+              <a:defRPr sz="1800" kern="1200">
+                <a:solidFill>
+                  <a:schemeClr val="tx1"/>
+                </a:solidFill>
+                <a:latin typeface="+mn-lt"/>
+                <a:ea typeface="+mn-ea"/>
+                <a:cs typeface="+mn-cs"/>
+              </a:defRPr>
+            </a:lvl7pPr>
+            <a:lvl8pPr marL="3429000" indent="-228600" algn="l" defTabSz="914400" rtl="0" eaLnBrk="1" latinLnBrk="0" hangingPunct="1">
+              <a:lnSpc>
+                <a:spcPct val="90000"/>
+              </a:lnSpc>
+              <a:spcBef>
+                <a:spcPts val="500"/>
+              </a:spcBef>
+              <a:buFont typeface="Arial" panose="020B0604020202020204" pitchFamily="34" charset="0"/>
+              <a:buChar char="•"/>
+              <a:defRPr sz="1800" kern="1200">
+                <a:solidFill>
+                  <a:schemeClr val="tx1"/>
+                </a:solidFill>
+                <a:latin typeface="+mn-lt"/>
+                <a:ea typeface="+mn-ea"/>
+                <a:cs typeface="+mn-cs"/>
+              </a:defRPr>
+            </a:lvl8pPr>
+            <a:lvl9pPr marL="3886200" indent="-228600" algn="l" defTabSz="914400" rtl="0" eaLnBrk="1" latinLnBrk="0" hangingPunct="1">
+              <a:lnSpc>
+                <a:spcPct val="90000"/>
+              </a:lnSpc>
+              <a:spcBef>
+                <a:spcPts val="500"/>
+              </a:spcBef>
+              <a:buFont typeface="Arial" panose="020B0604020202020204" pitchFamily="34" charset="0"/>
+              <a:buChar char="•"/>
+              <a:defRPr sz="1800" kern="1200">
+                <a:solidFill>
+                  <a:schemeClr val="tx1"/>
+                </a:solidFill>
+                <a:latin typeface="+mn-lt"/>
+                <a:ea typeface="+mn-ea"/>
+                <a:cs typeface="+mn-cs"/>
+              </a:defRPr>
+            </a:lvl9pPr>
+          </a:lstStyle>
+          <a:p>
+            <a:r>
+              <a:rPr lang="en-US" dirty="0"/>
+              <a:t>Time consumed : AUTOUR DE 7250 *10^-7 seconds</a:t>
+            </a:r>
+            <a:endParaRPr lang="fr-FR" dirty="0"/>
+          </a:p>
+        </p:txBody>
+      </p:sp>
+      <p:sp>
+        <p:nvSpPr>
+          <p:cNvPr id="8" name="Titre 1">
+            <a:extLst>
+              <a:ext uri="{FF2B5EF4-FFF2-40B4-BE49-F238E27FC236}">
+                <a16:creationId xmlns:a16="http://schemas.microsoft.com/office/drawing/2014/main" id="{1451E80B-6234-9E9C-BBCE-384119A953F5}"/>
+              </a:ext>
+            </a:extLst>
+          </p:cNvPr>
+          <p:cNvSpPr txBox="1">
+            <a:spLocks/>
+          </p:cNvSpPr>
+          <p:nvPr/>
+        </p:nvSpPr>
+        <p:spPr>
+          <a:xfrm>
+            <a:off x="509726" y="3858119"/>
+            <a:ext cx="10515600" cy="868871"/>
+          </a:xfrm>
+          <a:prstGeom prst="rect">
+            <a:avLst/>
+          </a:prstGeom>
+        </p:spPr>
+        <p:txBody>
+          <a:bodyPr vert="horz" lIns="91440" tIns="45720" rIns="91440" bIns="45720" rtlCol="0" anchor="ctr">
+            <a:normAutofit/>
+          </a:bodyPr>
+          <a:lstStyle>
+            <a:lvl1pPr algn="l" defTabSz="914400" rtl="0" eaLnBrk="1" latinLnBrk="0" hangingPunct="1">
+              <a:lnSpc>
+                <a:spcPct val="90000"/>
+              </a:lnSpc>
+              <a:spcBef>
+                <a:spcPct val="0"/>
+              </a:spcBef>
+              <a:buNone/>
+              <a:defRPr sz="4400" kern="1200">
+                <a:solidFill>
+                  <a:schemeClr val="tx1"/>
+                </a:solidFill>
+                <a:latin typeface="+mj-lt"/>
+                <a:ea typeface="+mj-ea"/>
+                <a:cs typeface="+mj-cs"/>
+              </a:defRPr>
+            </a:lvl1pPr>
+          </a:lstStyle>
+          <a:p>
+            <a:r>
+              <a:rPr lang="fr-FR" dirty="0"/>
+              <a:t>Test sur : </a:t>
+            </a:r>
+            <a:r>
+              <a:rPr lang="fr-FR" sz="1800" dirty="0" err="1">
+                <a:solidFill>
+                  <a:srgbClr val="000000"/>
+                </a:solidFill>
+                <a:latin typeface="Consolas" panose="020B0609020204030204" pitchFamily="49" charset="0"/>
+              </a:rPr>
+              <a:t>position_angulaire</a:t>
+            </a:r>
+            <a:r>
+              <a:rPr lang="fr-FR" sz="1800" dirty="0">
+                <a:solidFill>
+                  <a:srgbClr val="000000"/>
+                </a:solidFill>
+                <a:latin typeface="Consolas" panose="020B0609020204030204" pitchFamily="49" charset="0"/>
+              </a:rPr>
+              <a:t> = </a:t>
+            </a:r>
+            <a:r>
+              <a:rPr lang="fr-FR" sz="1800" dirty="0" err="1">
+                <a:solidFill>
+                  <a:srgbClr val="000000"/>
+                </a:solidFill>
+                <a:latin typeface="Consolas" panose="020B0609020204030204" pitchFamily="49" charset="0"/>
+              </a:rPr>
+              <a:t>mpu.</a:t>
+            </a:r>
+            <a:r>
+              <a:rPr lang="fr-FR" sz="1800" dirty="0" err="1">
+                <a:solidFill>
+                  <a:srgbClr val="0000C0"/>
+                </a:solidFill>
+                <a:latin typeface="Consolas" panose="020B0609020204030204" pitchFamily="49" charset="0"/>
+              </a:rPr>
+              <a:t>KalmanAngleX</a:t>
+            </a:r>
+            <a:r>
+              <a:rPr lang="fr-FR" sz="1800" dirty="0">
+                <a:solidFill>
+                  <a:srgbClr val="000000"/>
+                </a:solidFill>
+                <a:latin typeface="Consolas" panose="020B0609020204030204" pitchFamily="49" charset="0"/>
+              </a:rPr>
+              <a:t> + 90;</a:t>
+            </a:r>
+            <a:endParaRPr lang="fr-FR" dirty="0"/>
+          </a:p>
+        </p:txBody>
+      </p:sp>
+      <p:sp>
+        <p:nvSpPr>
+          <p:cNvPr id="9" name="Espace réservé du contenu 2">
+            <a:extLst>
+              <a:ext uri="{FF2B5EF4-FFF2-40B4-BE49-F238E27FC236}">
+                <a16:creationId xmlns:a16="http://schemas.microsoft.com/office/drawing/2014/main" id="{7352C718-9912-7FCE-66E1-2B4E85A12ED1}"/>
+              </a:ext>
+            </a:extLst>
+          </p:cNvPr>
+          <p:cNvSpPr txBox="1">
+            <a:spLocks/>
+          </p:cNvSpPr>
+          <p:nvPr/>
+        </p:nvSpPr>
+        <p:spPr>
+          <a:xfrm>
+            <a:off x="509726" y="4726990"/>
+            <a:ext cx="10515600" cy="509202"/>
+          </a:xfrm>
+          <a:prstGeom prst="rect">
+            <a:avLst/>
+          </a:prstGeom>
+        </p:spPr>
+        <p:txBody>
+          <a:bodyPr vert="horz" lIns="91440" tIns="45720" rIns="91440" bIns="45720" rtlCol="0">
+            <a:normAutofit/>
+          </a:bodyPr>
+          <a:lstStyle>
+            <a:lvl1pPr marL="228600" indent="-228600" algn="l" defTabSz="914400" rtl="0" eaLnBrk="1" latinLnBrk="0" hangingPunct="1">
+              <a:lnSpc>
+                <a:spcPct val="90000"/>
+              </a:lnSpc>
+              <a:spcBef>
+                <a:spcPts val="1000"/>
+              </a:spcBef>
+              <a:buFont typeface="Arial" panose="020B0604020202020204" pitchFamily="34" charset="0"/>
+              <a:buChar char="•"/>
+              <a:defRPr sz="2800" kern="1200">
+                <a:solidFill>
+                  <a:schemeClr val="tx1"/>
+                </a:solidFill>
+                <a:latin typeface="+mn-lt"/>
+                <a:ea typeface="+mn-ea"/>
+                <a:cs typeface="+mn-cs"/>
+              </a:defRPr>
+            </a:lvl1pPr>
+            <a:lvl2pPr marL="685800" indent="-228600" algn="l" defTabSz="914400" rtl="0" eaLnBrk="1" latinLnBrk="0" hangingPunct="1">
+              <a:lnSpc>
+                <a:spcPct val="90000"/>
+              </a:lnSpc>
+              <a:spcBef>
+                <a:spcPts val="500"/>
+              </a:spcBef>
+              <a:buFont typeface="Arial" panose="020B0604020202020204" pitchFamily="34" charset="0"/>
+              <a:buChar char="•"/>
+              <a:defRPr sz="2400" kern="1200">
+                <a:solidFill>
+                  <a:schemeClr val="tx1"/>
+                </a:solidFill>
+                <a:latin typeface="+mn-lt"/>
+                <a:ea typeface="+mn-ea"/>
+                <a:cs typeface="+mn-cs"/>
+              </a:defRPr>
+            </a:lvl2pPr>
+            <a:lvl3pPr marL="1143000" indent="-228600" algn="l" defTabSz="914400" rtl="0" eaLnBrk="1" latinLnBrk="0" hangingPunct="1">
+              <a:lnSpc>
+                <a:spcPct val="90000"/>
+              </a:lnSpc>
+              <a:spcBef>
+                <a:spcPts val="500"/>
+              </a:spcBef>
+              <a:buFont typeface="Arial" panose="020B0604020202020204" pitchFamily="34" charset="0"/>
+              <a:buChar char="•"/>
+              <a:defRPr sz="2000" kern="1200">
+                <a:solidFill>
+                  <a:schemeClr val="tx1"/>
+                </a:solidFill>
+                <a:latin typeface="+mn-lt"/>
+                <a:ea typeface="+mn-ea"/>
+                <a:cs typeface="+mn-cs"/>
+              </a:defRPr>
+            </a:lvl3pPr>
+            <a:lvl4pPr marL="1600200" indent="-228600" algn="l" defTabSz="914400" rtl="0" eaLnBrk="1" latinLnBrk="0" hangingPunct="1">
+              <a:lnSpc>
+                <a:spcPct val="90000"/>
+              </a:lnSpc>
+              <a:spcBef>
+                <a:spcPts val="500"/>
+              </a:spcBef>
+              <a:buFont typeface="Arial" panose="020B0604020202020204" pitchFamily="34" charset="0"/>
+              <a:buChar char="•"/>
+              <a:defRPr sz="1800" kern="1200">
+                <a:solidFill>
+                  <a:schemeClr val="tx1"/>
+                </a:solidFill>
+                <a:latin typeface="+mn-lt"/>
+                <a:ea typeface="+mn-ea"/>
+                <a:cs typeface="+mn-cs"/>
+              </a:defRPr>
+            </a:lvl4pPr>
+            <a:lvl5pPr marL="2057400" indent="-228600" algn="l" defTabSz="914400" rtl="0" eaLnBrk="1" latinLnBrk="0" hangingPunct="1">
+              <a:lnSpc>
+                <a:spcPct val="90000"/>
+              </a:lnSpc>
+              <a:spcBef>
+                <a:spcPts val="500"/>
+              </a:spcBef>
+              <a:buFont typeface="Arial" panose="020B0604020202020204" pitchFamily="34" charset="0"/>
+              <a:buChar char="•"/>
+              <a:defRPr sz="1800" kern="1200">
+                <a:solidFill>
+                  <a:schemeClr val="tx1"/>
+                </a:solidFill>
+                <a:latin typeface="+mn-lt"/>
+                <a:ea typeface="+mn-ea"/>
+                <a:cs typeface="+mn-cs"/>
+              </a:defRPr>
+            </a:lvl5pPr>
+            <a:lvl6pPr marL="2514600" indent="-228600" algn="l" defTabSz="914400" rtl="0" eaLnBrk="1" latinLnBrk="0" hangingPunct="1">
+              <a:lnSpc>
+                <a:spcPct val="90000"/>
+              </a:lnSpc>
+              <a:spcBef>
+                <a:spcPts val="500"/>
+              </a:spcBef>
+              <a:buFont typeface="Arial" panose="020B0604020202020204" pitchFamily="34" charset="0"/>
+              <a:buChar char="•"/>
+              <a:defRPr sz="1800" kern="1200">
+                <a:solidFill>
+                  <a:schemeClr val="tx1"/>
+                </a:solidFill>
+                <a:latin typeface="+mn-lt"/>
+                <a:ea typeface="+mn-ea"/>
+                <a:cs typeface="+mn-cs"/>
+              </a:defRPr>
+            </a:lvl6pPr>
+            <a:lvl7pPr marL="2971800" indent="-228600" algn="l" defTabSz="914400" rtl="0" eaLnBrk="1" latinLnBrk="0" hangingPunct="1">
+              <a:lnSpc>
+                <a:spcPct val="90000"/>
+              </a:lnSpc>
+              <a:spcBef>
+                <a:spcPts val="500"/>
+              </a:spcBef>
+              <a:buFont typeface="Arial" panose="020B0604020202020204" pitchFamily="34" charset="0"/>
+              <a:buChar char="•"/>
+              <a:defRPr sz="1800" kern="1200">
+                <a:solidFill>
+                  <a:schemeClr val="tx1"/>
+                </a:solidFill>
+                <a:latin typeface="+mn-lt"/>
+                <a:ea typeface="+mn-ea"/>
+                <a:cs typeface="+mn-cs"/>
+              </a:defRPr>
+            </a:lvl7pPr>
+            <a:lvl8pPr marL="3429000" indent="-228600" algn="l" defTabSz="914400" rtl="0" eaLnBrk="1" latinLnBrk="0" hangingPunct="1">
+              <a:lnSpc>
+                <a:spcPct val="90000"/>
+              </a:lnSpc>
+              <a:spcBef>
+                <a:spcPts val="500"/>
+              </a:spcBef>
+              <a:buFont typeface="Arial" panose="020B0604020202020204" pitchFamily="34" charset="0"/>
+              <a:buChar char="•"/>
+              <a:defRPr sz="1800" kern="1200">
+                <a:solidFill>
+                  <a:schemeClr val="tx1"/>
+                </a:solidFill>
+                <a:latin typeface="+mn-lt"/>
+                <a:ea typeface="+mn-ea"/>
+                <a:cs typeface="+mn-cs"/>
+              </a:defRPr>
+            </a:lvl8pPr>
+            <a:lvl9pPr marL="3886200" indent="-228600" algn="l" defTabSz="914400" rtl="0" eaLnBrk="1" latinLnBrk="0" hangingPunct="1">
+              <a:lnSpc>
+                <a:spcPct val="90000"/>
+              </a:lnSpc>
+              <a:spcBef>
+                <a:spcPts val="500"/>
+              </a:spcBef>
+              <a:buFont typeface="Arial" panose="020B0604020202020204" pitchFamily="34" charset="0"/>
+              <a:buChar char="•"/>
+              <a:defRPr sz="1800" kern="1200">
+                <a:solidFill>
+                  <a:schemeClr val="tx1"/>
+                </a:solidFill>
+                <a:latin typeface="+mn-lt"/>
+                <a:ea typeface="+mn-ea"/>
+                <a:cs typeface="+mn-cs"/>
+              </a:defRPr>
+            </a:lvl9pPr>
+          </a:lstStyle>
+          <a:p>
+            <a:r>
+              <a:rPr lang="en-US" dirty="0"/>
+              <a:t>Time consumed : AUTOUR DE  22 *10^-7 seconds</a:t>
+            </a:r>
+            <a:endParaRPr lang="fr-FR" dirty="0"/>
+          </a:p>
+        </p:txBody>
+      </p:sp>
+      <p:sp>
+        <p:nvSpPr>
+          <p:cNvPr id="10" name="Titre 1">
+            <a:extLst>
+              <a:ext uri="{FF2B5EF4-FFF2-40B4-BE49-F238E27FC236}">
+                <a16:creationId xmlns:a16="http://schemas.microsoft.com/office/drawing/2014/main" id="{FAF4FCBA-203B-1CED-CC3E-7F6363213936}"/>
+              </a:ext>
+            </a:extLst>
+          </p:cNvPr>
+          <p:cNvSpPr txBox="1">
+            <a:spLocks/>
+          </p:cNvSpPr>
+          <p:nvPr/>
+        </p:nvSpPr>
+        <p:spPr>
+          <a:xfrm>
+            <a:off x="509726" y="5236192"/>
+            <a:ext cx="10515600" cy="868871"/>
+          </a:xfrm>
+          <a:prstGeom prst="rect">
+            <a:avLst/>
+          </a:prstGeom>
+        </p:spPr>
+        <p:txBody>
+          <a:bodyPr vert="horz" lIns="91440" tIns="45720" rIns="91440" bIns="45720" rtlCol="0" anchor="ctr">
+            <a:normAutofit/>
+          </a:bodyPr>
+          <a:lstStyle>
+            <a:lvl1pPr algn="l" defTabSz="914400" rtl="0" eaLnBrk="1" latinLnBrk="0" hangingPunct="1">
+              <a:lnSpc>
+                <a:spcPct val="90000"/>
+              </a:lnSpc>
+              <a:spcBef>
+                <a:spcPct val="0"/>
+              </a:spcBef>
+              <a:buNone/>
+              <a:defRPr sz="4400" kern="1200">
+                <a:solidFill>
+                  <a:schemeClr val="tx1"/>
+                </a:solidFill>
+                <a:latin typeface="+mj-lt"/>
+                <a:ea typeface="+mj-ea"/>
+                <a:cs typeface="+mj-cs"/>
+              </a:defRPr>
+            </a:lvl1pPr>
+          </a:lstStyle>
+          <a:p>
+            <a:r>
+              <a:rPr lang="fr-FR" dirty="0"/>
+              <a:t>Test sur : </a:t>
+            </a:r>
+            <a:r>
+              <a:rPr lang="fr-FR" sz="1800" dirty="0">
+                <a:solidFill>
+                  <a:srgbClr val="000000"/>
+                </a:solidFill>
+                <a:latin typeface="Consolas" panose="020B0609020204030204" pitchFamily="49" charset="0"/>
+              </a:rPr>
+              <a:t>_erreur = erreur;</a:t>
+            </a:r>
+            <a:endParaRPr lang="fr-FR" dirty="0"/>
+          </a:p>
+        </p:txBody>
+      </p:sp>
+      <p:sp>
+        <p:nvSpPr>
+          <p:cNvPr id="11" name="Espace réservé du contenu 2">
+            <a:extLst>
+              <a:ext uri="{FF2B5EF4-FFF2-40B4-BE49-F238E27FC236}">
+                <a16:creationId xmlns:a16="http://schemas.microsoft.com/office/drawing/2014/main" id="{A55E0737-E5E1-E8E0-4A54-672F223761EB}"/>
+              </a:ext>
+            </a:extLst>
+          </p:cNvPr>
+          <p:cNvSpPr txBox="1">
+            <a:spLocks/>
+          </p:cNvSpPr>
+          <p:nvPr/>
+        </p:nvSpPr>
+        <p:spPr>
+          <a:xfrm>
+            <a:off x="509726" y="6105063"/>
+            <a:ext cx="10515600" cy="509202"/>
+          </a:xfrm>
+          <a:prstGeom prst="rect">
+            <a:avLst/>
+          </a:prstGeom>
+        </p:spPr>
+        <p:txBody>
+          <a:bodyPr vert="horz" lIns="91440" tIns="45720" rIns="91440" bIns="45720" rtlCol="0">
+            <a:normAutofit/>
+          </a:bodyPr>
+          <a:lstStyle>
+            <a:lvl1pPr marL="228600" indent="-228600" algn="l" defTabSz="914400" rtl="0" eaLnBrk="1" latinLnBrk="0" hangingPunct="1">
+              <a:lnSpc>
+                <a:spcPct val="90000"/>
+              </a:lnSpc>
+              <a:spcBef>
+                <a:spcPts val="1000"/>
+              </a:spcBef>
+              <a:buFont typeface="Arial" panose="020B0604020202020204" pitchFamily="34" charset="0"/>
+              <a:buChar char="•"/>
+              <a:defRPr sz="2800" kern="1200">
+                <a:solidFill>
+                  <a:schemeClr val="tx1"/>
+                </a:solidFill>
+                <a:latin typeface="+mn-lt"/>
+                <a:ea typeface="+mn-ea"/>
+                <a:cs typeface="+mn-cs"/>
+              </a:defRPr>
+            </a:lvl1pPr>
+            <a:lvl2pPr marL="685800" indent="-228600" algn="l" defTabSz="914400" rtl="0" eaLnBrk="1" latinLnBrk="0" hangingPunct="1">
+              <a:lnSpc>
+                <a:spcPct val="90000"/>
+              </a:lnSpc>
+              <a:spcBef>
+                <a:spcPts val="500"/>
+              </a:spcBef>
+              <a:buFont typeface="Arial" panose="020B0604020202020204" pitchFamily="34" charset="0"/>
+              <a:buChar char="•"/>
+              <a:defRPr sz="2400" kern="1200">
+                <a:solidFill>
+                  <a:schemeClr val="tx1"/>
+                </a:solidFill>
+                <a:latin typeface="+mn-lt"/>
+                <a:ea typeface="+mn-ea"/>
+                <a:cs typeface="+mn-cs"/>
+              </a:defRPr>
+            </a:lvl2pPr>
+            <a:lvl3pPr marL="1143000" indent="-228600" algn="l" defTabSz="914400" rtl="0" eaLnBrk="1" latinLnBrk="0" hangingPunct="1">
+              <a:lnSpc>
+                <a:spcPct val="90000"/>
+              </a:lnSpc>
+              <a:spcBef>
+                <a:spcPts val="500"/>
+              </a:spcBef>
+              <a:buFont typeface="Arial" panose="020B0604020202020204" pitchFamily="34" charset="0"/>
+              <a:buChar char="•"/>
+              <a:defRPr sz="2000" kern="1200">
+                <a:solidFill>
+                  <a:schemeClr val="tx1"/>
+                </a:solidFill>
+                <a:latin typeface="+mn-lt"/>
+                <a:ea typeface="+mn-ea"/>
+                <a:cs typeface="+mn-cs"/>
+              </a:defRPr>
+            </a:lvl3pPr>
+            <a:lvl4pPr marL="1600200" indent="-228600" algn="l" defTabSz="914400" rtl="0" eaLnBrk="1" latinLnBrk="0" hangingPunct="1">
+              <a:lnSpc>
+                <a:spcPct val="90000"/>
+              </a:lnSpc>
+              <a:spcBef>
+                <a:spcPts val="500"/>
+              </a:spcBef>
+              <a:buFont typeface="Arial" panose="020B0604020202020204" pitchFamily="34" charset="0"/>
+              <a:buChar char="•"/>
+              <a:defRPr sz="1800" kern="1200">
+                <a:solidFill>
+                  <a:schemeClr val="tx1"/>
+                </a:solidFill>
+                <a:latin typeface="+mn-lt"/>
+                <a:ea typeface="+mn-ea"/>
+                <a:cs typeface="+mn-cs"/>
+              </a:defRPr>
+            </a:lvl4pPr>
+            <a:lvl5pPr marL="2057400" indent="-228600" algn="l" defTabSz="914400" rtl="0" eaLnBrk="1" latinLnBrk="0" hangingPunct="1">
+              <a:lnSpc>
+                <a:spcPct val="90000"/>
+              </a:lnSpc>
+              <a:spcBef>
+                <a:spcPts val="500"/>
+              </a:spcBef>
+              <a:buFont typeface="Arial" panose="020B0604020202020204" pitchFamily="34" charset="0"/>
+              <a:buChar char="•"/>
+              <a:defRPr sz="1800" kern="1200">
+                <a:solidFill>
+                  <a:schemeClr val="tx1"/>
+                </a:solidFill>
+                <a:latin typeface="+mn-lt"/>
+                <a:ea typeface="+mn-ea"/>
+                <a:cs typeface="+mn-cs"/>
+              </a:defRPr>
+            </a:lvl5pPr>
+            <a:lvl6pPr marL="2514600" indent="-228600" algn="l" defTabSz="914400" rtl="0" eaLnBrk="1" latinLnBrk="0" hangingPunct="1">
+              <a:lnSpc>
+                <a:spcPct val="90000"/>
+              </a:lnSpc>
+              <a:spcBef>
+                <a:spcPts val="500"/>
+              </a:spcBef>
+              <a:buFont typeface="Arial" panose="020B0604020202020204" pitchFamily="34" charset="0"/>
+              <a:buChar char="•"/>
+              <a:defRPr sz="1800" kern="1200">
+                <a:solidFill>
+                  <a:schemeClr val="tx1"/>
+                </a:solidFill>
+                <a:latin typeface="+mn-lt"/>
+                <a:ea typeface="+mn-ea"/>
+                <a:cs typeface="+mn-cs"/>
+              </a:defRPr>
+            </a:lvl6pPr>
+            <a:lvl7pPr marL="2971800" indent="-228600" algn="l" defTabSz="914400" rtl="0" eaLnBrk="1" latinLnBrk="0" hangingPunct="1">
+              <a:lnSpc>
+                <a:spcPct val="90000"/>
+              </a:lnSpc>
+              <a:spcBef>
+                <a:spcPts val="500"/>
+              </a:spcBef>
+              <a:buFont typeface="Arial" panose="020B0604020202020204" pitchFamily="34" charset="0"/>
+              <a:buChar char="•"/>
+              <a:defRPr sz="1800" kern="1200">
+                <a:solidFill>
+                  <a:schemeClr val="tx1"/>
+                </a:solidFill>
+                <a:latin typeface="+mn-lt"/>
+                <a:ea typeface="+mn-ea"/>
+                <a:cs typeface="+mn-cs"/>
+              </a:defRPr>
+            </a:lvl7pPr>
+            <a:lvl8pPr marL="3429000" indent="-228600" algn="l" defTabSz="914400" rtl="0" eaLnBrk="1" latinLnBrk="0" hangingPunct="1">
+              <a:lnSpc>
+                <a:spcPct val="90000"/>
+              </a:lnSpc>
+              <a:spcBef>
+                <a:spcPts val="500"/>
+              </a:spcBef>
+              <a:buFont typeface="Arial" panose="020B0604020202020204" pitchFamily="34" charset="0"/>
+              <a:buChar char="•"/>
+              <a:defRPr sz="1800" kern="1200">
+                <a:solidFill>
+                  <a:schemeClr val="tx1"/>
+                </a:solidFill>
+                <a:latin typeface="+mn-lt"/>
+                <a:ea typeface="+mn-ea"/>
+                <a:cs typeface="+mn-cs"/>
+              </a:defRPr>
+            </a:lvl8pPr>
+            <a:lvl9pPr marL="3886200" indent="-228600" algn="l" defTabSz="914400" rtl="0" eaLnBrk="1" latinLnBrk="0" hangingPunct="1">
+              <a:lnSpc>
+                <a:spcPct val="90000"/>
+              </a:lnSpc>
+              <a:spcBef>
+                <a:spcPts val="500"/>
+              </a:spcBef>
+              <a:buFont typeface="Arial" panose="020B0604020202020204" pitchFamily="34" charset="0"/>
+              <a:buChar char="•"/>
+              <a:defRPr sz="1800" kern="1200">
+                <a:solidFill>
+                  <a:schemeClr val="tx1"/>
+                </a:solidFill>
+                <a:latin typeface="+mn-lt"/>
+                <a:ea typeface="+mn-ea"/>
+                <a:cs typeface="+mn-cs"/>
+              </a:defRPr>
+            </a:lvl9pPr>
+          </a:lstStyle>
+          <a:p>
+            <a:r>
+              <a:rPr lang="en-US" dirty="0"/>
+              <a:t>Time consumed : AUTOUR DE 2 *10^-7 seconds</a:t>
+            </a:r>
+            <a:endParaRPr lang="fr-FR" dirty="0"/>
+          </a:p>
+        </p:txBody>
+      </p:sp>
+    </p:spTree>
+    <p:extLst>
+      <p:ext uri="{BB962C8B-B14F-4D97-AF65-F5344CB8AC3E}">
+        <p14:creationId xmlns:p14="http://schemas.microsoft.com/office/powerpoint/2010/main" val="2068384643"/>
+      </p:ext>
+    </p:extLst>
+  </p:cSld>
+  <p:clrMapOvr>
+    <a:masterClrMapping/>
+  </p:clrMapOvr>
+</p:sld>
+</file>
+
+<file path=ppt/slides/slide9.xml><?xml version="1.0" encoding="utf-8"?>
+<p:sld xmlns:a="http://schemas.openxmlformats.org/drawingml/2006/main" xmlns:r="http://schemas.openxmlformats.org/officeDocument/2006/relationships" xmlns:p="http://schemas.openxmlformats.org/presentationml/2006/main">
+  <p:cSld>
+    <p:spTree>
+      <p:nvGrpSpPr>
+        <p:cNvPr id="1" name=""/>
+        <p:cNvGrpSpPr/>
+        <p:nvPr/>
+      </p:nvGrpSpPr>
+      <p:grpSpPr>
+        <a:xfrm>
+          <a:off x="0" y="0"/>
+          <a:ext cx="0" cy="0"/>
+          <a:chOff x="0" y="0"/>
+          <a:chExt cx="0" cy="0"/>
+        </a:xfrm>
+      </p:grpSpPr>
+      <p:sp>
+        <p:nvSpPr>
+          <p:cNvPr id="4" name="Titre 1">
+            <a:extLst>
+              <a:ext uri="{FF2B5EF4-FFF2-40B4-BE49-F238E27FC236}">
+                <a16:creationId xmlns:a16="http://schemas.microsoft.com/office/drawing/2014/main" id="{910DF1ED-064D-842C-B829-EF07FB4B26AD}"/>
+              </a:ext>
+            </a:extLst>
+          </p:cNvPr>
+          <p:cNvSpPr txBox="1">
+            <a:spLocks/>
+          </p:cNvSpPr>
+          <p:nvPr/>
+        </p:nvSpPr>
+        <p:spPr>
+          <a:xfrm>
+            <a:off x="447582" y="193676"/>
+            <a:ext cx="10515600" cy="868871"/>
+          </a:xfrm>
+          <a:prstGeom prst="rect">
+            <a:avLst/>
+          </a:prstGeom>
+        </p:spPr>
+        <p:txBody>
+          <a:bodyPr vert="horz" lIns="91440" tIns="45720" rIns="91440" bIns="45720" rtlCol="0" anchor="ctr">
+            <a:normAutofit/>
+          </a:bodyPr>
+          <a:lstStyle>
+            <a:lvl1pPr algn="l" defTabSz="914400" rtl="0" eaLnBrk="1" latinLnBrk="0" hangingPunct="1">
+              <a:lnSpc>
+                <a:spcPct val="90000"/>
+              </a:lnSpc>
+              <a:spcBef>
+                <a:spcPct val="0"/>
+              </a:spcBef>
+              <a:buNone/>
+              <a:defRPr sz="4400" kern="1200">
+                <a:solidFill>
+                  <a:schemeClr val="tx1"/>
+                </a:solidFill>
+                <a:latin typeface="+mj-lt"/>
+                <a:ea typeface="+mj-ea"/>
+                <a:cs typeface="+mj-cs"/>
+              </a:defRPr>
+            </a:lvl1pPr>
+          </a:lstStyle>
+          <a:p>
+            <a:r>
+              <a:rPr lang="fr-FR" dirty="0"/>
+              <a:t>Test sur : </a:t>
+            </a:r>
+            <a:r>
+              <a:rPr lang="fr-FR" sz="1800" dirty="0">
+                <a:solidFill>
+                  <a:srgbClr val="000000"/>
+                </a:solidFill>
+                <a:latin typeface="Consolas" panose="020B0609020204030204" pitchFamily="49" charset="0"/>
+              </a:rPr>
+              <a:t>erreur = consigne - </a:t>
+            </a:r>
+            <a:r>
+              <a:rPr lang="fr-FR" sz="1800" u="sng" dirty="0" err="1">
+                <a:solidFill>
+                  <a:srgbClr val="000000"/>
+                </a:solidFill>
+                <a:latin typeface="Consolas" panose="020B0609020204030204" pitchFamily="49" charset="0"/>
+              </a:rPr>
+              <a:t>position_angulaire</a:t>
+            </a:r>
+            <a:r>
+              <a:rPr lang="fr-FR" sz="1800" u="sng" dirty="0">
+                <a:solidFill>
+                  <a:srgbClr val="000000"/>
+                </a:solidFill>
+                <a:latin typeface="Consolas" panose="020B0609020204030204" pitchFamily="49" charset="0"/>
+              </a:rPr>
+              <a:t>;</a:t>
+            </a:r>
+            <a:endParaRPr lang="fr-FR" dirty="0"/>
+          </a:p>
+        </p:txBody>
+      </p:sp>
+      <p:sp>
+        <p:nvSpPr>
+          <p:cNvPr id="5" name="Espace réservé du contenu 2">
+            <a:extLst>
+              <a:ext uri="{FF2B5EF4-FFF2-40B4-BE49-F238E27FC236}">
+                <a16:creationId xmlns:a16="http://schemas.microsoft.com/office/drawing/2014/main" id="{8A13B6A9-7779-2B79-317C-36CE685697A4}"/>
+              </a:ext>
+            </a:extLst>
+          </p:cNvPr>
+          <p:cNvSpPr txBox="1">
+            <a:spLocks/>
+          </p:cNvSpPr>
+          <p:nvPr/>
+        </p:nvSpPr>
+        <p:spPr>
+          <a:xfrm>
+            <a:off x="447582" y="1062547"/>
+            <a:ext cx="10515600" cy="509202"/>
+          </a:xfrm>
+          <a:prstGeom prst="rect">
+            <a:avLst/>
+          </a:prstGeom>
+        </p:spPr>
+        <p:txBody>
+          <a:bodyPr vert="horz" lIns="91440" tIns="45720" rIns="91440" bIns="45720" rtlCol="0">
+            <a:normAutofit/>
+          </a:bodyPr>
+          <a:lstStyle>
+            <a:lvl1pPr marL="228600" indent="-228600" algn="l" defTabSz="914400" rtl="0" eaLnBrk="1" latinLnBrk="0" hangingPunct="1">
+              <a:lnSpc>
+                <a:spcPct val="90000"/>
+              </a:lnSpc>
+              <a:spcBef>
+                <a:spcPts val="1000"/>
+              </a:spcBef>
+              <a:buFont typeface="Arial" panose="020B0604020202020204" pitchFamily="34" charset="0"/>
+              <a:buChar char="•"/>
+              <a:defRPr sz="2800" kern="1200">
+                <a:solidFill>
+                  <a:schemeClr val="tx1"/>
+                </a:solidFill>
+                <a:latin typeface="+mn-lt"/>
+                <a:ea typeface="+mn-ea"/>
+                <a:cs typeface="+mn-cs"/>
+              </a:defRPr>
+            </a:lvl1pPr>
+            <a:lvl2pPr marL="685800" indent="-228600" algn="l" defTabSz="914400" rtl="0" eaLnBrk="1" latinLnBrk="0" hangingPunct="1">
+              <a:lnSpc>
+                <a:spcPct val="90000"/>
+              </a:lnSpc>
+              <a:spcBef>
+                <a:spcPts val="500"/>
+              </a:spcBef>
+              <a:buFont typeface="Arial" panose="020B0604020202020204" pitchFamily="34" charset="0"/>
+              <a:buChar char="•"/>
+              <a:defRPr sz="2400" kern="1200">
+                <a:solidFill>
+                  <a:schemeClr val="tx1"/>
+                </a:solidFill>
+                <a:latin typeface="+mn-lt"/>
+                <a:ea typeface="+mn-ea"/>
+                <a:cs typeface="+mn-cs"/>
+              </a:defRPr>
+            </a:lvl2pPr>
+            <a:lvl3pPr marL="1143000" indent="-228600" algn="l" defTabSz="914400" rtl="0" eaLnBrk="1" latinLnBrk="0" hangingPunct="1">
+              <a:lnSpc>
+                <a:spcPct val="90000"/>
+              </a:lnSpc>
+              <a:spcBef>
+                <a:spcPts val="500"/>
+              </a:spcBef>
+              <a:buFont typeface="Arial" panose="020B0604020202020204" pitchFamily="34" charset="0"/>
+              <a:buChar char="•"/>
+              <a:defRPr sz="2000" kern="1200">
+                <a:solidFill>
+                  <a:schemeClr val="tx1"/>
+                </a:solidFill>
+                <a:latin typeface="+mn-lt"/>
+                <a:ea typeface="+mn-ea"/>
+                <a:cs typeface="+mn-cs"/>
+              </a:defRPr>
+            </a:lvl3pPr>
+            <a:lvl4pPr marL="1600200" indent="-228600" algn="l" defTabSz="914400" rtl="0" eaLnBrk="1" latinLnBrk="0" hangingPunct="1">
+              <a:lnSpc>
+                <a:spcPct val="90000"/>
+              </a:lnSpc>
+              <a:spcBef>
+                <a:spcPts val="500"/>
+              </a:spcBef>
+              <a:buFont typeface="Arial" panose="020B0604020202020204" pitchFamily="34" charset="0"/>
+              <a:buChar char="•"/>
+              <a:defRPr sz="1800" kern="1200">
+                <a:solidFill>
+                  <a:schemeClr val="tx1"/>
+                </a:solidFill>
+                <a:latin typeface="+mn-lt"/>
+                <a:ea typeface="+mn-ea"/>
+                <a:cs typeface="+mn-cs"/>
+              </a:defRPr>
+            </a:lvl4pPr>
+            <a:lvl5pPr marL="2057400" indent="-228600" algn="l" defTabSz="914400" rtl="0" eaLnBrk="1" latinLnBrk="0" hangingPunct="1">
+              <a:lnSpc>
+                <a:spcPct val="90000"/>
+              </a:lnSpc>
+              <a:spcBef>
+                <a:spcPts val="500"/>
+              </a:spcBef>
+              <a:buFont typeface="Arial" panose="020B0604020202020204" pitchFamily="34" charset="0"/>
+              <a:buChar char="•"/>
+              <a:defRPr sz="1800" kern="1200">
+                <a:solidFill>
+                  <a:schemeClr val="tx1"/>
+                </a:solidFill>
+                <a:latin typeface="+mn-lt"/>
+                <a:ea typeface="+mn-ea"/>
+                <a:cs typeface="+mn-cs"/>
+              </a:defRPr>
+            </a:lvl5pPr>
+            <a:lvl6pPr marL="2514600" indent="-228600" algn="l" defTabSz="914400" rtl="0" eaLnBrk="1" latinLnBrk="0" hangingPunct="1">
+              <a:lnSpc>
+                <a:spcPct val="90000"/>
+              </a:lnSpc>
+              <a:spcBef>
+                <a:spcPts val="500"/>
+              </a:spcBef>
+              <a:buFont typeface="Arial" panose="020B0604020202020204" pitchFamily="34" charset="0"/>
+              <a:buChar char="•"/>
+              <a:defRPr sz="1800" kern="1200">
+                <a:solidFill>
+                  <a:schemeClr val="tx1"/>
+                </a:solidFill>
+                <a:latin typeface="+mn-lt"/>
+                <a:ea typeface="+mn-ea"/>
+                <a:cs typeface="+mn-cs"/>
+              </a:defRPr>
+            </a:lvl6pPr>
+            <a:lvl7pPr marL="2971800" indent="-228600" algn="l" defTabSz="914400" rtl="0" eaLnBrk="1" latinLnBrk="0" hangingPunct="1">
+              <a:lnSpc>
+                <a:spcPct val="90000"/>
+              </a:lnSpc>
+              <a:spcBef>
+                <a:spcPts val="500"/>
+              </a:spcBef>
+              <a:buFont typeface="Arial" panose="020B0604020202020204" pitchFamily="34" charset="0"/>
+              <a:buChar char="•"/>
+              <a:defRPr sz="1800" kern="1200">
+                <a:solidFill>
+                  <a:schemeClr val="tx1"/>
+                </a:solidFill>
+                <a:latin typeface="+mn-lt"/>
+                <a:ea typeface="+mn-ea"/>
+                <a:cs typeface="+mn-cs"/>
+              </a:defRPr>
+            </a:lvl7pPr>
+            <a:lvl8pPr marL="3429000" indent="-228600" algn="l" defTabSz="914400" rtl="0" eaLnBrk="1" latinLnBrk="0" hangingPunct="1">
+              <a:lnSpc>
+                <a:spcPct val="90000"/>
+              </a:lnSpc>
+              <a:spcBef>
+                <a:spcPts val="500"/>
+              </a:spcBef>
+              <a:buFont typeface="Arial" panose="020B0604020202020204" pitchFamily="34" charset="0"/>
+              <a:buChar char="•"/>
+              <a:defRPr sz="1800" kern="1200">
+                <a:solidFill>
+                  <a:schemeClr val="tx1"/>
+                </a:solidFill>
+                <a:latin typeface="+mn-lt"/>
+                <a:ea typeface="+mn-ea"/>
+                <a:cs typeface="+mn-cs"/>
+              </a:defRPr>
+            </a:lvl8pPr>
+            <a:lvl9pPr marL="3886200" indent="-228600" algn="l" defTabSz="914400" rtl="0" eaLnBrk="1" latinLnBrk="0" hangingPunct="1">
+              <a:lnSpc>
+                <a:spcPct val="90000"/>
+              </a:lnSpc>
+              <a:spcBef>
+                <a:spcPts val="500"/>
+              </a:spcBef>
+              <a:buFont typeface="Arial" panose="020B0604020202020204" pitchFamily="34" charset="0"/>
+              <a:buChar char="•"/>
+              <a:defRPr sz="1800" kern="1200">
+                <a:solidFill>
+                  <a:schemeClr val="tx1"/>
+                </a:solidFill>
+                <a:latin typeface="+mn-lt"/>
+                <a:ea typeface="+mn-ea"/>
+                <a:cs typeface="+mn-cs"/>
+              </a:defRPr>
+            </a:lvl9pPr>
+          </a:lstStyle>
+          <a:p>
+            <a:r>
+              <a:rPr lang="en-US" dirty="0"/>
+              <a:t>Time consumed : AUTOUR DE 21 *10^-7 seconds</a:t>
+            </a:r>
+            <a:endParaRPr lang="fr-FR" dirty="0"/>
+          </a:p>
+        </p:txBody>
+      </p:sp>
+      <p:sp>
+        <p:nvSpPr>
+          <p:cNvPr id="6" name="Titre 1">
+            <a:extLst>
+              <a:ext uri="{FF2B5EF4-FFF2-40B4-BE49-F238E27FC236}">
+                <a16:creationId xmlns:a16="http://schemas.microsoft.com/office/drawing/2014/main" id="{258840E9-9B4B-CFAD-D3F3-CD3BBCFE40AD}"/>
+              </a:ext>
+            </a:extLst>
+          </p:cNvPr>
+          <p:cNvSpPr txBox="1">
+            <a:spLocks/>
+          </p:cNvSpPr>
+          <p:nvPr/>
+        </p:nvSpPr>
+        <p:spPr>
+          <a:xfrm>
+            <a:off x="447582" y="1571749"/>
+            <a:ext cx="10515600" cy="868871"/>
+          </a:xfrm>
+          <a:prstGeom prst="rect">
+            <a:avLst/>
+          </a:prstGeom>
+        </p:spPr>
+        <p:txBody>
+          <a:bodyPr vert="horz" lIns="91440" tIns="45720" rIns="91440" bIns="45720" rtlCol="0" anchor="ctr">
+            <a:normAutofit/>
+          </a:bodyPr>
+          <a:lstStyle>
+            <a:lvl1pPr algn="l" defTabSz="914400" rtl="0" eaLnBrk="1" latinLnBrk="0" hangingPunct="1">
+              <a:lnSpc>
+                <a:spcPct val="90000"/>
+              </a:lnSpc>
+              <a:spcBef>
+                <a:spcPct val="0"/>
+              </a:spcBef>
+              <a:buNone/>
+              <a:defRPr sz="4400" kern="1200">
+                <a:solidFill>
+                  <a:schemeClr val="tx1"/>
+                </a:solidFill>
+                <a:latin typeface="+mj-lt"/>
+                <a:ea typeface="+mj-ea"/>
+                <a:cs typeface="+mj-cs"/>
+              </a:defRPr>
+            </a:lvl1pPr>
+          </a:lstStyle>
+          <a:p>
+            <a:r>
+              <a:rPr lang="fr-FR" dirty="0"/>
+              <a:t>Test sur : </a:t>
+            </a:r>
+            <a:r>
+              <a:rPr lang="fr-FR" sz="1800" dirty="0" err="1">
+                <a:solidFill>
+                  <a:srgbClr val="000000"/>
+                </a:solidFill>
+                <a:latin typeface="Consolas" panose="020B0609020204030204" pitchFamily="49" charset="0"/>
+              </a:rPr>
+              <a:t>integre_erreur</a:t>
+            </a:r>
+            <a:r>
+              <a:rPr lang="fr-FR" sz="1800" dirty="0">
+                <a:solidFill>
+                  <a:srgbClr val="000000"/>
+                </a:solidFill>
+                <a:latin typeface="Consolas" panose="020B0609020204030204" pitchFamily="49" charset="0"/>
+              </a:rPr>
+              <a:t> += erreur;</a:t>
+            </a:r>
+            <a:endParaRPr lang="fr-FR" dirty="0"/>
+          </a:p>
+        </p:txBody>
+      </p:sp>
+      <p:sp>
+        <p:nvSpPr>
+          <p:cNvPr id="7" name="Espace réservé du contenu 2">
+            <a:extLst>
+              <a:ext uri="{FF2B5EF4-FFF2-40B4-BE49-F238E27FC236}">
+                <a16:creationId xmlns:a16="http://schemas.microsoft.com/office/drawing/2014/main" id="{F446B8A7-DABE-FFDF-A3F4-4A7F1B8CE035}"/>
+              </a:ext>
+            </a:extLst>
+          </p:cNvPr>
+          <p:cNvSpPr txBox="1">
+            <a:spLocks/>
+          </p:cNvSpPr>
+          <p:nvPr/>
+        </p:nvSpPr>
+        <p:spPr>
+          <a:xfrm>
+            <a:off x="447582" y="2440620"/>
+            <a:ext cx="10515600" cy="509202"/>
+          </a:xfrm>
+          <a:prstGeom prst="rect">
+            <a:avLst/>
+          </a:prstGeom>
+        </p:spPr>
+        <p:txBody>
+          <a:bodyPr vert="horz" lIns="91440" tIns="45720" rIns="91440" bIns="45720" rtlCol="0">
+            <a:normAutofit/>
+          </a:bodyPr>
+          <a:lstStyle>
+            <a:lvl1pPr marL="228600" indent="-228600" algn="l" defTabSz="914400" rtl="0" eaLnBrk="1" latinLnBrk="0" hangingPunct="1">
+              <a:lnSpc>
+                <a:spcPct val="90000"/>
+              </a:lnSpc>
+              <a:spcBef>
+                <a:spcPts val="1000"/>
+              </a:spcBef>
+              <a:buFont typeface="Arial" panose="020B0604020202020204" pitchFamily="34" charset="0"/>
+              <a:buChar char="•"/>
+              <a:defRPr sz="2800" kern="1200">
+                <a:solidFill>
+                  <a:schemeClr val="tx1"/>
+                </a:solidFill>
+                <a:latin typeface="+mn-lt"/>
+                <a:ea typeface="+mn-ea"/>
+                <a:cs typeface="+mn-cs"/>
+              </a:defRPr>
+            </a:lvl1pPr>
+            <a:lvl2pPr marL="685800" indent="-228600" algn="l" defTabSz="914400" rtl="0" eaLnBrk="1" latinLnBrk="0" hangingPunct="1">
+              <a:lnSpc>
+                <a:spcPct val="90000"/>
+              </a:lnSpc>
+              <a:spcBef>
+                <a:spcPts val="500"/>
+              </a:spcBef>
+              <a:buFont typeface="Arial" panose="020B0604020202020204" pitchFamily="34" charset="0"/>
+              <a:buChar char="•"/>
+              <a:defRPr sz="2400" kern="1200">
+                <a:solidFill>
+                  <a:schemeClr val="tx1"/>
+                </a:solidFill>
+                <a:latin typeface="+mn-lt"/>
+                <a:ea typeface="+mn-ea"/>
+                <a:cs typeface="+mn-cs"/>
+              </a:defRPr>
+            </a:lvl2pPr>
+            <a:lvl3pPr marL="1143000" indent="-228600" algn="l" defTabSz="914400" rtl="0" eaLnBrk="1" latinLnBrk="0" hangingPunct="1">
+              <a:lnSpc>
+                <a:spcPct val="90000"/>
+              </a:lnSpc>
+              <a:spcBef>
+                <a:spcPts val="500"/>
+              </a:spcBef>
+              <a:buFont typeface="Arial" panose="020B0604020202020204" pitchFamily="34" charset="0"/>
+              <a:buChar char="•"/>
+              <a:defRPr sz="2000" kern="1200">
+                <a:solidFill>
+                  <a:schemeClr val="tx1"/>
+                </a:solidFill>
+                <a:latin typeface="+mn-lt"/>
+                <a:ea typeface="+mn-ea"/>
+                <a:cs typeface="+mn-cs"/>
+              </a:defRPr>
+            </a:lvl3pPr>
+            <a:lvl4pPr marL="1600200" indent="-228600" algn="l" defTabSz="914400" rtl="0" eaLnBrk="1" latinLnBrk="0" hangingPunct="1">
+              <a:lnSpc>
+                <a:spcPct val="90000"/>
+              </a:lnSpc>
+              <a:spcBef>
+                <a:spcPts val="500"/>
+              </a:spcBef>
+              <a:buFont typeface="Arial" panose="020B0604020202020204" pitchFamily="34" charset="0"/>
+              <a:buChar char="•"/>
+              <a:defRPr sz="1800" kern="1200">
+                <a:solidFill>
+                  <a:schemeClr val="tx1"/>
+                </a:solidFill>
+                <a:latin typeface="+mn-lt"/>
+                <a:ea typeface="+mn-ea"/>
+                <a:cs typeface="+mn-cs"/>
+              </a:defRPr>
+            </a:lvl4pPr>
+            <a:lvl5pPr marL="2057400" indent="-228600" algn="l" defTabSz="914400" rtl="0" eaLnBrk="1" latinLnBrk="0" hangingPunct="1">
+              <a:lnSpc>
+                <a:spcPct val="90000"/>
+              </a:lnSpc>
+              <a:spcBef>
+                <a:spcPts val="500"/>
+              </a:spcBef>
+              <a:buFont typeface="Arial" panose="020B0604020202020204" pitchFamily="34" charset="0"/>
+              <a:buChar char="•"/>
+              <a:defRPr sz="1800" kern="1200">
+                <a:solidFill>
+                  <a:schemeClr val="tx1"/>
+                </a:solidFill>
+                <a:latin typeface="+mn-lt"/>
+                <a:ea typeface="+mn-ea"/>
+                <a:cs typeface="+mn-cs"/>
+              </a:defRPr>
+            </a:lvl5pPr>
+            <a:lvl6pPr marL="2514600" indent="-228600" algn="l" defTabSz="914400" rtl="0" eaLnBrk="1" latinLnBrk="0" hangingPunct="1">
+              <a:lnSpc>
+                <a:spcPct val="90000"/>
+              </a:lnSpc>
+              <a:spcBef>
+                <a:spcPts val="500"/>
+              </a:spcBef>
+              <a:buFont typeface="Arial" panose="020B0604020202020204" pitchFamily="34" charset="0"/>
+              <a:buChar char="•"/>
+              <a:defRPr sz="1800" kern="1200">
+                <a:solidFill>
+                  <a:schemeClr val="tx1"/>
+                </a:solidFill>
+                <a:latin typeface="+mn-lt"/>
+                <a:ea typeface="+mn-ea"/>
+                <a:cs typeface="+mn-cs"/>
+              </a:defRPr>
+            </a:lvl6pPr>
+            <a:lvl7pPr marL="2971800" indent="-228600" algn="l" defTabSz="914400" rtl="0" eaLnBrk="1" latinLnBrk="0" hangingPunct="1">
+              <a:lnSpc>
+                <a:spcPct val="90000"/>
+              </a:lnSpc>
+              <a:spcBef>
+                <a:spcPts val="500"/>
+              </a:spcBef>
+              <a:buFont typeface="Arial" panose="020B0604020202020204" pitchFamily="34" charset="0"/>
+              <a:buChar char="•"/>
+              <a:defRPr sz="1800" kern="1200">
+                <a:solidFill>
+                  <a:schemeClr val="tx1"/>
+                </a:solidFill>
+                <a:latin typeface="+mn-lt"/>
+                <a:ea typeface="+mn-ea"/>
+                <a:cs typeface="+mn-cs"/>
+              </a:defRPr>
+            </a:lvl7pPr>
+            <a:lvl8pPr marL="3429000" indent="-228600" algn="l" defTabSz="914400" rtl="0" eaLnBrk="1" latinLnBrk="0" hangingPunct="1">
+              <a:lnSpc>
+                <a:spcPct val="90000"/>
+              </a:lnSpc>
+              <a:spcBef>
+                <a:spcPts val="500"/>
+              </a:spcBef>
+              <a:buFont typeface="Arial" panose="020B0604020202020204" pitchFamily="34" charset="0"/>
+              <a:buChar char="•"/>
+              <a:defRPr sz="1800" kern="1200">
+                <a:solidFill>
+                  <a:schemeClr val="tx1"/>
+                </a:solidFill>
+                <a:latin typeface="+mn-lt"/>
+                <a:ea typeface="+mn-ea"/>
+                <a:cs typeface="+mn-cs"/>
+              </a:defRPr>
+            </a:lvl8pPr>
+            <a:lvl9pPr marL="3886200" indent="-228600" algn="l" defTabSz="914400" rtl="0" eaLnBrk="1" latinLnBrk="0" hangingPunct="1">
+              <a:lnSpc>
+                <a:spcPct val="90000"/>
+              </a:lnSpc>
+              <a:spcBef>
+                <a:spcPts val="500"/>
+              </a:spcBef>
+              <a:buFont typeface="Arial" panose="020B0604020202020204" pitchFamily="34" charset="0"/>
+              <a:buChar char="•"/>
+              <a:defRPr sz="1800" kern="1200">
+                <a:solidFill>
+                  <a:schemeClr val="tx1"/>
+                </a:solidFill>
+                <a:latin typeface="+mn-lt"/>
+                <a:ea typeface="+mn-ea"/>
+                <a:cs typeface="+mn-cs"/>
+              </a:defRPr>
+            </a:lvl9pPr>
+          </a:lstStyle>
+          <a:p>
+            <a:r>
+              <a:rPr lang="en-US" dirty="0"/>
+              <a:t>Time consumed : AUTOUR DE 13 *10^-7 seconds</a:t>
+            </a:r>
+            <a:endParaRPr lang="fr-FR" dirty="0"/>
+          </a:p>
+        </p:txBody>
+      </p:sp>
+      <p:sp>
+        <p:nvSpPr>
+          <p:cNvPr id="8" name="Titre 1">
+            <a:extLst>
+              <a:ext uri="{FF2B5EF4-FFF2-40B4-BE49-F238E27FC236}">
+                <a16:creationId xmlns:a16="http://schemas.microsoft.com/office/drawing/2014/main" id="{CF9CA9FF-5C08-C033-A7AA-C0AAD083C96D}"/>
+              </a:ext>
+            </a:extLst>
+          </p:cNvPr>
+          <p:cNvSpPr txBox="1">
+            <a:spLocks/>
+          </p:cNvSpPr>
+          <p:nvPr/>
+        </p:nvSpPr>
+        <p:spPr>
+          <a:xfrm>
+            <a:off x="447582" y="2949822"/>
+            <a:ext cx="10515600" cy="868871"/>
+          </a:xfrm>
+          <a:prstGeom prst="rect">
+            <a:avLst/>
+          </a:prstGeom>
+        </p:spPr>
+        <p:txBody>
+          <a:bodyPr vert="horz" lIns="91440" tIns="45720" rIns="91440" bIns="45720" rtlCol="0" anchor="ctr">
+            <a:normAutofit/>
+          </a:bodyPr>
+          <a:lstStyle>
+            <a:lvl1pPr algn="l" defTabSz="914400" rtl="0" eaLnBrk="1" latinLnBrk="0" hangingPunct="1">
+              <a:lnSpc>
+                <a:spcPct val="90000"/>
+              </a:lnSpc>
+              <a:spcBef>
+                <a:spcPct val="0"/>
+              </a:spcBef>
+              <a:buNone/>
+              <a:defRPr sz="4400" kern="1200">
+                <a:solidFill>
+                  <a:schemeClr val="tx1"/>
+                </a:solidFill>
+                <a:latin typeface="+mj-lt"/>
+                <a:ea typeface="+mj-ea"/>
+                <a:cs typeface="+mj-cs"/>
+              </a:defRPr>
+            </a:lvl1pPr>
+          </a:lstStyle>
+          <a:p>
+            <a:r>
+              <a:rPr lang="fr-FR" dirty="0"/>
+              <a:t>Test sur : </a:t>
+            </a:r>
+            <a:r>
+              <a:rPr lang="fr-FR" sz="1800" dirty="0" err="1">
+                <a:solidFill>
+                  <a:srgbClr val="000000"/>
+                </a:solidFill>
+                <a:latin typeface="Consolas" panose="020B0609020204030204" pitchFamily="49" charset="0"/>
+              </a:rPr>
+              <a:t>derive_erreur</a:t>
+            </a:r>
+            <a:r>
+              <a:rPr lang="fr-FR" sz="1800" dirty="0">
+                <a:solidFill>
+                  <a:srgbClr val="000000"/>
+                </a:solidFill>
+                <a:latin typeface="Consolas" panose="020B0609020204030204" pitchFamily="49" charset="0"/>
+              </a:rPr>
+              <a:t> = erreur - </a:t>
+            </a:r>
+            <a:r>
+              <a:rPr lang="fr-FR" sz="1800" u="sng" dirty="0">
+                <a:solidFill>
+                  <a:srgbClr val="000000"/>
+                </a:solidFill>
+                <a:latin typeface="Consolas" panose="020B0609020204030204" pitchFamily="49" charset="0"/>
+              </a:rPr>
+              <a:t>_erreur;</a:t>
+            </a:r>
+            <a:endParaRPr lang="fr-FR" dirty="0"/>
+          </a:p>
+        </p:txBody>
+      </p:sp>
+      <p:sp>
+        <p:nvSpPr>
+          <p:cNvPr id="9" name="Espace réservé du contenu 2">
+            <a:extLst>
+              <a:ext uri="{FF2B5EF4-FFF2-40B4-BE49-F238E27FC236}">
+                <a16:creationId xmlns:a16="http://schemas.microsoft.com/office/drawing/2014/main" id="{8F414EC7-8AEB-75AF-A83B-1FD157063610}"/>
+              </a:ext>
+            </a:extLst>
+          </p:cNvPr>
+          <p:cNvSpPr txBox="1">
+            <a:spLocks/>
+          </p:cNvSpPr>
+          <p:nvPr/>
+        </p:nvSpPr>
+        <p:spPr>
+          <a:xfrm>
+            <a:off x="447582" y="3818693"/>
+            <a:ext cx="10515600" cy="509202"/>
+          </a:xfrm>
+          <a:prstGeom prst="rect">
+            <a:avLst/>
+          </a:prstGeom>
+        </p:spPr>
+        <p:txBody>
+          <a:bodyPr vert="horz" lIns="91440" tIns="45720" rIns="91440" bIns="45720" rtlCol="0">
+            <a:normAutofit/>
+          </a:bodyPr>
+          <a:lstStyle>
+            <a:lvl1pPr marL="228600" indent="-228600" algn="l" defTabSz="914400" rtl="0" eaLnBrk="1" latinLnBrk="0" hangingPunct="1">
+              <a:lnSpc>
+                <a:spcPct val="90000"/>
+              </a:lnSpc>
+              <a:spcBef>
+                <a:spcPts val="1000"/>
+              </a:spcBef>
+              <a:buFont typeface="Arial" panose="020B0604020202020204" pitchFamily="34" charset="0"/>
+              <a:buChar char="•"/>
+              <a:defRPr sz="2800" kern="1200">
+                <a:solidFill>
+                  <a:schemeClr val="tx1"/>
+                </a:solidFill>
+                <a:latin typeface="+mn-lt"/>
+                <a:ea typeface="+mn-ea"/>
+                <a:cs typeface="+mn-cs"/>
+              </a:defRPr>
+            </a:lvl1pPr>
+            <a:lvl2pPr marL="685800" indent="-228600" algn="l" defTabSz="914400" rtl="0" eaLnBrk="1" latinLnBrk="0" hangingPunct="1">
+              <a:lnSpc>
+                <a:spcPct val="90000"/>
+              </a:lnSpc>
+              <a:spcBef>
+                <a:spcPts val="500"/>
+              </a:spcBef>
+              <a:buFont typeface="Arial" panose="020B0604020202020204" pitchFamily="34" charset="0"/>
+              <a:buChar char="•"/>
+              <a:defRPr sz="2400" kern="1200">
+                <a:solidFill>
+                  <a:schemeClr val="tx1"/>
+                </a:solidFill>
+                <a:latin typeface="+mn-lt"/>
+                <a:ea typeface="+mn-ea"/>
+                <a:cs typeface="+mn-cs"/>
+              </a:defRPr>
+            </a:lvl2pPr>
+            <a:lvl3pPr marL="1143000" indent="-228600" algn="l" defTabSz="914400" rtl="0" eaLnBrk="1" latinLnBrk="0" hangingPunct="1">
+              <a:lnSpc>
+                <a:spcPct val="90000"/>
+              </a:lnSpc>
+              <a:spcBef>
+                <a:spcPts val="500"/>
+              </a:spcBef>
+              <a:buFont typeface="Arial" panose="020B0604020202020204" pitchFamily="34" charset="0"/>
+              <a:buChar char="•"/>
+              <a:defRPr sz="2000" kern="1200">
+                <a:solidFill>
+                  <a:schemeClr val="tx1"/>
+                </a:solidFill>
+                <a:latin typeface="+mn-lt"/>
+                <a:ea typeface="+mn-ea"/>
+                <a:cs typeface="+mn-cs"/>
+              </a:defRPr>
+            </a:lvl3pPr>
+            <a:lvl4pPr marL="1600200" indent="-228600" algn="l" defTabSz="914400" rtl="0" eaLnBrk="1" latinLnBrk="0" hangingPunct="1">
+              <a:lnSpc>
+                <a:spcPct val="90000"/>
+              </a:lnSpc>
+              <a:spcBef>
+                <a:spcPts val="500"/>
+              </a:spcBef>
+              <a:buFont typeface="Arial" panose="020B0604020202020204" pitchFamily="34" charset="0"/>
+              <a:buChar char="•"/>
+              <a:defRPr sz="1800" kern="1200">
+                <a:solidFill>
+                  <a:schemeClr val="tx1"/>
+                </a:solidFill>
+                <a:latin typeface="+mn-lt"/>
+                <a:ea typeface="+mn-ea"/>
+                <a:cs typeface="+mn-cs"/>
+              </a:defRPr>
+            </a:lvl4pPr>
+            <a:lvl5pPr marL="2057400" indent="-228600" algn="l" defTabSz="914400" rtl="0" eaLnBrk="1" latinLnBrk="0" hangingPunct="1">
+              <a:lnSpc>
+                <a:spcPct val="90000"/>
+              </a:lnSpc>
+              <a:spcBef>
+                <a:spcPts val="500"/>
+              </a:spcBef>
+              <a:buFont typeface="Arial" panose="020B0604020202020204" pitchFamily="34" charset="0"/>
+              <a:buChar char="•"/>
+              <a:defRPr sz="1800" kern="1200">
+                <a:solidFill>
+                  <a:schemeClr val="tx1"/>
+                </a:solidFill>
+                <a:latin typeface="+mn-lt"/>
+                <a:ea typeface="+mn-ea"/>
+                <a:cs typeface="+mn-cs"/>
+              </a:defRPr>
+            </a:lvl5pPr>
+            <a:lvl6pPr marL="2514600" indent="-228600" algn="l" defTabSz="914400" rtl="0" eaLnBrk="1" latinLnBrk="0" hangingPunct="1">
+              <a:lnSpc>
+                <a:spcPct val="90000"/>
+              </a:lnSpc>
+              <a:spcBef>
+                <a:spcPts val="500"/>
+              </a:spcBef>
+              <a:buFont typeface="Arial" panose="020B0604020202020204" pitchFamily="34" charset="0"/>
+              <a:buChar char="•"/>
+              <a:defRPr sz="1800" kern="1200">
+                <a:solidFill>
+                  <a:schemeClr val="tx1"/>
+                </a:solidFill>
+                <a:latin typeface="+mn-lt"/>
+                <a:ea typeface="+mn-ea"/>
+                <a:cs typeface="+mn-cs"/>
+              </a:defRPr>
+            </a:lvl6pPr>
+            <a:lvl7pPr marL="2971800" indent="-228600" algn="l" defTabSz="914400" rtl="0" eaLnBrk="1" latinLnBrk="0" hangingPunct="1">
+              <a:lnSpc>
+                <a:spcPct val="90000"/>
+              </a:lnSpc>
+              <a:spcBef>
+                <a:spcPts val="500"/>
+              </a:spcBef>
+              <a:buFont typeface="Arial" panose="020B0604020202020204" pitchFamily="34" charset="0"/>
+              <a:buChar char="•"/>
+              <a:defRPr sz="1800" kern="1200">
+                <a:solidFill>
+                  <a:schemeClr val="tx1"/>
+                </a:solidFill>
+                <a:latin typeface="+mn-lt"/>
+                <a:ea typeface="+mn-ea"/>
+                <a:cs typeface="+mn-cs"/>
+              </a:defRPr>
+            </a:lvl7pPr>
+            <a:lvl8pPr marL="3429000" indent="-228600" algn="l" defTabSz="914400" rtl="0" eaLnBrk="1" latinLnBrk="0" hangingPunct="1">
+              <a:lnSpc>
+                <a:spcPct val="90000"/>
+              </a:lnSpc>
+              <a:spcBef>
+                <a:spcPts val="500"/>
+              </a:spcBef>
+              <a:buFont typeface="Arial" panose="020B0604020202020204" pitchFamily="34" charset="0"/>
+              <a:buChar char="•"/>
+              <a:defRPr sz="1800" kern="1200">
+                <a:solidFill>
+                  <a:schemeClr val="tx1"/>
+                </a:solidFill>
+                <a:latin typeface="+mn-lt"/>
+                <a:ea typeface="+mn-ea"/>
+                <a:cs typeface="+mn-cs"/>
+              </a:defRPr>
+            </a:lvl8pPr>
+            <a:lvl9pPr marL="3886200" indent="-228600" algn="l" defTabSz="914400" rtl="0" eaLnBrk="1" latinLnBrk="0" hangingPunct="1">
+              <a:lnSpc>
+                <a:spcPct val="90000"/>
+              </a:lnSpc>
+              <a:spcBef>
+                <a:spcPts val="500"/>
+              </a:spcBef>
+              <a:buFont typeface="Arial" panose="020B0604020202020204" pitchFamily="34" charset="0"/>
+              <a:buChar char="•"/>
+              <a:defRPr sz="1800" kern="1200">
+                <a:solidFill>
+                  <a:schemeClr val="tx1"/>
+                </a:solidFill>
+                <a:latin typeface="+mn-lt"/>
+                <a:ea typeface="+mn-ea"/>
+                <a:cs typeface="+mn-cs"/>
+              </a:defRPr>
+            </a:lvl9pPr>
+          </a:lstStyle>
+          <a:p>
+            <a:r>
+              <a:rPr lang="en-US" dirty="0"/>
+              <a:t>Time consumed : AUTOUR DE 16 *10^-7 seconds</a:t>
+            </a:r>
+            <a:endParaRPr lang="fr-FR" dirty="0"/>
+          </a:p>
+        </p:txBody>
+      </p:sp>
+      <p:sp>
+        <p:nvSpPr>
+          <p:cNvPr id="10" name="Titre 1">
+            <a:extLst>
+              <a:ext uri="{FF2B5EF4-FFF2-40B4-BE49-F238E27FC236}">
+                <a16:creationId xmlns:a16="http://schemas.microsoft.com/office/drawing/2014/main" id="{6352101A-F00A-67D9-5193-4762CBBE9041}"/>
+              </a:ext>
+            </a:extLst>
+          </p:cNvPr>
+          <p:cNvSpPr txBox="1">
+            <a:spLocks/>
+          </p:cNvSpPr>
+          <p:nvPr/>
+        </p:nvSpPr>
+        <p:spPr>
+          <a:xfrm>
+            <a:off x="511205" y="4327895"/>
+            <a:ext cx="10515600" cy="868871"/>
+          </a:xfrm>
+          <a:prstGeom prst="rect">
+            <a:avLst/>
+          </a:prstGeom>
+        </p:spPr>
+        <p:txBody>
+          <a:bodyPr vert="horz" lIns="91440" tIns="45720" rIns="91440" bIns="45720" rtlCol="0" anchor="ctr">
+            <a:normAutofit lnSpcReduction="10000"/>
+          </a:bodyPr>
+          <a:lstStyle>
+            <a:lvl1pPr algn="l" defTabSz="914400" rtl="0" eaLnBrk="1" latinLnBrk="0" hangingPunct="1">
+              <a:lnSpc>
+                <a:spcPct val="90000"/>
+              </a:lnSpc>
+              <a:spcBef>
+                <a:spcPct val="0"/>
+              </a:spcBef>
+              <a:buNone/>
+              <a:defRPr sz="4400" kern="1200">
+                <a:solidFill>
+                  <a:schemeClr val="tx1"/>
+                </a:solidFill>
+                <a:latin typeface="+mj-lt"/>
+                <a:ea typeface="+mj-ea"/>
+                <a:cs typeface="+mj-cs"/>
+              </a:defRPr>
+            </a:lvl1pPr>
+          </a:lstStyle>
+          <a:p>
+            <a:r>
+              <a:rPr lang="fr-FR" dirty="0"/>
+              <a:t>Test sur : </a:t>
+            </a:r>
+            <a:r>
+              <a:rPr lang="fr-FR" sz="1800" dirty="0">
+                <a:solidFill>
+                  <a:srgbClr val="000000"/>
+                </a:solidFill>
+                <a:latin typeface="Consolas" panose="020B0609020204030204" pitchFamily="49" charset="0"/>
+              </a:rPr>
+              <a:t>commande = </a:t>
+            </a:r>
+            <a:r>
+              <a:rPr lang="fr-FR" sz="1800" dirty="0" err="1">
+                <a:solidFill>
+                  <a:srgbClr val="000000"/>
+                </a:solidFill>
+                <a:latin typeface="Consolas" panose="020B0609020204030204" pitchFamily="49" charset="0"/>
+              </a:rPr>
+              <a:t>kp</a:t>
+            </a:r>
+            <a:r>
+              <a:rPr lang="fr-FR" sz="1800" dirty="0">
+                <a:solidFill>
+                  <a:srgbClr val="000000"/>
+                </a:solidFill>
+                <a:latin typeface="Consolas" panose="020B0609020204030204" pitchFamily="49" charset="0"/>
+              </a:rPr>
+              <a:t> * (erreur) + </a:t>
+            </a:r>
+            <a:r>
+              <a:rPr lang="fr-FR" sz="1800" dirty="0" err="1">
+                <a:solidFill>
+                  <a:srgbClr val="000000"/>
+                </a:solidFill>
+                <a:latin typeface="Consolas" panose="020B0609020204030204" pitchFamily="49" charset="0"/>
+              </a:rPr>
+              <a:t>ki</a:t>
+            </a:r>
+            <a:r>
+              <a:rPr lang="fr-FR" sz="1800" dirty="0">
+                <a:solidFill>
+                  <a:srgbClr val="000000"/>
+                </a:solidFill>
+                <a:latin typeface="Consolas" panose="020B0609020204030204" pitchFamily="49" charset="0"/>
+              </a:rPr>
+              <a:t> * (</a:t>
+            </a:r>
+            <a:r>
+              <a:rPr lang="fr-FR" sz="1800" dirty="0" err="1">
+                <a:solidFill>
+                  <a:srgbClr val="000000"/>
+                </a:solidFill>
+                <a:latin typeface="Consolas" panose="020B0609020204030204" pitchFamily="49" charset="0"/>
+              </a:rPr>
+              <a:t>integre_erreur</a:t>
+            </a:r>
+            <a:r>
+              <a:rPr lang="fr-FR" sz="1800" dirty="0">
+                <a:solidFill>
+                  <a:srgbClr val="000000"/>
+                </a:solidFill>
+                <a:latin typeface="Consolas" panose="020B0609020204030204" pitchFamily="49" charset="0"/>
+              </a:rPr>
+              <a:t>) + </a:t>
+            </a:r>
+            <a:r>
+              <a:rPr lang="fr-FR" sz="1800" dirty="0" err="1">
+                <a:solidFill>
+                  <a:srgbClr val="000000"/>
+                </a:solidFill>
+                <a:latin typeface="Consolas" panose="020B0609020204030204" pitchFamily="49" charset="0"/>
+              </a:rPr>
+              <a:t>kd</a:t>
+            </a:r>
+            <a:r>
+              <a:rPr lang="fr-FR" sz="1800" dirty="0">
+                <a:solidFill>
+                  <a:srgbClr val="000000"/>
+                </a:solidFill>
+                <a:latin typeface="Consolas" panose="020B0609020204030204" pitchFamily="49" charset="0"/>
+              </a:rPr>
+              <a:t> * (</a:t>
+            </a:r>
+            <a:r>
+              <a:rPr lang="fr-FR" sz="1800" dirty="0" err="1">
+                <a:solidFill>
+                  <a:srgbClr val="000000"/>
+                </a:solidFill>
+                <a:latin typeface="Consolas" panose="020B0609020204030204" pitchFamily="49" charset="0"/>
+              </a:rPr>
+              <a:t>derive_erreur</a:t>
+            </a:r>
+            <a:r>
+              <a:rPr lang="fr-FR" sz="1800" dirty="0">
+                <a:solidFill>
+                  <a:srgbClr val="000000"/>
+                </a:solidFill>
+                <a:latin typeface="Consolas" panose="020B0609020204030204" pitchFamily="49" charset="0"/>
+              </a:rPr>
+              <a:t>);</a:t>
+            </a:r>
+            <a:endParaRPr lang="fr-FR" dirty="0"/>
+          </a:p>
+        </p:txBody>
+      </p:sp>
+      <p:sp>
+        <p:nvSpPr>
+          <p:cNvPr id="11" name="Espace réservé du contenu 2">
+            <a:extLst>
+              <a:ext uri="{FF2B5EF4-FFF2-40B4-BE49-F238E27FC236}">
+                <a16:creationId xmlns:a16="http://schemas.microsoft.com/office/drawing/2014/main" id="{B4E2E84A-2824-B4F5-C8E0-CCFB15093C91}"/>
+              </a:ext>
+            </a:extLst>
+          </p:cNvPr>
+          <p:cNvSpPr txBox="1">
+            <a:spLocks/>
+          </p:cNvSpPr>
+          <p:nvPr/>
+        </p:nvSpPr>
+        <p:spPr>
+          <a:xfrm>
+            <a:off x="511205" y="5196766"/>
+            <a:ext cx="10515600" cy="509202"/>
+          </a:xfrm>
+          <a:prstGeom prst="rect">
+            <a:avLst/>
+          </a:prstGeom>
+        </p:spPr>
+        <p:txBody>
+          <a:bodyPr vert="horz" lIns="91440" tIns="45720" rIns="91440" bIns="45720" rtlCol="0">
+            <a:normAutofit/>
+          </a:bodyPr>
+          <a:lstStyle>
+            <a:lvl1pPr marL="228600" indent="-228600" algn="l" defTabSz="914400" rtl="0" eaLnBrk="1" latinLnBrk="0" hangingPunct="1">
+              <a:lnSpc>
+                <a:spcPct val="90000"/>
+              </a:lnSpc>
+              <a:spcBef>
+                <a:spcPts val="1000"/>
+              </a:spcBef>
+              <a:buFont typeface="Arial" panose="020B0604020202020204" pitchFamily="34" charset="0"/>
+              <a:buChar char="•"/>
+              <a:defRPr sz="2800" kern="1200">
+                <a:solidFill>
+                  <a:schemeClr val="tx1"/>
+                </a:solidFill>
+                <a:latin typeface="+mn-lt"/>
+                <a:ea typeface="+mn-ea"/>
+                <a:cs typeface="+mn-cs"/>
+              </a:defRPr>
+            </a:lvl1pPr>
+            <a:lvl2pPr marL="685800" indent="-228600" algn="l" defTabSz="914400" rtl="0" eaLnBrk="1" latinLnBrk="0" hangingPunct="1">
+              <a:lnSpc>
+                <a:spcPct val="90000"/>
+              </a:lnSpc>
+              <a:spcBef>
+                <a:spcPts val="500"/>
+              </a:spcBef>
+              <a:buFont typeface="Arial" panose="020B0604020202020204" pitchFamily="34" charset="0"/>
+              <a:buChar char="•"/>
+              <a:defRPr sz="2400" kern="1200">
+                <a:solidFill>
+                  <a:schemeClr val="tx1"/>
+                </a:solidFill>
+                <a:latin typeface="+mn-lt"/>
+                <a:ea typeface="+mn-ea"/>
+                <a:cs typeface="+mn-cs"/>
+              </a:defRPr>
+            </a:lvl2pPr>
+            <a:lvl3pPr marL="1143000" indent="-228600" algn="l" defTabSz="914400" rtl="0" eaLnBrk="1" latinLnBrk="0" hangingPunct="1">
+              <a:lnSpc>
+                <a:spcPct val="90000"/>
+              </a:lnSpc>
+              <a:spcBef>
+                <a:spcPts val="500"/>
+              </a:spcBef>
+              <a:buFont typeface="Arial" panose="020B0604020202020204" pitchFamily="34" charset="0"/>
+              <a:buChar char="•"/>
+              <a:defRPr sz="2000" kern="1200">
+                <a:solidFill>
+                  <a:schemeClr val="tx1"/>
+                </a:solidFill>
+                <a:latin typeface="+mn-lt"/>
+                <a:ea typeface="+mn-ea"/>
+                <a:cs typeface="+mn-cs"/>
+              </a:defRPr>
+            </a:lvl3pPr>
+            <a:lvl4pPr marL="1600200" indent="-228600" algn="l" defTabSz="914400" rtl="0" eaLnBrk="1" latinLnBrk="0" hangingPunct="1">
+              <a:lnSpc>
+                <a:spcPct val="90000"/>
+              </a:lnSpc>
+              <a:spcBef>
+                <a:spcPts val="500"/>
+              </a:spcBef>
+              <a:buFont typeface="Arial" panose="020B0604020202020204" pitchFamily="34" charset="0"/>
+              <a:buChar char="•"/>
+              <a:defRPr sz="1800" kern="1200">
+                <a:solidFill>
+                  <a:schemeClr val="tx1"/>
+                </a:solidFill>
+                <a:latin typeface="+mn-lt"/>
+                <a:ea typeface="+mn-ea"/>
+                <a:cs typeface="+mn-cs"/>
+              </a:defRPr>
+            </a:lvl4pPr>
+            <a:lvl5pPr marL="2057400" indent="-228600" algn="l" defTabSz="914400" rtl="0" eaLnBrk="1" latinLnBrk="0" hangingPunct="1">
+              <a:lnSpc>
+                <a:spcPct val="90000"/>
+              </a:lnSpc>
+              <a:spcBef>
+                <a:spcPts val="500"/>
+              </a:spcBef>
+              <a:buFont typeface="Arial" panose="020B0604020202020204" pitchFamily="34" charset="0"/>
+              <a:buChar char="•"/>
+              <a:defRPr sz="1800" kern="1200">
+                <a:solidFill>
+                  <a:schemeClr val="tx1"/>
+                </a:solidFill>
+                <a:latin typeface="+mn-lt"/>
+                <a:ea typeface="+mn-ea"/>
+                <a:cs typeface="+mn-cs"/>
+              </a:defRPr>
+            </a:lvl5pPr>
+            <a:lvl6pPr marL="2514600" indent="-228600" algn="l" defTabSz="914400" rtl="0" eaLnBrk="1" latinLnBrk="0" hangingPunct="1">
+              <a:lnSpc>
+                <a:spcPct val="90000"/>
+              </a:lnSpc>
+              <a:spcBef>
+                <a:spcPts val="500"/>
+              </a:spcBef>
+              <a:buFont typeface="Arial" panose="020B0604020202020204" pitchFamily="34" charset="0"/>
+              <a:buChar char="•"/>
+              <a:defRPr sz="1800" kern="1200">
+                <a:solidFill>
+                  <a:schemeClr val="tx1"/>
+                </a:solidFill>
+                <a:latin typeface="+mn-lt"/>
+                <a:ea typeface="+mn-ea"/>
+                <a:cs typeface="+mn-cs"/>
+              </a:defRPr>
+            </a:lvl6pPr>
+            <a:lvl7pPr marL="2971800" indent="-228600" algn="l" defTabSz="914400" rtl="0" eaLnBrk="1" latinLnBrk="0" hangingPunct="1">
+              <a:lnSpc>
+                <a:spcPct val="90000"/>
+              </a:lnSpc>
+              <a:spcBef>
+                <a:spcPts val="500"/>
+              </a:spcBef>
+              <a:buFont typeface="Arial" panose="020B0604020202020204" pitchFamily="34" charset="0"/>
+              <a:buChar char="•"/>
+              <a:defRPr sz="1800" kern="1200">
+                <a:solidFill>
+                  <a:schemeClr val="tx1"/>
+                </a:solidFill>
+                <a:latin typeface="+mn-lt"/>
+                <a:ea typeface="+mn-ea"/>
+                <a:cs typeface="+mn-cs"/>
+              </a:defRPr>
+            </a:lvl7pPr>
+            <a:lvl8pPr marL="3429000" indent="-228600" algn="l" defTabSz="914400" rtl="0" eaLnBrk="1" latinLnBrk="0" hangingPunct="1">
+              <a:lnSpc>
+                <a:spcPct val="90000"/>
+              </a:lnSpc>
+              <a:spcBef>
+                <a:spcPts val="500"/>
+              </a:spcBef>
+              <a:buFont typeface="Arial" panose="020B0604020202020204" pitchFamily="34" charset="0"/>
+              <a:buChar char="•"/>
+              <a:defRPr sz="1800" kern="1200">
+                <a:solidFill>
+                  <a:schemeClr val="tx1"/>
+                </a:solidFill>
+                <a:latin typeface="+mn-lt"/>
+                <a:ea typeface="+mn-ea"/>
+                <a:cs typeface="+mn-cs"/>
+              </a:defRPr>
+            </a:lvl8pPr>
+            <a:lvl9pPr marL="3886200" indent="-228600" algn="l" defTabSz="914400" rtl="0" eaLnBrk="1" latinLnBrk="0" hangingPunct="1">
+              <a:lnSpc>
+                <a:spcPct val="90000"/>
+              </a:lnSpc>
+              <a:spcBef>
+                <a:spcPts val="500"/>
+              </a:spcBef>
+              <a:buFont typeface="Arial" panose="020B0604020202020204" pitchFamily="34" charset="0"/>
+              <a:buChar char="•"/>
+              <a:defRPr sz="1800" kern="1200">
+                <a:solidFill>
+                  <a:schemeClr val="tx1"/>
+                </a:solidFill>
+                <a:latin typeface="+mn-lt"/>
+                <a:ea typeface="+mn-ea"/>
+                <a:cs typeface="+mn-cs"/>
+              </a:defRPr>
+            </a:lvl9pPr>
+          </a:lstStyle>
+          <a:p>
+            <a:r>
+              <a:rPr lang="en-US" dirty="0"/>
+              <a:t>Time consumed : AUTOUR DE 71 *10^-7 seconds</a:t>
+            </a:r>
+            <a:endParaRPr lang="fr-FR" dirty="0"/>
+          </a:p>
+        </p:txBody>
+      </p:sp>
+      <p:sp>
+        <p:nvSpPr>
+          <p:cNvPr id="12" name="Titre 1">
+            <a:extLst>
+              <a:ext uri="{FF2B5EF4-FFF2-40B4-BE49-F238E27FC236}">
+                <a16:creationId xmlns:a16="http://schemas.microsoft.com/office/drawing/2014/main" id="{B62B2C2C-5C8E-EB88-8102-1B9D848BCB1B}"/>
+              </a:ext>
+            </a:extLst>
+          </p:cNvPr>
+          <p:cNvSpPr txBox="1">
+            <a:spLocks/>
+          </p:cNvSpPr>
+          <p:nvPr/>
+        </p:nvSpPr>
+        <p:spPr>
+          <a:xfrm>
+            <a:off x="447582" y="5540852"/>
+            <a:ext cx="10515600" cy="868871"/>
+          </a:xfrm>
+          <a:prstGeom prst="rect">
+            <a:avLst/>
+          </a:prstGeom>
+        </p:spPr>
+        <p:txBody>
+          <a:bodyPr vert="horz" lIns="91440" tIns="45720" rIns="91440" bIns="45720" rtlCol="0" anchor="ctr">
+            <a:normAutofit fontScale="85000" lnSpcReduction="20000"/>
+          </a:bodyPr>
+          <a:lstStyle>
+            <a:lvl1pPr algn="l" defTabSz="914400" rtl="0" eaLnBrk="1" latinLnBrk="0" hangingPunct="1">
+              <a:lnSpc>
+                <a:spcPct val="90000"/>
+              </a:lnSpc>
+              <a:spcBef>
+                <a:spcPct val="0"/>
+              </a:spcBef>
+              <a:buNone/>
+              <a:defRPr sz="4400" kern="1200">
+                <a:solidFill>
+                  <a:schemeClr val="tx1"/>
+                </a:solidFill>
+                <a:latin typeface="+mj-lt"/>
+                <a:ea typeface="+mj-ea"/>
+                <a:cs typeface="+mj-cs"/>
+              </a:defRPr>
+            </a:lvl1pPr>
+          </a:lstStyle>
+          <a:p>
+            <a:pPr algn="l"/>
+            <a:r>
+              <a:rPr lang="fr-FR" dirty="0"/>
+              <a:t>Test sur : </a:t>
+            </a:r>
+            <a:r>
+              <a:rPr lang="fr-FR" sz="1800" b="1" dirty="0">
+                <a:solidFill>
+                  <a:srgbClr val="7F0055"/>
+                </a:solidFill>
+                <a:latin typeface="Consolas" panose="020B0609020204030204" pitchFamily="49" charset="0"/>
+              </a:rPr>
+              <a:t>if</a:t>
+            </a:r>
+            <a:r>
+              <a:rPr lang="fr-FR" sz="1800" b="1" dirty="0">
+                <a:solidFill>
+                  <a:srgbClr val="000000"/>
+                </a:solidFill>
+                <a:latin typeface="Consolas" panose="020B0609020204030204" pitchFamily="49" charset="0"/>
+              </a:rPr>
+              <a:t> (commande &gt; </a:t>
+            </a:r>
+            <a:r>
+              <a:rPr lang="fr-FR" sz="1800" b="1" dirty="0" err="1">
+                <a:solidFill>
+                  <a:srgbClr val="000000"/>
+                </a:solidFill>
+                <a:latin typeface="Consolas" panose="020B0609020204030204" pitchFamily="49" charset="0"/>
+              </a:rPr>
+              <a:t>valeur_max_moteur</a:t>
+            </a:r>
+            <a:r>
+              <a:rPr lang="fr-FR" sz="1800" b="1" dirty="0">
+                <a:solidFill>
+                  <a:srgbClr val="000000"/>
+                </a:solidFill>
+                <a:latin typeface="Consolas" panose="020B0609020204030204" pitchFamily="49" charset="0"/>
+              </a:rPr>
+              <a:t>) {</a:t>
+            </a:r>
+          </a:p>
+          <a:p>
+            <a:pPr algn="l"/>
+            <a:r>
+              <a:rPr lang="fr-FR" sz="1800" dirty="0">
+                <a:solidFill>
+                  <a:srgbClr val="000000"/>
+                </a:solidFill>
+                <a:latin typeface="Consolas" panose="020B0609020204030204" pitchFamily="49" charset="0"/>
+              </a:rPr>
+              <a:t>commande = </a:t>
+            </a:r>
+            <a:r>
+              <a:rPr lang="fr-FR" sz="1800" dirty="0" err="1">
+                <a:solidFill>
+                  <a:srgbClr val="000000"/>
+                </a:solidFill>
+                <a:latin typeface="Consolas" panose="020B0609020204030204" pitchFamily="49" charset="0"/>
+              </a:rPr>
+              <a:t>valeur_max_moteur</a:t>
+            </a:r>
+            <a:r>
+              <a:rPr lang="fr-FR" sz="1800" dirty="0">
+                <a:solidFill>
+                  <a:srgbClr val="000000"/>
+                </a:solidFill>
+                <a:latin typeface="Consolas" panose="020B0609020204030204" pitchFamily="49" charset="0"/>
+              </a:rPr>
+              <a:t>;</a:t>
+            </a:r>
+          </a:p>
+          <a:p>
+            <a:pPr algn="l"/>
+            <a:r>
+              <a:rPr lang="fr-FR" sz="1800" dirty="0">
+                <a:solidFill>
+                  <a:srgbClr val="000000"/>
+                </a:solidFill>
+                <a:latin typeface="Consolas" panose="020B0609020204030204" pitchFamily="49" charset="0"/>
+              </a:rPr>
+              <a:t>}</a:t>
+            </a:r>
+            <a:endParaRPr lang="fr-FR" dirty="0"/>
+          </a:p>
+        </p:txBody>
+      </p:sp>
+      <p:sp>
+        <p:nvSpPr>
+          <p:cNvPr id="13" name="Espace réservé du contenu 2">
+            <a:extLst>
+              <a:ext uri="{FF2B5EF4-FFF2-40B4-BE49-F238E27FC236}">
+                <a16:creationId xmlns:a16="http://schemas.microsoft.com/office/drawing/2014/main" id="{3A8B5FB6-B1DC-AB48-2486-1909844CC50B}"/>
+              </a:ext>
+            </a:extLst>
+          </p:cNvPr>
+          <p:cNvSpPr txBox="1">
+            <a:spLocks/>
+          </p:cNvSpPr>
+          <p:nvPr/>
+        </p:nvSpPr>
+        <p:spPr>
+          <a:xfrm>
+            <a:off x="447582" y="6366599"/>
+            <a:ext cx="10515600" cy="509202"/>
+          </a:xfrm>
+          <a:prstGeom prst="rect">
+            <a:avLst/>
+          </a:prstGeom>
+        </p:spPr>
+        <p:txBody>
+          <a:bodyPr vert="horz" lIns="91440" tIns="45720" rIns="91440" bIns="45720" rtlCol="0">
+            <a:normAutofit/>
+          </a:bodyPr>
+          <a:lstStyle>
+            <a:lvl1pPr marL="228600" indent="-228600" algn="l" defTabSz="914400" rtl="0" eaLnBrk="1" latinLnBrk="0" hangingPunct="1">
+              <a:lnSpc>
+                <a:spcPct val="90000"/>
+              </a:lnSpc>
+              <a:spcBef>
+                <a:spcPts val="1000"/>
+              </a:spcBef>
+              <a:buFont typeface="Arial" panose="020B0604020202020204" pitchFamily="34" charset="0"/>
+              <a:buChar char="•"/>
+              <a:defRPr sz="2800" kern="1200">
+                <a:solidFill>
+                  <a:schemeClr val="tx1"/>
+                </a:solidFill>
+                <a:latin typeface="+mn-lt"/>
+                <a:ea typeface="+mn-ea"/>
+                <a:cs typeface="+mn-cs"/>
+              </a:defRPr>
+            </a:lvl1pPr>
+            <a:lvl2pPr marL="685800" indent="-228600" algn="l" defTabSz="914400" rtl="0" eaLnBrk="1" latinLnBrk="0" hangingPunct="1">
+              <a:lnSpc>
+                <a:spcPct val="90000"/>
+              </a:lnSpc>
+              <a:spcBef>
+                <a:spcPts val="500"/>
+              </a:spcBef>
+              <a:buFont typeface="Arial" panose="020B0604020202020204" pitchFamily="34" charset="0"/>
+              <a:buChar char="•"/>
+              <a:defRPr sz="2400" kern="1200">
+                <a:solidFill>
+                  <a:schemeClr val="tx1"/>
+                </a:solidFill>
+                <a:latin typeface="+mn-lt"/>
+                <a:ea typeface="+mn-ea"/>
+                <a:cs typeface="+mn-cs"/>
+              </a:defRPr>
+            </a:lvl2pPr>
+            <a:lvl3pPr marL="1143000" indent="-228600" algn="l" defTabSz="914400" rtl="0" eaLnBrk="1" latinLnBrk="0" hangingPunct="1">
+              <a:lnSpc>
+                <a:spcPct val="90000"/>
+              </a:lnSpc>
+              <a:spcBef>
+                <a:spcPts val="500"/>
+              </a:spcBef>
+              <a:buFont typeface="Arial" panose="020B0604020202020204" pitchFamily="34" charset="0"/>
+              <a:buChar char="•"/>
+              <a:defRPr sz="2000" kern="1200">
+                <a:solidFill>
+                  <a:schemeClr val="tx1"/>
+                </a:solidFill>
+                <a:latin typeface="+mn-lt"/>
+                <a:ea typeface="+mn-ea"/>
+                <a:cs typeface="+mn-cs"/>
+              </a:defRPr>
+            </a:lvl3pPr>
+            <a:lvl4pPr marL="1600200" indent="-228600" algn="l" defTabSz="914400" rtl="0" eaLnBrk="1" latinLnBrk="0" hangingPunct="1">
+              <a:lnSpc>
+                <a:spcPct val="90000"/>
+              </a:lnSpc>
+              <a:spcBef>
+                <a:spcPts val="500"/>
+              </a:spcBef>
+              <a:buFont typeface="Arial" panose="020B0604020202020204" pitchFamily="34" charset="0"/>
+              <a:buChar char="•"/>
+              <a:defRPr sz="1800" kern="1200">
+                <a:solidFill>
+                  <a:schemeClr val="tx1"/>
+                </a:solidFill>
+                <a:latin typeface="+mn-lt"/>
+                <a:ea typeface="+mn-ea"/>
+                <a:cs typeface="+mn-cs"/>
+              </a:defRPr>
+            </a:lvl4pPr>
+            <a:lvl5pPr marL="2057400" indent="-228600" algn="l" defTabSz="914400" rtl="0" eaLnBrk="1" latinLnBrk="0" hangingPunct="1">
+              <a:lnSpc>
+                <a:spcPct val="90000"/>
+              </a:lnSpc>
+              <a:spcBef>
+                <a:spcPts val="500"/>
+              </a:spcBef>
+              <a:buFont typeface="Arial" panose="020B0604020202020204" pitchFamily="34" charset="0"/>
+              <a:buChar char="•"/>
+              <a:defRPr sz="1800" kern="1200">
+                <a:solidFill>
+                  <a:schemeClr val="tx1"/>
+                </a:solidFill>
+                <a:latin typeface="+mn-lt"/>
+                <a:ea typeface="+mn-ea"/>
+                <a:cs typeface="+mn-cs"/>
+              </a:defRPr>
+            </a:lvl5pPr>
+            <a:lvl6pPr marL="2514600" indent="-228600" algn="l" defTabSz="914400" rtl="0" eaLnBrk="1" latinLnBrk="0" hangingPunct="1">
+              <a:lnSpc>
+                <a:spcPct val="90000"/>
+              </a:lnSpc>
+              <a:spcBef>
+                <a:spcPts val="500"/>
+              </a:spcBef>
+              <a:buFont typeface="Arial" panose="020B0604020202020204" pitchFamily="34" charset="0"/>
+              <a:buChar char="•"/>
+              <a:defRPr sz="1800" kern="1200">
+                <a:solidFill>
+                  <a:schemeClr val="tx1"/>
+                </a:solidFill>
+                <a:latin typeface="+mn-lt"/>
+                <a:ea typeface="+mn-ea"/>
+                <a:cs typeface="+mn-cs"/>
+              </a:defRPr>
+            </a:lvl6pPr>
+            <a:lvl7pPr marL="2971800" indent="-228600" algn="l" defTabSz="914400" rtl="0" eaLnBrk="1" latinLnBrk="0" hangingPunct="1">
+              <a:lnSpc>
+                <a:spcPct val="90000"/>
+              </a:lnSpc>
+              <a:spcBef>
+                <a:spcPts val="500"/>
+              </a:spcBef>
+              <a:buFont typeface="Arial" panose="020B0604020202020204" pitchFamily="34" charset="0"/>
+              <a:buChar char="•"/>
+              <a:defRPr sz="1800" kern="1200">
+                <a:solidFill>
+                  <a:schemeClr val="tx1"/>
+                </a:solidFill>
+                <a:latin typeface="+mn-lt"/>
+                <a:ea typeface="+mn-ea"/>
+                <a:cs typeface="+mn-cs"/>
+              </a:defRPr>
+            </a:lvl7pPr>
+            <a:lvl8pPr marL="3429000" indent="-228600" algn="l" defTabSz="914400" rtl="0" eaLnBrk="1" latinLnBrk="0" hangingPunct="1">
+              <a:lnSpc>
+                <a:spcPct val="90000"/>
+              </a:lnSpc>
+              <a:spcBef>
+                <a:spcPts val="500"/>
+              </a:spcBef>
+              <a:buFont typeface="Arial" panose="020B0604020202020204" pitchFamily="34" charset="0"/>
+              <a:buChar char="•"/>
+              <a:defRPr sz="1800" kern="1200">
+                <a:solidFill>
+                  <a:schemeClr val="tx1"/>
+                </a:solidFill>
+                <a:latin typeface="+mn-lt"/>
+                <a:ea typeface="+mn-ea"/>
+                <a:cs typeface="+mn-cs"/>
+              </a:defRPr>
+            </a:lvl8pPr>
+            <a:lvl9pPr marL="3886200" indent="-228600" algn="l" defTabSz="914400" rtl="0" eaLnBrk="1" latinLnBrk="0" hangingPunct="1">
+              <a:lnSpc>
+                <a:spcPct val="90000"/>
+              </a:lnSpc>
+              <a:spcBef>
+                <a:spcPts val="500"/>
+              </a:spcBef>
+              <a:buFont typeface="Arial" panose="020B0604020202020204" pitchFamily="34" charset="0"/>
+              <a:buChar char="•"/>
+              <a:defRPr sz="1800" kern="1200">
+                <a:solidFill>
+                  <a:schemeClr val="tx1"/>
+                </a:solidFill>
+                <a:latin typeface="+mn-lt"/>
+                <a:ea typeface="+mn-ea"/>
+                <a:cs typeface="+mn-cs"/>
+              </a:defRPr>
+            </a:lvl9pPr>
+          </a:lstStyle>
+          <a:p>
+            <a:r>
+              <a:rPr lang="en-US" dirty="0"/>
+              <a:t>Time consumed : AUTOUR DE 30 *10^-7 seconds</a:t>
+            </a:r>
+            <a:endParaRPr lang="fr-FR" dirty="0"/>
+          </a:p>
+        </p:txBody>
+      </p:sp>
+    </p:spTree>
+    <p:extLst>
+      <p:ext uri="{BB962C8B-B14F-4D97-AF65-F5344CB8AC3E}">
+        <p14:creationId xmlns:p14="http://schemas.microsoft.com/office/powerpoint/2010/main" val="649877192"/>
       </p:ext>
     </p:extLst>
   </p:cSld>

--- a/01_doc/Presentations/Courte présentation des résultats du compteur - 28_11_22.pptx
+++ b/01_doc/Presentations/Courte présentation des résultats du compteur - 28_11_22.pptx
@@ -15,6 +15,9 @@
     <p:sldId id="263" r:id="rId9"/>
     <p:sldId id="264" r:id="rId10"/>
     <p:sldId id="265" r:id="rId11"/>
+    <p:sldId id="266" r:id="rId12"/>
+    <p:sldId id="267" r:id="rId13"/>
+    <p:sldId id="268" r:id="rId14"/>
   </p:sldIdLst>
   <p:sldSz cx="12192000" cy="6858000"/>
   <p:notesSz cx="6858000" cy="9144000"/>
@@ -268,7 +271,7 @@
           <a:p>
             <a:fld id="{D0E5DF8D-38D1-4C48-B8B8-94ADE8CC0298}" type="datetimeFigureOut">
               <a:rPr lang="fr-FR" smtClean="0"/>
-              <a:t>28/11/2022</a:t>
+              <a:t>29/11/2022</a:t>
             </a:fld>
             <a:endParaRPr lang="fr-FR"/>
           </a:p>
@@ -466,7 +469,7 @@
           <a:p>
             <a:fld id="{D0E5DF8D-38D1-4C48-B8B8-94ADE8CC0298}" type="datetimeFigureOut">
               <a:rPr lang="fr-FR" smtClean="0"/>
-              <a:t>28/11/2022</a:t>
+              <a:t>29/11/2022</a:t>
             </a:fld>
             <a:endParaRPr lang="fr-FR"/>
           </a:p>
@@ -674,7 +677,7 @@
           <a:p>
             <a:fld id="{D0E5DF8D-38D1-4C48-B8B8-94ADE8CC0298}" type="datetimeFigureOut">
               <a:rPr lang="fr-FR" smtClean="0"/>
-              <a:t>28/11/2022</a:t>
+              <a:t>29/11/2022</a:t>
             </a:fld>
             <a:endParaRPr lang="fr-FR"/>
           </a:p>
@@ -872,7 +875,7 @@
           <a:p>
             <a:fld id="{D0E5DF8D-38D1-4C48-B8B8-94ADE8CC0298}" type="datetimeFigureOut">
               <a:rPr lang="fr-FR" smtClean="0"/>
-              <a:t>28/11/2022</a:t>
+              <a:t>29/11/2022</a:t>
             </a:fld>
             <a:endParaRPr lang="fr-FR"/>
           </a:p>
@@ -1147,7 +1150,7 @@
           <a:p>
             <a:fld id="{D0E5DF8D-38D1-4C48-B8B8-94ADE8CC0298}" type="datetimeFigureOut">
               <a:rPr lang="fr-FR" smtClean="0"/>
-              <a:t>28/11/2022</a:t>
+              <a:t>29/11/2022</a:t>
             </a:fld>
             <a:endParaRPr lang="fr-FR"/>
           </a:p>
@@ -1412,7 +1415,7 @@
           <a:p>
             <a:fld id="{D0E5DF8D-38D1-4C48-B8B8-94ADE8CC0298}" type="datetimeFigureOut">
               <a:rPr lang="fr-FR" smtClean="0"/>
-              <a:t>28/11/2022</a:t>
+              <a:t>29/11/2022</a:t>
             </a:fld>
             <a:endParaRPr lang="fr-FR"/>
           </a:p>
@@ -1824,7 +1827,7 @@
           <a:p>
             <a:fld id="{D0E5DF8D-38D1-4C48-B8B8-94ADE8CC0298}" type="datetimeFigureOut">
               <a:rPr lang="fr-FR" smtClean="0"/>
-              <a:t>28/11/2022</a:t>
+              <a:t>29/11/2022</a:t>
             </a:fld>
             <a:endParaRPr lang="fr-FR"/>
           </a:p>
@@ -1965,7 +1968,7 @@
           <a:p>
             <a:fld id="{D0E5DF8D-38D1-4C48-B8B8-94ADE8CC0298}" type="datetimeFigureOut">
               <a:rPr lang="fr-FR" smtClean="0"/>
-              <a:t>28/11/2022</a:t>
+              <a:t>29/11/2022</a:t>
             </a:fld>
             <a:endParaRPr lang="fr-FR"/>
           </a:p>
@@ -2078,7 +2081,7 @@
           <a:p>
             <a:fld id="{D0E5DF8D-38D1-4C48-B8B8-94ADE8CC0298}" type="datetimeFigureOut">
               <a:rPr lang="fr-FR" smtClean="0"/>
-              <a:t>28/11/2022</a:t>
+              <a:t>29/11/2022</a:t>
             </a:fld>
             <a:endParaRPr lang="fr-FR"/>
           </a:p>
@@ -2389,7 +2392,7 @@
           <a:p>
             <a:fld id="{D0E5DF8D-38D1-4C48-B8B8-94ADE8CC0298}" type="datetimeFigureOut">
               <a:rPr lang="fr-FR" smtClean="0"/>
-              <a:t>28/11/2022</a:t>
+              <a:t>29/11/2022</a:t>
             </a:fld>
             <a:endParaRPr lang="fr-FR"/>
           </a:p>
@@ -2677,7 +2680,7 @@
           <a:p>
             <a:fld id="{D0E5DF8D-38D1-4C48-B8B8-94ADE8CC0298}" type="datetimeFigureOut">
               <a:rPr lang="fr-FR" smtClean="0"/>
-              <a:t>28/11/2022</a:t>
+              <a:t>29/11/2022</a:t>
             </a:fld>
             <a:endParaRPr lang="fr-FR"/>
           </a:p>
@@ -2918,7 +2921,7 @@
           <a:p>
             <a:fld id="{D0E5DF8D-38D1-4C48-B8B8-94ADE8CC0298}" type="datetimeFigureOut">
               <a:rPr lang="fr-FR" smtClean="0"/>
-              <a:t>28/11/2022</a:t>
+              <a:t>29/11/2022</a:t>
             </a:fld>
             <a:endParaRPr lang="fr-FR"/>
           </a:p>
@@ -4538,6 +4541,2679 @@
 </p:sld>
 </file>
 
+<file path=ppt/slides/slide11.xml><?xml version="1.0" encoding="utf-8"?>
+<p:sld xmlns:a="http://schemas.openxmlformats.org/drawingml/2006/main" xmlns:r="http://schemas.openxmlformats.org/officeDocument/2006/relationships" xmlns:p="http://schemas.openxmlformats.org/presentationml/2006/main">
+  <p:cSld>
+    <p:spTree>
+      <p:nvGrpSpPr>
+        <p:cNvPr id="1" name=""/>
+        <p:cNvGrpSpPr/>
+        <p:nvPr/>
+      </p:nvGrpSpPr>
+      <p:grpSpPr>
+        <a:xfrm>
+          <a:off x="0" y="0"/>
+          <a:ext cx="0" cy="0"/>
+          <a:chOff x="0" y="0"/>
+          <a:chExt cx="0" cy="0"/>
+        </a:xfrm>
+      </p:grpSpPr>
+      <p:sp>
+        <p:nvSpPr>
+          <p:cNvPr id="4" name="Titre 1">
+            <a:extLst>
+              <a:ext uri="{FF2B5EF4-FFF2-40B4-BE49-F238E27FC236}">
+                <a16:creationId xmlns:a16="http://schemas.microsoft.com/office/drawing/2014/main" id="{C4B3C338-2292-57FF-21DB-E7DD5CD8E641}"/>
+              </a:ext>
+            </a:extLst>
+          </p:cNvPr>
+          <p:cNvSpPr txBox="1">
+            <a:spLocks/>
+          </p:cNvSpPr>
+          <p:nvPr/>
+        </p:nvSpPr>
+        <p:spPr>
+          <a:xfrm>
+            <a:off x="509726" y="2813990"/>
+            <a:ext cx="10515600" cy="926684"/>
+          </a:xfrm>
+          <a:prstGeom prst="rect">
+            <a:avLst/>
+          </a:prstGeom>
+        </p:spPr>
+        <p:txBody>
+          <a:bodyPr vert="horz" lIns="91440" tIns="45720" rIns="91440" bIns="45720" rtlCol="0" anchor="ctr">
+            <a:normAutofit/>
+          </a:bodyPr>
+          <a:lstStyle>
+            <a:lvl1pPr algn="l" defTabSz="914400" rtl="0" eaLnBrk="1" latinLnBrk="0" hangingPunct="1">
+              <a:lnSpc>
+                <a:spcPct val="90000"/>
+              </a:lnSpc>
+              <a:spcBef>
+                <a:spcPct val="0"/>
+              </a:spcBef>
+              <a:buNone/>
+              <a:defRPr sz="4400" kern="1200">
+                <a:solidFill>
+                  <a:schemeClr val="tx1"/>
+                </a:solidFill>
+                <a:latin typeface="+mj-lt"/>
+                <a:ea typeface="+mj-ea"/>
+                <a:cs typeface="+mj-cs"/>
+              </a:defRPr>
+            </a:lvl1pPr>
+          </a:lstStyle>
+          <a:p>
+            <a:pPr algn="l"/>
+            <a:r>
+              <a:rPr lang="fr-FR" sz="3700" dirty="0"/>
+              <a:t>Test sur : </a:t>
+            </a:r>
+          </a:p>
+          <a:p>
+            <a:pPr algn="l"/>
+            <a:r>
+              <a:rPr lang="de-DE" sz="1800" dirty="0" err="1">
+                <a:solidFill>
+                  <a:srgbClr val="000000"/>
+                </a:solidFill>
+                <a:latin typeface="Consolas" panose="020B0609020204030204" pitchFamily="49" charset="0"/>
+              </a:rPr>
+              <a:t>HAL_UART_Transmit</a:t>
+            </a:r>
+            <a:r>
+              <a:rPr lang="de-DE" sz="1800" dirty="0">
+                <a:solidFill>
+                  <a:srgbClr val="000000"/>
+                </a:solidFill>
+                <a:latin typeface="Consolas" panose="020B0609020204030204" pitchFamily="49" charset="0"/>
+              </a:rPr>
+              <a:t>(&amp;huart2, (</a:t>
+            </a:r>
+            <a:r>
+              <a:rPr lang="de-DE" sz="1800" dirty="0">
+                <a:solidFill>
+                  <a:srgbClr val="005032"/>
+                </a:solidFill>
+                <a:latin typeface="Consolas" panose="020B0609020204030204" pitchFamily="49" charset="0"/>
+              </a:rPr>
+              <a:t>uint8_t</a:t>
+            </a:r>
+            <a:r>
+              <a:rPr lang="de-DE" sz="1800" dirty="0">
+                <a:solidFill>
+                  <a:srgbClr val="000000"/>
+                </a:solidFill>
+                <a:latin typeface="Consolas" panose="020B0609020204030204" pitchFamily="49" charset="0"/>
+              </a:rPr>
+              <a:t>*) </a:t>
+            </a:r>
+            <a:r>
+              <a:rPr lang="de-DE" sz="1800" dirty="0" err="1">
+                <a:solidFill>
+                  <a:srgbClr val="000000"/>
+                </a:solidFill>
+                <a:latin typeface="Consolas" panose="020B0609020204030204" pitchFamily="49" charset="0"/>
+              </a:rPr>
+              <a:t>r_buffer</a:t>
+            </a:r>
+            <a:r>
+              <a:rPr lang="de-DE" sz="1800" dirty="0">
+                <a:solidFill>
+                  <a:srgbClr val="000000"/>
+                </a:solidFill>
+                <a:latin typeface="Consolas" panose="020B0609020204030204" pitchFamily="49" charset="0"/>
+              </a:rPr>
+              <a:t>, 1, 10);</a:t>
+            </a:r>
+          </a:p>
+        </p:txBody>
+      </p:sp>
+      <p:sp>
+        <p:nvSpPr>
+          <p:cNvPr id="5" name="Espace réservé du contenu 2">
+            <a:extLst>
+              <a:ext uri="{FF2B5EF4-FFF2-40B4-BE49-F238E27FC236}">
+                <a16:creationId xmlns:a16="http://schemas.microsoft.com/office/drawing/2014/main" id="{66153903-27C9-9118-13CC-71A91E83DFF9}"/>
+              </a:ext>
+            </a:extLst>
+          </p:cNvPr>
+          <p:cNvSpPr txBox="1">
+            <a:spLocks/>
+          </p:cNvSpPr>
+          <p:nvPr/>
+        </p:nvSpPr>
+        <p:spPr>
+          <a:xfrm>
+            <a:off x="509726" y="3903555"/>
+            <a:ext cx="10515600" cy="509202"/>
+          </a:xfrm>
+          <a:prstGeom prst="rect">
+            <a:avLst/>
+          </a:prstGeom>
+        </p:spPr>
+        <p:txBody>
+          <a:bodyPr vert="horz" lIns="91440" tIns="45720" rIns="91440" bIns="45720" rtlCol="0">
+            <a:normAutofit/>
+          </a:bodyPr>
+          <a:lstStyle>
+            <a:lvl1pPr marL="228600" indent="-228600" algn="l" defTabSz="914400" rtl="0" eaLnBrk="1" latinLnBrk="0" hangingPunct="1">
+              <a:lnSpc>
+                <a:spcPct val="90000"/>
+              </a:lnSpc>
+              <a:spcBef>
+                <a:spcPts val="1000"/>
+              </a:spcBef>
+              <a:buFont typeface="Arial" panose="020B0604020202020204" pitchFamily="34" charset="0"/>
+              <a:buChar char="•"/>
+              <a:defRPr sz="2800" kern="1200">
+                <a:solidFill>
+                  <a:schemeClr val="tx1"/>
+                </a:solidFill>
+                <a:latin typeface="+mn-lt"/>
+                <a:ea typeface="+mn-ea"/>
+                <a:cs typeface="+mn-cs"/>
+              </a:defRPr>
+            </a:lvl1pPr>
+            <a:lvl2pPr marL="685800" indent="-228600" algn="l" defTabSz="914400" rtl="0" eaLnBrk="1" latinLnBrk="0" hangingPunct="1">
+              <a:lnSpc>
+                <a:spcPct val="90000"/>
+              </a:lnSpc>
+              <a:spcBef>
+                <a:spcPts val="500"/>
+              </a:spcBef>
+              <a:buFont typeface="Arial" panose="020B0604020202020204" pitchFamily="34" charset="0"/>
+              <a:buChar char="•"/>
+              <a:defRPr sz="2400" kern="1200">
+                <a:solidFill>
+                  <a:schemeClr val="tx1"/>
+                </a:solidFill>
+                <a:latin typeface="+mn-lt"/>
+                <a:ea typeface="+mn-ea"/>
+                <a:cs typeface="+mn-cs"/>
+              </a:defRPr>
+            </a:lvl2pPr>
+            <a:lvl3pPr marL="1143000" indent="-228600" algn="l" defTabSz="914400" rtl="0" eaLnBrk="1" latinLnBrk="0" hangingPunct="1">
+              <a:lnSpc>
+                <a:spcPct val="90000"/>
+              </a:lnSpc>
+              <a:spcBef>
+                <a:spcPts val="500"/>
+              </a:spcBef>
+              <a:buFont typeface="Arial" panose="020B0604020202020204" pitchFamily="34" charset="0"/>
+              <a:buChar char="•"/>
+              <a:defRPr sz="2000" kern="1200">
+                <a:solidFill>
+                  <a:schemeClr val="tx1"/>
+                </a:solidFill>
+                <a:latin typeface="+mn-lt"/>
+                <a:ea typeface="+mn-ea"/>
+                <a:cs typeface="+mn-cs"/>
+              </a:defRPr>
+            </a:lvl3pPr>
+            <a:lvl4pPr marL="1600200" indent="-228600" algn="l" defTabSz="914400" rtl="0" eaLnBrk="1" latinLnBrk="0" hangingPunct="1">
+              <a:lnSpc>
+                <a:spcPct val="90000"/>
+              </a:lnSpc>
+              <a:spcBef>
+                <a:spcPts val="500"/>
+              </a:spcBef>
+              <a:buFont typeface="Arial" panose="020B0604020202020204" pitchFamily="34" charset="0"/>
+              <a:buChar char="•"/>
+              <a:defRPr sz="1800" kern="1200">
+                <a:solidFill>
+                  <a:schemeClr val="tx1"/>
+                </a:solidFill>
+                <a:latin typeface="+mn-lt"/>
+                <a:ea typeface="+mn-ea"/>
+                <a:cs typeface="+mn-cs"/>
+              </a:defRPr>
+            </a:lvl4pPr>
+            <a:lvl5pPr marL="2057400" indent="-228600" algn="l" defTabSz="914400" rtl="0" eaLnBrk="1" latinLnBrk="0" hangingPunct="1">
+              <a:lnSpc>
+                <a:spcPct val="90000"/>
+              </a:lnSpc>
+              <a:spcBef>
+                <a:spcPts val="500"/>
+              </a:spcBef>
+              <a:buFont typeface="Arial" panose="020B0604020202020204" pitchFamily="34" charset="0"/>
+              <a:buChar char="•"/>
+              <a:defRPr sz="1800" kern="1200">
+                <a:solidFill>
+                  <a:schemeClr val="tx1"/>
+                </a:solidFill>
+                <a:latin typeface="+mn-lt"/>
+                <a:ea typeface="+mn-ea"/>
+                <a:cs typeface="+mn-cs"/>
+              </a:defRPr>
+            </a:lvl5pPr>
+            <a:lvl6pPr marL="2514600" indent="-228600" algn="l" defTabSz="914400" rtl="0" eaLnBrk="1" latinLnBrk="0" hangingPunct="1">
+              <a:lnSpc>
+                <a:spcPct val="90000"/>
+              </a:lnSpc>
+              <a:spcBef>
+                <a:spcPts val="500"/>
+              </a:spcBef>
+              <a:buFont typeface="Arial" panose="020B0604020202020204" pitchFamily="34" charset="0"/>
+              <a:buChar char="•"/>
+              <a:defRPr sz="1800" kern="1200">
+                <a:solidFill>
+                  <a:schemeClr val="tx1"/>
+                </a:solidFill>
+                <a:latin typeface="+mn-lt"/>
+                <a:ea typeface="+mn-ea"/>
+                <a:cs typeface="+mn-cs"/>
+              </a:defRPr>
+            </a:lvl6pPr>
+            <a:lvl7pPr marL="2971800" indent="-228600" algn="l" defTabSz="914400" rtl="0" eaLnBrk="1" latinLnBrk="0" hangingPunct="1">
+              <a:lnSpc>
+                <a:spcPct val="90000"/>
+              </a:lnSpc>
+              <a:spcBef>
+                <a:spcPts val="500"/>
+              </a:spcBef>
+              <a:buFont typeface="Arial" panose="020B0604020202020204" pitchFamily="34" charset="0"/>
+              <a:buChar char="•"/>
+              <a:defRPr sz="1800" kern="1200">
+                <a:solidFill>
+                  <a:schemeClr val="tx1"/>
+                </a:solidFill>
+                <a:latin typeface="+mn-lt"/>
+                <a:ea typeface="+mn-ea"/>
+                <a:cs typeface="+mn-cs"/>
+              </a:defRPr>
+            </a:lvl7pPr>
+            <a:lvl8pPr marL="3429000" indent="-228600" algn="l" defTabSz="914400" rtl="0" eaLnBrk="1" latinLnBrk="0" hangingPunct="1">
+              <a:lnSpc>
+                <a:spcPct val="90000"/>
+              </a:lnSpc>
+              <a:spcBef>
+                <a:spcPts val="500"/>
+              </a:spcBef>
+              <a:buFont typeface="Arial" panose="020B0604020202020204" pitchFamily="34" charset="0"/>
+              <a:buChar char="•"/>
+              <a:defRPr sz="1800" kern="1200">
+                <a:solidFill>
+                  <a:schemeClr val="tx1"/>
+                </a:solidFill>
+                <a:latin typeface="+mn-lt"/>
+                <a:ea typeface="+mn-ea"/>
+                <a:cs typeface="+mn-cs"/>
+              </a:defRPr>
+            </a:lvl8pPr>
+            <a:lvl9pPr marL="3886200" indent="-228600" algn="l" defTabSz="914400" rtl="0" eaLnBrk="1" latinLnBrk="0" hangingPunct="1">
+              <a:lnSpc>
+                <a:spcPct val="90000"/>
+              </a:lnSpc>
+              <a:spcBef>
+                <a:spcPts val="500"/>
+              </a:spcBef>
+              <a:buFont typeface="Arial" panose="020B0604020202020204" pitchFamily="34" charset="0"/>
+              <a:buChar char="•"/>
+              <a:defRPr sz="1800" kern="1200">
+                <a:solidFill>
+                  <a:schemeClr val="tx1"/>
+                </a:solidFill>
+                <a:latin typeface="+mn-lt"/>
+                <a:ea typeface="+mn-ea"/>
+                <a:cs typeface="+mn-cs"/>
+              </a:defRPr>
+            </a:lvl9pPr>
+          </a:lstStyle>
+          <a:p>
+            <a:r>
+              <a:rPr lang="en-US" dirty="0"/>
+              <a:t>Time consumed : AUTOUR DE 898 *10^-7 seconds</a:t>
+            </a:r>
+            <a:endParaRPr lang="fr-FR" dirty="0"/>
+          </a:p>
+        </p:txBody>
+      </p:sp>
+      <p:sp>
+        <p:nvSpPr>
+          <p:cNvPr id="6" name="Titre 1">
+            <a:extLst>
+              <a:ext uri="{FF2B5EF4-FFF2-40B4-BE49-F238E27FC236}">
+                <a16:creationId xmlns:a16="http://schemas.microsoft.com/office/drawing/2014/main" id="{7F6C14C2-6755-F708-2A9C-A63366EAB485}"/>
+              </a:ext>
+            </a:extLst>
+          </p:cNvPr>
+          <p:cNvSpPr txBox="1">
+            <a:spLocks/>
+          </p:cNvSpPr>
+          <p:nvPr/>
+        </p:nvSpPr>
+        <p:spPr>
+          <a:xfrm>
+            <a:off x="509726" y="135785"/>
+            <a:ext cx="10515600" cy="1932711"/>
+          </a:xfrm>
+          <a:prstGeom prst="rect">
+            <a:avLst/>
+          </a:prstGeom>
+        </p:spPr>
+        <p:txBody>
+          <a:bodyPr vert="horz" lIns="91440" tIns="45720" rIns="91440" bIns="45720" rtlCol="0" anchor="ctr">
+            <a:normAutofit fontScale="92500" lnSpcReduction="10000"/>
+          </a:bodyPr>
+          <a:lstStyle>
+            <a:lvl1pPr algn="l" defTabSz="914400" rtl="0" eaLnBrk="1" latinLnBrk="0" hangingPunct="1">
+              <a:lnSpc>
+                <a:spcPct val="90000"/>
+              </a:lnSpc>
+              <a:spcBef>
+                <a:spcPct val="0"/>
+              </a:spcBef>
+              <a:buNone/>
+              <a:defRPr sz="4400" kern="1200">
+                <a:solidFill>
+                  <a:schemeClr val="tx1"/>
+                </a:solidFill>
+                <a:latin typeface="+mj-lt"/>
+                <a:ea typeface="+mj-ea"/>
+                <a:cs typeface="+mj-cs"/>
+              </a:defRPr>
+            </a:lvl1pPr>
+          </a:lstStyle>
+          <a:p>
+            <a:pPr algn="l"/>
+            <a:r>
+              <a:rPr lang="fr-FR" dirty="0"/>
+              <a:t>Test sur : </a:t>
+            </a:r>
+          </a:p>
+          <a:p>
+            <a:pPr algn="l"/>
+            <a:r>
+              <a:rPr lang="en-US" sz="1800" b="1" dirty="0">
+                <a:solidFill>
+                  <a:srgbClr val="7F0055"/>
+                </a:solidFill>
+                <a:latin typeface="Consolas" panose="020B0609020204030204" pitchFamily="49" charset="0"/>
+              </a:rPr>
+              <a:t>if</a:t>
+            </a:r>
+            <a:r>
+              <a:rPr lang="en-US" sz="1800" b="1" dirty="0">
+                <a:solidFill>
+                  <a:srgbClr val="000000"/>
+                </a:solidFill>
+                <a:latin typeface="Consolas" panose="020B0609020204030204" pitchFamily="49" charset="0"/>
+              </a:rPr>
+              <a:t> (</a:t>
+            </a:r>
+            <a:r>
+              <a:rPr lang="en-US" sz="1800" b="1" dirty="0" err="1">
+                <a:solidFill>
+                  <a:srgbClr val="000000"/>
+                </a:solidFill>
+                <a:latin typeface="Consolas" panose="020B0609020204030204" pitchFamily="49" charset="0"/>
+              </a:rPr>
+              <a:t>HAL_UART_Receive</a:t>
+            </a:r>
+            <a:r>
+              <a:rPr lang="en-US" sz="1800" b="1" dirty="0">
+                <a:solidFill>
+                  <a:srgbClr val="000000"/>
+                </a:solidFill>
+                <a:latin typeface="Consolas" panose="020B0609020204030204" pitchFamily="49" charset="0"/>
+              </a:rPr>
+              <a:t>(&amp;huart2, (</a:t>
+            </a:r>
+            <a:r>
+              <a:rPr lang="en-US" sz="1800" b="1" dirty="0">
+                <a:solidFill>
+                  <a:srgbClr val="005032"/>
+                </a:solidFill>
+                <a:latin typeface="Consolas" panose="020B0609020204030204" pitchFamily="49" charset="0"/>
+              </a:rPr>
+              <a:t>uint8_t</a:t>
+            </a:r>
+            <a:r>
+              <a:rPr lang="en-US" sz="1800" b="1" dirty="0">
+                <a:solidFill>
+                  <a:srgbClr val="000000"/>
+                </a:solidFill>
+                <a:latin typeface="Consolas" panose="020B0609020204030204" pitchFamily="49" charset="0"/>
+              </a:rPr>
+              <a:t>*) </a:t>
+            </a:r>
+            <a:r>
+              <a:rPr lang="en-US" sz="1800" b="1" dirty="0" err="1">
+                <a:solidFill>
+                  <a:srgbClr val="000000"/>
+                </a:solidFill>
+                <a:latin typeface="Consolas" panose="020B0609020204030204" pitchFamily="49" charset="0"/>
+              </a:rPr>
+              <a:t>r_buffer</a:t>
+            </a:r>
+            <a:r>
+              <a:rPr lang="en-US" sz="1800" b="1" dirty="0">
+                <a:solidFill>
+                  <a:srgbClr val="000000"/>
+                </a:solidFill>
+                <a:latin typeface="Consolas" panose="020B0609020204030204" pitchFamily="49" charset="0"/>
+              </a:rPr>
+              <a:t>, 1, 10) == </a:t>
+            </a:r>
+            <a:r>
+              <a:rPr lang="en-US" sz="1800" b="1" i="1" dirty="0">
+                <a:solidFill>
+                  <a:srgbClr val="0000C0"/>
+                </a:solidFill>
+                <a:latin typeface="Consolas" panose="020B0609020204030204" pitchFamily="49" charset="0"/>
+              </a:rPr>
+              <a:t>HAL_OK</a:t>
+            </a:r>
+            <a:r>
+              <a:rPr lang="en-US" sz="1800" b="1" i="1" dirty="0">
+                <a:solidFill>
+                  <a:srgbClr val="000000"/>
+                </a:solidFill>
+                <a:latin typeface="Consolas" panose="020B0609020204030204" pitchFamily="49" charset="0"/>
+              </a:rPr>
+              <a:t>) {</a:t>
+            </a:r>
+          </a:p>
+          <a:p>
+            <a:pPr algn="l"/>
+            <a:r>
+              <a:rPr lang="de-DE" sz="1800" dirty="0" err="1">
+                <a:solidFill>
+                  <a:srgbClr val="000000"/>
+                </a:solidFill>
+                <a:latin typeface="Consolas" panose="020B0609020204030204" pitchFamily="49" charset="0"/>
+              </a:rPr>
+              <a:t>HAL_UART_Transmit</a:t>
+            </a:r>
+            <a:r>
+              <a:rPr lang="de-DE" sz="1800" dirty="0">
+                <a:solidFill>
+                  <a:srgbClr val="000000"/>
+                </a:solidFill>
+                <a:latin typeface="Consolas" panose="020B0609020204030204" pitchFamily="49" charset="0"/>
+              </a:rPr>
+              <a:t>(&amp;huart2, (</a:t>
+            </a:r>
+            <a:r>
+              <a:rPr lang="de-DE" sz="1800" dirty="0">
+                <a:solidFill>
+                  <a:srgbClr val="005032"/>
+                </a:solidFill>
+                <a:latin typeface="Consolas" panose="020B0609020204030204" pitchFamily="49" charset="0"/>
+              </a:rPr>
+              <a:t>uint8_t</a:t>
+            </a:r>
+            <a:r>
+              <a:rPr lang="de-DE" sz="1800" dirty="0">
+                <a:solidFill>
+                  <a:srgbClr val="000000"/>
+                </a:solidFill>
+                <a:latin typeface="Consolas" panose="020B0609020204030204" pitchFamily="49" charset="0"/>
+              </a:rPr>
+              <a:t>*) </a:t>
+            </a:r>
+            <a:r>
+              <a:rPr lang="de-DE" sz="1800" dirty="0" err="1">
+                <a:solidFill>
+                  <a:srgbClr val="000000"/>
+                </a:solidFill>
+                <a:latin typeface="Consolas" panose="020B0609020204030204" pitchFamily="49" charset="0"/>
+              </a:rPr>
+              <a:t>r_buffer</a:t>
+            </a:r>
+            <a:r>
+              <a:rPr lang="de-DE" sz="1800" dirty="0">
+                <a:solidFill>
+                  <a:srgbClr val="000000"/>
+                </a:solidFill>
+                <a:latin typeface="Consolas" panose="020B0609020204030204" pitchFamily="49" charset="0"/>
+              </a:rPr>
+              <a:t>, 1, 10);</a:t>
+            </a:r>
+          </a:p>
+          <a:p>
+            <a:pPr algn="l"/>
+            <a:r>
+              <a:rPr lang="fr-FR" sz="1800" b="1" dirty="0">
+                <a:solidFill>
+                  <a:srgbClr val="642880"/>
+                </a:solidFill>
+                <a:latin typeface="Consolas" panose="020B0609020204030204" pitchFamily="49" charset="0"/>
+              </a:rPr>
+              <a:t>printf</a:t>
+            </a:r>
+            <a:r>
+              <a:rPr lang="fr-FR" sz="1800" b="1" dirty="0">
+                <a:solidFill>
+                  <a:srgbClr val="000000"/>
+                </a:solidFill>
+                <a:latin typeface="Consolas" panose="020B0609020204030204" pitchFamily="49" charset="0"/>
+              </a:rPr>
+              <a:t>(</a:t>
+            </a:r>
+            <a:r>
+              <a:rPr lang="fr-FR" sz="1800" b="1" dirty="0">
+                <a:solidFill>
+                  <a:srgbClr val="2A00FF"/>
+                </a:solidFill>
+                <a:latin typeface="Consolas" panose="020B0609020204030204" pitchFamily="49" charset="0"/>
+              </a:rPr>
+              <a:t>"\n\n\r"</a:t>
+            </a:r>
+            <a:r>
+              <a:rPr lang="fr-FR" sz="1800" b="1" dirty="0">
+                <a:solidFill>
+                  <a:srgbClr val="000000"/>
+                </a:solidFill>
+                <a:latin typeface="Consolas" panose="020B0609020204030204" pitchFamily="49" charset="0"/>
+              </a:rPr>
+              <a:t>);</a:t>
+            </a:r>
+          </a:p>
+          <a:p>
+            <a:pPr algn="l"/>
+            <a:r>
+              <a:rPr lang="fr-FR" sz="1800" dirty="0">
+                <a:solidFill>
+                  <a:srgbClr val="000000"/>
+                </a:solidFill>
+                <a:latin typeface="Consolas" panose="020B0609020204030204" pitchFamily="49" charset="0"/>
+              </a:rPr>
+              <a:t>} </a:t>
+            </a:r>
+            <a:r>
+              <a:rPr lang="fr-FR" sz="1800" b="1" dirty="0" err="1">
+                <a:solidFill>
+                  <a:srgbClr val="7F0055"/>
+                </a:solidFill>
+                <a:latin typeface="Consolas" panose="020B0609020204030204" pitchFamily="49" charset="0"/>
+              </a:rPr>
+              <a:t>else</a:t>
+            </a:r>
+            <a:r>
+              <a:rPr lang="fr-FR" sz="1800" b="1" dirty="0">
+                <a:solidFill>
+                  <a:srgbClr val="000000"/>
+                </a:solidFill>
+                <a:latin typeface="Consolas" panose="020B0609020204030204" pitchFamily="49" charset="0"/>
+              </a:rPr>
+              <a:t> {</a:t>
+            </a:r>
+          </a:p>
+          <a:p>
+            <a:pPr algn="l"/>
+            <a:r>
+              <a:rPr lang="fr-FR" sz="1800" dirty="0">
+                <a:solidFill>
+                  <a:srgbClr val="000000"/>
+                </a:solidFill>
+                <a:latin typeface="Consolas" panose="020B0609020204030204" pitchFamily="49" charset="0"/>
+              </a:rPr>
+              <a:t>__HAL_UART_CLEAR_OREFLAG(&amp;huart2);</a:t>
+            </a:r>
+          </a:p>
+          <a:p>
+            <a:pPr algn="l"/>
+            <a:r>
+              <a:rPr lang="fr-FR" sz="1800" dirty="0">
+                <a:solidFill>
+                  <a:srgbClr val="000000"/>
+                </a:solidFill>
+                <a:latin typeface="Consolas" panose="020B0609020204030204" pitchFamily="49" charset="0"/>
+              </a:rPr>
+              <a:t>}</a:t>
+            </a:r>
+            <a:endParaRPr lang="fr-FR" dirty="0"/>
+          </a:p>
+        </p:txBody>
+      </p:sp>
+      <p:sp>
+        <p:nvSpPr>
+          <p:cNvPr id="7" name="Espace réservé du contenu 2">
+            <a:extLst>
+              <a:ext uri="{FF2B5EF4-FFF2-40B4-BE49-F238E27FC236}">
+                <a16:creationId xmlns:a16="http://schemas.microsoft.com/office/drawing/2014/main" id="{130B300C-ACF0-7CFD-EDE4-D62C816A8711}"/>
+              </a:ext>
+            </a:extLst>
+          </p:cNvPr>
+          <p:cNvSpPr txBox="1">
+            <a:spLocks/>
+          </p:cNvSpPr>
+          <p:nvPr/>
+        </p:nvSpPr>
+        <p:spPr>
+          <a:xfrm>
+            <a:off x="509726" y="1970844"/>
+            <a:ext cx="10515600" cy="509202"/>
+          </a:xfrm>
+          <a:prstGeom prst="rect">
+            <a:avLst/>
+          </a:prstGeom>
+        </p:spPr>
+        <p:txBody>
+          <a:bodyPr vert="horz" lIns="91440" tIns="45720" rIns="91440" bIns="45720" rtlCol="0">
+            <a:normAutofit/>
+          </a:bodyPr>
+          <a:lstStyle>
+            <a:lvl1pPr marL="228600" indent="-228600" algn="l" defTabSz="914400" rtl="0" eaLnBrk="1" latinLnBrk="0" hangingPunct="1">
+              <a:lnSpc>
+                <a:spcPct val="90000"/>
+              </a:lnSpc>
+              <a:spcBef>
+                <a:spcPts val="1000"/>
+              </a:spcBef>
+              <a:buFont typeface="Arial" panose="020B0604020202020204" pitchFamily="34" charset="0"/>
+              <a:buChar char="•"/>
+              <a:defRPr sz="2800" kern="1200">
+                <a:solidFill>
+                  <a:schemeClr val="tx1"/>
+                </a:solidFill>
+                <a:latin typeface="+mn-lt"/>
+                <a:ea typeface="+mn-ea"/>
+                <a:cs typeface="+mn-cs"/>
+              </a:defRPr>
+            </a:lvl1pPr>
+            <a:lvl2pPr marL="685800" indent="-228600" algn="l" defTabSz="914400" rtl="0" eaLnBrk="1" latinLnBrk="0" hangingPunct="1">
+              <a:lnSpc>
+                <a:spcPct val="90000"/>
+              </a:lnSpc>
+              <a:spcBef>
+                <a:spcPts val="500"/>
+              </a:spcBef>
+              <a:buFont typeface="Arial" panose="020B0604020202020204" pitchFamily="34" charset="0"/>
+              <a:buChar char="•"/>
+              <a:defRPr sz="2400" kern="1200">
+                <a:solidFill>
+                  <a:schemeClr val="tx1"/>
+                </a:solidFill>
+                <a:latin typeface="+mn-lt"/>
+                <a:ea typeface="+mn-ea"/>
+                <a:cs typeface="+mn-cs"/>
+              </a:defRPr>
+            </a:lvl2pPr>
+            <a:lvl3pPr marL="1143000" indent="-228600" algn="l" defTabSz="914400" rtl="0" eaLnBrk="1" latinLnBrk="0" hangingPunct="1">
+              <a:lnSpc>
+                <a:spcPct val="90000"/>
+              </a:lnSpc>
+              <a:spcBef>
+                <a:spcPts val="500"/>
+              </a:spcBef>
+              <a:buFont typeface="Arial" panose="020B0604020202020204" pitchFamily="34" charset="0"/>
+              <a:buChar char="•"/>
+              <a:defRPr sz="2000" kern="1200">
+                <a:solidFill>
+                  <a:schemeClr val="tx1"/>
+                </a:solidFill>
+                <a:latin typeface="+mn-lt"/>
+                <a:ea typeface="+mn-ea"/>
+                <a:cs typeface="+mn-cs"/>
+              </a:defRPr>
+            </a:lvl3pPr>
+            <a:lvl4pPr marL="1600200" indent="-228600" algn="l" defTabSz="914400" rtl="0" eaLnBrk="1" latinLnBrk="0" hangingPunct="1">
+              <a:lnSpc>
+                <a:spcPct val="90000"/>
+              </a:lnSpc>
+              <a:spcBef>
+                <a:spcPts val="500"/>
+              </a:spcBef>
+              <a:buFont typeface="Arial" panose="020B0604020202020204" pitchFamily="34" charset="0"/>
+              <a:buChar char="•"/>
+              <a:defRPr sz="1800" kern="1200">
+                <a:solidFill>
+                  <a:schemeClr val="tx1"/>
+                </a:solidFill>
+                <a:latin typeface="+mn-lt"/>
+                <a:ea typeface="+mn-ea"/>
+                <a:cs typeface="+mn-cs"/>
+              </a:defRPr>
+            </a:lvl4pPr>
+            <a:lvl5pPr marL="2057400" indent="-228600" algn="l" defTabSz="914400" rtl="0" eaLnBrk="1" latinLnBrk="0" hangingPunct="1">
+              <a:lnSpc>
+                <a:spcPct val="90000"/>
+              </a:lnSpc>
+              <a:spcBef>
+                <a:spcPts val="500"/>
+              </a:spcBef>
+              <a:buFont typeface="Arial" panose="020B0604020202020204" pitchFamily="34" charset="0"/>
+              <a:buChar char="•"/>
+              <a:defRPr sz="1800" kern="1200">
+                <a:solidFill>
+                  <a:schemeClr val="tx1"/>
+                </a:solidFill>
+                <a:latin typeface="+mn-lt"/>
+                <a:ea typeface="+mn-ea"/>
+                <a:cs typeface="+mn-cs"/>
+              </a:defRPr>
+            </a:lvl5pPr>
+            <a:lvl6pPr marL="2514600" indent="-228600" algn="l" defTabSz="914400" rtl="0" eaLnBrk="1" latinLnBrk="0" hangingPunct="1">
+              <a:lnSpc>
+                <a:spcPct val="90000"/>
+              </a:lnSpc>
+              <a:spcBef>
+                <a:spcPts val="500"/>
+              </a:spcBef>
+              <a:buFont typeface="Arial" panose="020B0604020202020204" pitchFamily="34" charset="0"/>
+              <a:buChar char="•"/>
+              <a:defRPr sz="1800" kern="1200">
+                <a:solidFill>
+                  <a:schemeClr val="tx1"/>
+                </a:solidFill>
+                <a:latin typeface="+mn-lt"/>
+                <a:ea typeface="+mn-ea"/>
+                <a:cs typeface="+mn-cs"/>
+              </a:defRPr>
+            </a:lvl6pPr>
+            <a:lvl7pPr marL="2971800" indent="-228600" algn="l" defTabSz="914400" rtl="0" eaLnBrk="1" latinLnBrk="0" hangingPunct="1">
+              <a:lnSpc>
+                <a:spcPct val="90000"/>
+              </a:lnSpc>
+              <a:spcBef>
+                <a:spcPts val="500"/>
+              </a:spcBef>
+              <a:buFont typeface="Arial" panose="020B0604020202020204" pitchFamily="34" charset="0"/>
+              <a:buChar char="•"/>
+              <a:defRPr sz="1800" kern="1200">
+                <a:solidFill>
+                  <a:schemeClr val="tx1"/>
+                </a:solidFill>
+                <a:latin typeface="+mn-lt"/>
+                <a:ea typeface="+mn-ea"/>
+                <a:cs typeface="+mn-cs"/>
+              </a:defRPr>
+            </a:lvl7pPr>
+            <a:lvl8pPr marL="3429000" indent="-228600" algn="l" defTabSz="914400" rtl="0" eaLnBrk="1" latinLnBrk="0" hangingPunct="1">
+              <a:lnSpc>
+                <a:spcPct val="90000"/>
+              </a:lnSpc>
+              <a:spcBef>
+                <a:spcPts val="500"/>
+              </a:spcBef>
+              <a:buFont typeface="Arial" panose="020B0604020202020204" pitchFamily="34" charset="0"/>
+              <a:buChar char="•"/>
+              <a:defRPr sz="1800" kern="1200">
+                <a:solidFill>
+                  <a:schemeClr val="tx1"/>
+                </a:solidFill>
+                <a:latin typeface="+mn-lt"/>
+                <a:ea typeface="+mn-ea"/>
+                <a:cs typeface="+mn-cs"/>
+              </a:defRPr>
+            </a:lvl8pPr>
+            <a:lvl9pPr marL="3886200" indent="-228600" algn="l" defTabSz="914400" rtl="0" eaLnBrk="1" latinLnBrk="0" hangingPunct="1">
+              <a:lnSpc>
+                <a:spcPct val="90000"/>
+              </a:lnSpc>
+              <a:spcBef>
+                <a:spcPts val="500"/>
+              </a:spcBef>
+              <a:buFont typeface="Arial" panose="020B0604020202020204" pitchFamily="34" charset="0"/>
+              <a:buChar char="•"/>
+              <a:defRPr sz="1800" kern="1200">
+                <a:solidFill>
+                  <a:schemeClr val="tx1"/>
+                </a:solidFill>
+                <a:latin typeface="+mn-lt"/>
+                <a:ea typeface="+mn-ea"/>
+                <a:cs typeface="+mn-cs"/>
+              </a:defRPr>
+            </a:lvl9pPr>
+          </a:lstStyle>
+          <a:p>
+            <a:r>
+              <a:rPr lang="en-US" dirty="0"/>
+              <a:t>Time consumed : AUTOUR DE 110015 *10^-7 seconds</a:t>
+            </a:r>
+            <a:endParaRPr lang="fr-FR" dirty="0"/>
+          </a:p>
+        </p:txBody>
+      </p:sp>
+      <p:sp>
+        <p:nvSpPr>
+          <p:cNvPr id="8" name="Titre 1">
+            <a:extLst>
+              <a:ext uri="{FF2B5EF4-FFF2-40B4-BE49-F238E27FC236}">
+                <a16:creationId xmlns:a16="http://schemas.microsoft.com/office/drawing/2014/main" id="{9776A3B7-157D-C904-EFD7-665D5EB562AC}"/>
+              </a:ext>
+            </a:extLst>
+          </p:cNvPr>
+          <p:cNvSpPr txBox="1">
+            <a:spLocks/>
+          </p:cNvSpPr>
+          <p:nvPr/>
+        </p:nvSpPr>
+        <p:spPr>
+          <a:xfrm>
+            <a:off x="509726" y="4575638"/>
+            <a:ext cx="10515600" cy="926684"/>
+          </a:xfrm>
+          <a:prstGeom prst="rect">
+            <a:avLst/>
+          </a:prstGeom>
+        </p:spPr>
+        <p:txBody>
+          <a:bodyPr vert="horz" lIns="91440" tIns="45720" rIns="91440" bIns="45720" rtlCol="0" anchor="ctr">
+            <a:normAutofit/>
+          </a:bodyPr>
+          <a:lstStyle>
+            <a:lvl1pPr algn="l" defTabSz="914400" rtl="0" eaLnBrk="1" latinLnBrk="0" hangingPunct="1">
+              <a:lnSpc>
+                <a:spcPct val="90000"/>
+              </a:lnSpc>
+              <a:spcBef>
+                <a:spcPct val="0"/>
+              </a:spcBef>
+              <a:buNone/>
+              <a:defRPr sz="4400" kern="1200">
+                <a:solidFill>
+                  <a:schemeClr val="tx1"/>
+                </a:solidFill>
+                <a:latin typeface="+mj-lt"/>
+                <a:ea typeface="+mj-ea"/>
+                <a:cs typeface="+mj-cs"/>
+              </a:defRPr>
+            </a:lvl1pPr>
+          </a:lstStyle>
+          <a:p>
+            <a:pPr algn="l"/>
+            <a:r>
+              <a:rPr lang="fr-FR" sz="3700" dirty="0"/>
+              <a:t>Test sur : </a:t>
+            </a:r>
+          </a:p>
+          <a:p>
+            <a:pPr algn="l"/>
+            <a:r>
+              <a:rPr lang="fr-FR" sz="1800" b="1" dirty="0">
+                <a:solidFill>
+                  <a:srgbClr val="642880"/>
+                </a:solidFill>
+                <a:latin typeface="Consolas" panose="020B0609020204030204" pitchFamily="49" charset="0"/>
+              </a:rPr>
+              <a:t>printf</a:t>
+            </a:r>
+            <a:r>
+              <a:rPr lang="fr-FR" sz="1800" b="1" dirty="0">
+                <a:solidFill>
+                  <a:srgbClr val="000000"/>
+                </a:solidFill>
+                <a:latin typeface="Consolas" panose="020B0609020204030204" pitchFamily="49" charset="0"/>
+              </a:rPr>
+              <a:t>(</a:t>
+            </a:r>
+            <a:r>
+              <a:rPr lang="fr-FR" sz="1800" b="1" dirty="0">
+                <a:solidFill>
+                  <a:srgbClr val="2A00FF"/>
+                </a:solidFill>
+                <a:latin typeface="Consolas" panose="020B0609020204030204" pitchFamily="49" charset="0"/>
+              </a:rPr>
+              <a:t>"\n\n\r"</a:t>
+            </a:r>
+            <a:r>
+              <a:rPr lang="fr-FR" sz="1800" b="1" dirty="0">
+                <a:solidFill>
+                  <a:srgbClr val="000000"/>
+                </a:solidFill>
+                <a:latin typeface="Consolas" panose="020B0609020204030204" pitchFamily="49" charset="0"/>
+              </a:rPr>
+              <a:t>);</a:t>
+            </a:r>
+          </a:p>
+        </p:txBody>
+      </p:sp>
+      <p:sp>
+        <p:nvSpPr>
+          <p:cNvPr id="9" name="Espace réservé du contenu 2">
+            <a:extLst>
+              <a:ext uri="{FF2B5EF4-FFF2-40B4-BE49-F238E27FC236}">
+                <a16:creationId xmlns:a16="http://schemas.microsoft.com/office/drawing/2014/main" id="{3EE448B2-439C-6B74-60FF-F625969C0033}"/>
+              </a:ext>
+            </a:extLst>
+          </p:cNvPr>
+          <p:cNvSpPr txBox="1">
+            <a:spLocks/>
+          </p:cNvSpPr>
+          <p:nvPr/>
+        </p:nvSpPr>
+        <p:spPr>
+          <a:xfrm>
+            <a:off x="509726" y="5665203"/>
+            <a:ext cx="10515600" cy="509202"/>
+          </a:xfrm>
+          <a:prstGeom prst="rect">
+            <a:avLst/>
+          </a:prstGeom>
+        </p:spPr>
+        <p:txBody>
+          <a:bodyPr vert="horz" lIns="91440" tIns="45720" rIns="91440" bIns="45720" rtlCol="0">
+            <a:normAutofit/>
+          </a:bodyPr>
+          <a:lstStyle>
+            <a:lvl1pPr marL="228600" indent="-228600" algn="l" defTabSz="914400" rtl="0" eaLnBrk="1" latinLnBrk="0" hangingPunct="1">
+              <a:lnSpc>
+                <a:spcPct val="90000"/>
+              </a:lnSpc>
+              <a:spcBef>
+                <a:spcPts val="1000"/>
+              </a:spcBef>
+              <a:buFont typeface="Arial" panose="020B0604020202020204" pitchFamily="34" charset="0"/>
+              <a:buChar char="•"/>
+              <a:defRPr sz="2800" kern="1200">
+                <a:solidFill>
+                  <a:schemeClr val="tx1"/>
+                </a:solidFill>
+                <a:latin typeface="+mn-lt"/>
+                <a:ea typeface="+mn-ea"/>
+                <a:cs typeface="+mn-cs"/>
+              </a:defRPr>
+            </a:lvl1pPr>
+            <a:lvl2pPr marL="685800" indent="-228600" algn="l" defTabSz="914400" rtl="0" eaLnBrk="1" latinLnBrk="0" hangingPunct="1">
+              <a:lnSpc>
+                <a:spcPct val="90000"/>
+              </a:lnSpc>
+              <a:spcBef>
+                <a:spcPts val="500"/>
+              </a:spcBef>
+              <a:buFont typeface="Arial" panose="020B0604020202020204" pitchFamily="34" charset="0"/>
+              <a:buChar char="•"/>
+              <a:defRPr sz="2400" kern="1200">
+                <a:solidFill>
+                  <a:schemeClr val="tx1"/>
+                </a:solidFill>
+                <a:latin typeface="+mn-lt"/>
+                <a:ea typeface="+mn-ea"/>
+                <a:cs typeface="+mn-cs"/>
+              </a:defRPr>
+            </a:lvl2pPr>
+            <a:lvl3pPr marL="1143000" indent="-228600" algn="l" defTabSz="914400" rtl="0" eaLnBrk="1" latinLnBrk="0" hangingPunct="1">
+              <a:lnSpc>
+                <a:spcPct val="90000"/>
+              </a:lnSpc>
+              <a:spcBef>
+                <a:spcPts val="500"/>
+              </a:spcBef>
+              <a:buFont typeface="Arial" panose="020B0604020202020204" pitchFamily="34" charset="0"/>
+              <a:buChar char="•"/>
+              <a:defRPr sz="2000" kern="1200">
+                <a:solidFill>
+                  <a:schemeClr val="tx1"/>
+                </a:solidFill>
+                <a:latin typeface="+mn-lt"/>
+                <a:ea typeface="+mn-ea"/>
+                <a:cs typeface="+mn-cs"/>
+              </a:defRPr>
+            </a:lvl3pPr>
+            <a:lvl4pPr marL="1600200" indent="-228600" algn="l" defTabSz="914400" rtl="0" eaLnBrk="1" latinLnBrk="0" hangingPunct="1">
+              <a:lnSpc>
+                <a:spcPct val="90000"/>
+              </a:lnSpc>
+              <a:spcBef>
+                <a:spcPts val="500"/>
+              </a:spcBef>
+              <a:buFont typeface="Arial" panose="020B0604020202020204" pitchFamily="34" charset="0"/>
+              <a:buChar char="•"/>
+              <a:defRPr sz="1800" kern="1200">
+                <a:solidFill>
+                  <a:schemeClr val="tx1"/>
+                </a:solidFill>
+                <a:latin typeface="+mn-lt"/>
+                <a:ea typeface="+mn-ea"/>
+                <a:cs typeface="+mn-cs"/>
+              </a:defRPr>
+            </a:lvl4pPr>
+            <a:lvl5pPr marL="2057400" indent="-228600" algn="l" defTabSz="914400" rtl="0" eaLnBrk="1" latinLnBrk="0" hangingPunct="1">
+              <a:lnSpc>
+                <a:spcPct val="90000"/>
+              </a:lnSpc>
+              <a:spcBef>
+                <a:spcPts val="500"/>
+              </a:spcBef>
+              <a:buFont typeface="Arial" panose="020B0604020202020204" pitchFamily="34" charset="0"/>
+              <a:buChar char="•"/>
+              <a:defRPr sz="1800" kern="1200">
+                <a:solidFill>
+                  <a:schemeClr val="tx1"/>
+                </a:solidFill>
+                <a:latin typeface="+mn-lt"/>
+                <a:ea typeface="+mn-ea"/>
+                <a:cs typeface="+mn-cs"/>
+              </a:defRPr>
+            </a:lvl5pPr>
+            <a:lvl6pPr marL="2514600" indent="-228600" algn="l" defTabSz="914400" rtl="0" eaLnBrk="1" latinLnBrk="0" hangingPunct="1">
+              <a:lnSpc>
+                <a:spcPct val="90000"/>
+              </a:lnSpc>
+              <a:spcBef>
+                <a:spcPts val="500"/>
+              </a:spcBef>
+              <a:buFont typeface="Arial" panose="020B0604020202020204" pitchFamily="34" charset="0"/>
+              <a:buChar char="•"/>
+              <a:defRPr sz="1800" kern="1200">
+                <a:solidFill>
+                  <a:schemeClr val="tx1"/>
+                </a:solidFill>
+                <a:latin typeface="+mn-lt"/>
+                <a:ea typeface="+mn-ea"/>
+                <a:cs typeface="+mn-cs"/>
+              </a:defRPr>
+            </a:lvl6pPr>
+            <a:lvl7pPr marL="2971800" indent="-228600" algn="l" defTabSz="914400" rtl="0" eaLnBrk="1" latinLnBrk="0" hangingPunct="1">
+              <a:lnSpc>
+                <a:spcPct val="90000"/>
+              </a:lnSpc>
+              <a:spcBef>
+                <a:spcPts val="500"/>
+              </a:spcBef>
+              <a:buFont typeface="Arial" panose="020B0604020202020204" pitchFamily="34" charset="0"/>
+              <a:buChar char="•"/>
+              <a:defRPr sz="1800" kern="1200">
+                <a:solidFill>
+                  <a:schemeClr val="tx1"/>
+                </a:solidFill>
+                <a:latin typeface="+mn-lt"/>
+                <a:ea typeface="+mn-ea"/>
+                <a:cs typeface="+mn-cs"/>
+              </a:defRPr>
+            </a:lvl7pPr>
+            <a:lvl8pPr marL="3429000" indent="-228600" algn="l" defTabSz="914400" rtl="0" eaLnBrk="1" latinLnBrk="0" hangingPunct="1">
+              <a:lnSpc>
+                <a:spcPct val="90000"/>
+              </a:lnSpc>
+              <a:spcBef>
+                <a:spcPts val="500"/>
+              </a:spcBef>
+              <a:buFont typeface="Arial" panose="020B0604020202020204" pitchFamily="34" charset="0"/>
+              <a:buChar char="•"/>
+              <a:defRPr sz="1800" kern="1200">
+                <a:solidFill>
+                  <a:schemeClr val="tx1"/>
+                </a:solidFill>
+                <a:latin typeface="+mn-lt"/>
+                <a:ea typeface="+mn-ea"/>
+                <a:cs typeface="+mn-cs"/>
+              </a:defRPr>
+            </a:lvl8pPr>
+            <a:lvl9pPr marL="3886200" indent="-228600" algn="l" defTabSz="914400" rtl="0" eaLnBrk="1" latinLnBrk="0" hangingPunct="1">
+              <a:lnSpc>
+                <a:spcPct val="90000"/>
+              </a:lnSpc>
+              <a:spcBef>
+                <a:spcPts val="500"/>
+              </a:spcBef>
+              <a:buFont typeface="Arial" panose="020B0604020202020204" pitchFamily="34" charset="0"/>
+              <a:buChar char="•"/>
+              <a:defRPr sz="1800" kern="1200">
+                <a:solidFill>
+                  <a:schemeClr val="tx1"/>
+                </a:solidFill>
+                <a:latin typeface="+mn-lt"/>
+                <a:ea typeface="+mn-ea"/>
+                <a:cs typeface="+mn-cs"/>
+              </a:defRPr>
+            </a:lvl9pPr>
+          </a:lstStyle>
+          <a:p>
+            <a:r>
+              <a:rPr lang="en-US" dirty="0"/>
+              <a:t>Time consumed : 2819 *10^-7 seconds</a:t>
+            </a:r>
+            <a:endParaRPr lang="fr-FR" dirty="0"/>
+          </a:p>
+        </p:txBody>
+      </p:sp>
+    </p:spTree>
+    <p:extLst>
+      <p:ext uri="{BB962C8B-B14F-4D97-AF65-F5344CB8AC3E}">
+        <p14:creationId xmlns:p14="http://schemas.microsoft.com/office/powerpoint/2010/main" val="2599220226"/>
+      </p:ext>
+    </p:extLst>
+  </p:cSld>
+  <p:clrMapOvr>
+    <a:masterClrMapping/>
+  </p:clrMapOvr>
+</p:sld>
+</file>
+
+<file path=ppt/slides/slide12.xml><?xml version="1.0" encoding="utf-8"?>
+<p:sld xmlns:a="http://schemas.openxmlformats.org/drawingml/2006/main" xmlns:r="http://schemas.openxmlformats.org/officeDocument/2006/relationships" xmlns:p="http://schemas.openxmlformats.org/presentationml/2006/main">
+  <p:cSld>
+    <p:spTree>
+      <p:nvGrpSpPr>
+        <p:cNvPr id="1" name=""/>
+        <p:cNvGrpSpPr/>
+        <p:nvPr/>
+      </p:nvGrpSpPr>
+      <p:grpSpPr>
+        <a:xfrm>
+          <a:off x="0" y="0"/>
+          <a:ext cx="0" cy="0"/>
+          <a:chOff x="0" y="0"/>
+          <a:chExt cx="0" cy="0"/>
+        </a:xfrm>
+      </p:grpSpPr>
+      <p:sp>
+        <p:nvSpPr>
+          <p:cNvPr id="4" name="Titre 1">
+            <a:extLst>
+              <a:ext uri="{FF2B5EF4-FFF2-40B4-BE49-F238E27FC236}">
+                <a16:creationId xmlns:a16="http://schemas.microsoft.com/office/drawing/2014/main" id="{3E54DD51-06D8-54A7-1641-2187A02CEB77}"/>
+              </a:ext>
+            </a:extLst>
+          </p:cNvPr>
+          <p:cNvSpPr txBox="1">
+            <a:spLocks/>
+          </p:cNvSpPr>
+          <p:nvPr/>
+        </p:nvSpPr>
+        <p:spPr>
+          <a:xfrm>
+            <a:off x="562992" y="412011"/>
+            <a:ext cx="10515600" cy="848618"/>
+          </a:xfrm>
+          <a:prstGeom prst="rect">
+            <a:avLst/>
+          </a:prstGeom>
+        </p:spPr>
+        <p:txBody>
+          <a:bodyPr vert="horz" lIns="91440" tIns="45720" rIns="91440" bIns="45720" rtlCol="0" anchor="ctr">
+            <a:normAutofit/>
+          </a:bodyPr>
+          <a:lstStyle>
+            <a:lvl1pPr algn="l" defTabSz="914400" rtl="0" eaLnBrk="1" latinLnBrk="0" hangingPunct="1">
+              <a:lnSpc>
+                <a:spcPct val="90000"/>
+              </a:lnSpc>
+              <a:spcBef>
+                <a:spcPct val="0"/>
+              </a:spcBef>
+              <a:buNone/>
+              <a:defRPr sz="4400" kern="1200">
+                <a:solidFill>
+                  <a:schemeClr val="tx1"/>
+                </a:solidFill>
+                <a:latin typeface="+mj-lt"/>
+                <a:ea typeface="+mj-ea"/>
+                <a:cs typeface="+mj-cs"/>
+              </a:defRPr>
+            </a:lvl1pPr>
+          </a:lstStyle>
+          <a:p>
+            <a:r>
+              <a:rPr lang="fr-FR" sz="3700" dirty="0"/>
+              <a:t>Test sur : </a:t>
+            </a:r>
+            <a:r>
+              <a:rPr lang="fr-FR" sz="1700" dirty="0">
+                <a:solidFill>
+                  <a:srgbClr val="000000"/>
+                </a:solidFill>
+                <a:latin typeface="Consolas" panose="020B0609020204030204" pitchFamily="49" charset="0"/>
+              </a:rPr>
+              <a:t>__HAL_UART_CLEAR_OREFLAG(&amp;huart2);</a:t>
+            </a:r>
+            <a:endParaRPr lang="fr-FR" sz="4000" dirty="0">
+              <a:solidFill>
+                <a:srgbClr val="000000"/>
+              </a:solidFill>
+              <a:latin typeface="Consolas" panose="020B0609020204030204" pitchFamily="49" charset="0"/>
+            </a:endParaRPr>
+          </a:p>
+        </p:txBody>
+      </p:sp>
+      <p:sp>
+        <p:nvSpPr>
+          <p:cNvPr id="5" name="Espace réservé du contenu 2">
+            <a:extLst>
+              <a:ext uri="{FF2B5EF4-FFF2-40B4-BE49-F238E27FC236}">
+                <a16:creationId xmlns:a16="http://schemas.microsoft.com/office/drawing/2014/main" id="{BBCA02A5-839E-14DA-229C-07087AA9BB39}"/>
+              </a:ext>
+            </a:extLst>
+          </p:cNvPr>
+          <p:cNvSpPr txBox="1">
+            <a:spLocks/>
+          </p:cNvSpPr>
+          <p:nvPr/>
+        </p:nvSpPr>
+        <p:spPr>
+          <a:xfrm>
+            <a:off x="562992" y="1501576"/>
+            <a:ext cx="10515600" cy="509202"/>
+          </a:xfrm>
+          <a:prstGeom prst="rect">
+            <a:avLst/>
+          </a:prstGeom>
+        </p:spPr>
+        <p:txBody>
+          <a:bodyPr vert="horz" lIns="91440" tIns="45720" rIns="91440" bIns="45720" rtlCol="0">
+            <a:normAutofit/>
+          </a:bodyPr>
+          <a:lstStyle>
+            <a:lvl1pPr marL="228600" indent="-228600" algn="l" defTabSz="914400" rtl="0" eaLnBrk="1" latinLnBrk="0" hangingPunct="1">
+              <a:lnSpc>
+                <a:spcPct val="90000"/>
+              </a:lnSpc>
+              <a:spcBef>
+                <a:spcPts val="1000"/>
+              </a:spcBef>
+              <a:buFont typeface="Arial" panose="020B0604020202020204" pitchFamily="34" charset="0"/>
+              <a:buChar char="•"/>
+              <a:defRPr sz="2800" kern="1200">
+                <a:solidFill>
+                  <a:schemeClr val="tx1"/>
+                </a:solidFill>
+                <a:latin typeface="+mn-lt"/>
+                <a:ea typeface="+mn-ea"/>
+                <a:cs typeface="+mn-cs"/>
+              </a:defRPr>
+            </a:lvl1pPr>
+            <a:lvl2pPr marL="685800" indent="-228600" algn="l" defTabSz="914400" rtl="0" eaLnBrk="1" latinLnBrk="0" hangingPunct="1">
+              <a:lnSpc>
+                <a:spcPct val="90000"/>
+              </a:lnSpc>
+              <a:spcBef>
+                <a:spcPts val="500"/>
+              </a:spcBef>
+              <a:buFont typeface="Arial" panose="020B0604020202020204" pitchFamily="34" charset="0"/>
+              <a:buChar char="•"/>
+              <a:defRPr sz="2400" kern="1200">
+                <a:solidFill>
+                  <a:schemeClr val="tx1"/>
+                </a:solidFill>
+                <a:latin typeface="+mn-lt"/>
+                <a:ea typeface="+mn-ea"/>
+                <a:cs typeface="+mn-cs"/>
+              </a:defRPr>
+            </a:lvl2pPr>
+            <a:lvl3pPr marL="1143000" indent="-228600" algn="l" defTabSz="914400" rtl="0" eaLnBrk="1" latinLnBrk="0" hangingPunct="1">
+              <a:lnSpc>
+                <a:spcPct val="90000"/>
+              </a:lnSpc>
+              <a:spcBef>
+                <a:spcPts val="500"/>
+              </a:spcBef>
+              <a:buFont typeface="Arial" panose="020B0604020202020204" pitchFamily="34" charset="0"/>
+              <a:buChar char="•"/>
+              <a:defRPr sz="2000" kern="1200">
+                <a:solidFill>
+                  <a:schemeClr val="tx1"/>
+                </a:solidFill>
+                <a:latin typeface="+mn-lt"/>
+                <a:ea typeface="+mn-ea"/>
+                <a:cs typeface="+mn-cs"/>
+              </a:defRPr>
+            </a:lvl3pPr>
+            <a:lvl4pPr marL="1600200" indent="-228600" algn="l" defTabSz="914400" rtl="0" eaLnBrk="1" latinLnBrk="0" hangingPunct="1">
+              <a:lnSpc>
+                <a:spcPct val="90000"/>
+              </a:lnSpc>
+              <a:spcBef>
+                <a:spcPts val="500"/>
+              </a:spcBef>
+              <a:buFont typeface="Arial" panose="020B0604020202020204" pitchFamily="34" charset="0"/>
+              <a:buChar char="•"/>
+              <a:defRPr sz="1800" kern="1200">
+                <a:solidFill>
+                  <a:schemeClr val="tx1"/>
+                </a:solidFill>
+                <a:latin typeface="+mn-lt"/>
+                <a:ea typeface="+mn-ea"/>
+                <a:cs typeface="+mn-cs"/>
+              </a:defRPr>
+            </a:lvl4pPr>
+            <a:lvl5pPr marL="2057400" indent="-228600" algn="l" defTabSz="914400" rtl="0" eaLnBrk="1" latinLnBrk="0" hangingPunct="1">
+              <a:lnSpc>
+                <a:spcPct val="90000"/>
+              </a:lnSpc>
+              <a:spcBef>
+                <a:spcPts val="500"/>
+              </a:spcBef>
+              <a:buFont typeface="Arial" panose="020B0604020202020204" pitchFamily="34" charset="0"/>
+              <a:buChar char="•"/>
+              <a:defRPr sz="1800" kern="1200">
+                <a:solidFill>
+                  <a:schemeClr val="tx1"/>
+                </a:solidFill>
+                <a:latin typeface="+mn-lt"/>
+                <a:ea typeface="+mn-ea"/>
+                <a:cs typeface="+mn-cs"/>
+              </a:defRPr>
+            </a:lvl5pPr>
+            <a:lvl6pPr marL="2514600" indent="-228600" algn="l" defTabSz="914400" rtl="0" eaLnBrk="1" latinLnBrk="0" hangingPunct="1">
+              <a:lnSpc>
+                <a:spcPct val="90000"/>
+              </a:lnSpc>
+              <a:spcBef>
+                <a:spcPts val="500"/>
+              </a:spcBef>
+              <a:buFont typeface="Arial" panose="020B0604020202020204" pitchFamily="34" charset="0"/>
+              <a:buChar char="•"/>
+              <a:defRPr sz="1800" kern="1200">
+                <a:solidFill>
+                  <a:schemeClr val="tx1"/>
+                </a:solidFill>
+                <a:latin typeface="+mn-lt"/>
+                <a:ea typeface="+mn-ea"/>
+                <a:cs typeface="+mn-cs"/>
+              </a:defRPr>
+            </a:lvl6pPr>
+            <a:lvl7pPr marL="2971800" indent="-228600" algn="l" defTabSz="914400" rtl="0" eaLnBrk="1" latinLnBrk="0" hangingPunct="1">
+              <a:lnSpc>
+                <a:spcPct val="90000"/>
+              </a:lnSpc>
+              <a:spcBef>
+                <a:spcPts val="500"/>
+              </a:spcBef>
+              <a:buFont typeface="Arial" panose="020B0604020202020204" pitchFamily="34" charset="0"/>
+              <a:buChar char="•"/>
+              <a:defRPr sz="1800" kern="1200">
+                <a:solidFill>
+                  <a:schemeClr val="tx1"/>
+                </a:solidFill>
+                <a:latin typeface="+mn-lt"/>
+                <a:ea typeface="+mn-ea"/>
+                <a:cs typeface="+mn-cs"/>
+              </a:defRPr>
+            </a:lvl7pPr>
+            <a:lvl8pPr marL="3429000" indent="-228600" algn="l" defTabSz="914400" rtl="0" eaLnBrk="1" latinLnBrk="0" hangingPunct="1">
+              <a:lnSpc>
+                <a:spcPct val="90000"/>
+              </a:lnSpc>
+              <a:spcBef>
+                <a:spcPts val="500"/>
+              </a:spcBef>
+              <a:buFont typeface="Arial" panose="020B0604020202020204" pitchFamily="34" charset="0"/>
+              <a:buChar char="•"/>
+              <a:defRPr sz="1800" kern="1200">
+                <a:solidFill>
+                  <a:schemeClr val="tx1"/>
+                </a:solidFill>
+                <a:latin typeface="+mn-lt"/>
+                <a:ea typeface="+mn-ea"/>
+                <a:cs typeface="+mn-cs"/>
+              </a:defRPr>
+            </a:lvl8pPr>
+            <a:lvl9pPr marL="3886200" indent="-228600" algn="l" defTabSz="914400" rtl="0" eaLnBrk="1" latinLnBrk="0" hangingPunct="1">
+              <a:lnSpc>
+                <a:spcPct val="90000"/>
+              </a:lnSpc>
+              <a:spcBef>
+                <a:spcPts val="500"/>
+              </a:spcBef>
+              <a:buFont typeface="Arial" panose="020B0604020202020204" pitchFamily="34" charset="0"/>
+              <a:buChar char="•"/>
+              <a:defRPr sz="1800" kern="1200">
+                <a:solidFill>
+                  <a:schemeClr val="tx1"/>
+                </a:solidFill>
+                <a:latin typeface="+mn-lt"/>
+                <a:ea typeface="+mn-ea"/>
+                <a:cs typeface="+mn-cs"/>
+              </a:defRPr>
+            </a:lvl9pPr>
+          </a:lstStyle>
+          <a:p>
+            <a:r>
+              <a:rPr lang="en-US" dirty="0"/>
+              <a:t>Time consumed : 1 *10^-7 seconds</a:t>
+            </a:r>
+            <a:endParaRPr lang="fr-FR" dirty="0"/>
+          </a:p>
+        </p:txBody>
+      </p:sp>
+    </p:spTree>
+    <p:extLst>
+      <p:ext uri="{BB962C8B-B14F-4D97-AF65-F5344CB8AC3E}">
+        <p14:creationId xmlns:p14="http://schemas.microsoft.com/office/powerpoint/2010/main" val="2943655119"/>
+      </p:ext>
+    </p:extLst>
+  </p:cSld>
+  <p:clrMapOvr>
+    <a:masterClrMapping/>
+  </p:clrMapOvr>
+</p:sld>
+</file>
+
+<file path=ppt/slides/slide13.xml><?xml version="1.0" encoding="utf-8"?>
+<p:sld xmlns:a="http://schemas.openxmlformats.org/drawingml/2006/main" xmlns:r="http://schemas.openxmlformats.org/officeDocument/2006/relationships" xmlns:p="http://schemas.openxmlformats.org/presentationml/2006/main">
+  <p:cSld>
+    <p:spTree>
+      <p:nvGrpSpPr>
+        <p:cNvPr id="1" name=""/>
+        <p:cNvGrpSpPr/>
+        <p:nvPr/>
+      </p:nvGrpSpPr>
+      <p:grpSpPr>
+        <a:xfrm>
+          <a:off x="0" y="0"/>
+          <a:ext cx="0" cy="0"/>
+          <a:chOff x="0" y="0"/>
+          <a:chExt cx="0" cy="0"/>
+        </a:xfrm>
+      </p:grpSpPr>
+      <p:sp>
+        <p:nvSpPr>
+          <p:cNvPr id="4" name="Titre 1">
+            <a:extLst>
+              <a:ext uri="{FF2B5EF4-FFF2-40B4-BE49-F238E27FC236}">
+                <a16:creationId xmlns:a16="http://schemas.microsoft.com/office/drawing/2014/main" id="{7B415D7D-B655-9C3D-D2DC-21724D5E44D7}"/>
+              </a:ext>
+            </a:extLst>
+          </p:cNvPr>
+          <p:cNvSpPr txBox="1">
+            <a:spLocks/>
+          </p:cNvSpPr>
+          <p:nvPr/>
+        </p:nvSpPr>
+        <p:spPr>
+          <a:xfrm>
+            <a:off x="509726" y="135785"/>
+            <a:ext cx="10515600" cy="1932711"/>
+          </a:xfrm>
+          <a:prstGeom prst="rect">
+            <a:avLst/>
+          </a:prstGeom>
+        </p:spPr>
+        <p:txBody>
+          <a:bodyPr vert="horz" lIns="91440" tIns="45720" rIns="91440" bIns="45720" rtlCol="0" anchor="ctr">
+            <a:normAutofit/>
+          </a:bodyPr>
+          <a:lstStyle>
+            <a:lvl1pPr algn="l" defTabSz="914400" rtl="0" eaLnBrk="1" latinLnBrk="0" hangingPunct="1">
+              <a:lnSpc>
+                <a:spcPct val="90000"/>
+              </a:lnSpc>
+              <a:spcBef>
+                <a:spcPct val="0"/>
+              </a:spcBef>
+              <a:buNone/>
+              <a:defRPr sz="4400" kern="1200">
+                <a:solidFill>
+                  <a:schemeClr val="tx1"/>
+                </a:solidFill>
+                <a:latin typeface="+mj-lt"/>
+                <a:ea typeface="+mj-ea"/>
+                <a:cs typeface="+mj-cs"/>
+              </a:defRPr>
+            </a:lvl1pPr>
+          </a:lstStyle>
+          <a:p>
+            <a:pPr algn="l"/>
+            <a:r>
+              <a:rPr lang="fr-FR" dirty="0"/>
+              <a:t>Test sur : </a:t>
+            </a:r>
+          </a:p>
+          <a:p>
+            <a:pPr algn="l"/>
+            <a:r>
+              <a:rPr lang="en-US" sz="1800" b="1" dirty="0">
+                <a:solidFill>
+                  <a:srgbClr val="7F0055"/>
+                </a:solidFill>
+                <a:latin typeface="Consolas" panose="020B0609020204030204" pitchFamily="49" charset="0"/>
+              </a:rPr>
+              <a:t>if</a:t>
+            </a:r>
+            <a:r>
+              <a:rPr lang="en-US" sz="1800" b="1" dirty="0">
+                <a:solidFill>
+                  <a:srgbClr val="000000"/>
+                </a:solidFill>
+                <a:latin typeface="Consolas" panose="020B0609020204030204" pitchFamily="49" charset="0"/>
+              </a:rPr>
+              <a:t> (</a:t>
+            </a:r>
+            <a:r>
+              <a:rPr lang="en-US" sz="1800" b="1" dirty="0" err="1">
+                <a:solidFill>
+                  <a:srgbClr val="000000"/>
+                </a:solidFill>
+                <a:latin typeface="Consolas" panose="020B0609020204030204" pitchFamily="49" charset="0"/>
+              </a:rPr>
+              <a:t>HAL_UART_Receive</a:t>
+            </a:r>
+            <a:r>
+              <a:rPr lang="en-US" sz="1800" b="1" dirty="0">
+                <a:solidFill>
+                  <a:srgbClr val="000000"/>
+                </a:solidFill>
+                <a:latin typeface="Consolas" panose="020B0609020204030204" pitchFamily="49" charset="0"/>
+              </a:rPr>
+              <a:t>(&amp;huart2, (</a:t>
+            </a:r>
+            <a:r>
+              <a:rPr lang="en-US" sz="1800" b="1" dirty="0">
+                <a:solidFill>
+                  <a:srgbClr val="005032"/>
+                </a:solidFill>
+                <a:latin typeface="Consolas" panose="020B0609020204030204" pitchFamily="49" charset="0"/>
+              </a:rPr>
+              <a:t>uint8_t</a:t>
+            </a:r>
+            <a:r>
+              <a:rPr lang="en-US" sz="1800" b="1" dirty="0">
+                <a:solidFill>
+                  <a:srgbClr val="000000"/>
+                </a:solidFill>
+                <a:latin typeface="Consolas" panose="020B0609020204030204" pitchFamily="49" charset="0"/>
+              </a:rPr>
+              <a:t>*) </a:t>
+            </a:r>
+            <a:r>
+              <a:rPr lang="en-US" sz="1800" b="1" dirty="0" err="1">
+                <a:solidFill>
+                  <a:srgbClr val="000000"/>
+                </a:solidFill>
+                <a:latin typeface="Consolas" panose="020B0609020204030204" pitchFamily="49" charset="0"/>
+              </a:rPr>
+              <a:t>r_buffer</a:t>
+            </a:r>
+            <a:r>
+              <a:rPr lang="en-US" sz="1800" b="1" dirty="0">
+                <a:solidFill>
+                  <a:srgbClr val="000000"/>
+                </a:solidFill>
+                <a:latin typeface="Consolas" panose="020B0609020204030204" pitchFamily="49" charset="0"/>
+              </a:rPr>
+              <a:t>, 1, 10) == </a:t>
+            </a:r>
+            <a:r>
+              <a:rPr lang="en-US" sz="1800" b="1" i="1" dirty="0">
+                <a:solidFill>
+                  <a:srgbClr val="0000C0"/>
+                </a:solidFill>
+                <a:latin typeface="Consolas" panose="020B0609020204030204" pitchFamily="49" charset="0"/>
+              </a:rPr>
+              <a:t>HAL_OK</a:t>
+            </a:r>
+            <a:r>
+              <a:rPr lang="en-US" sz="1800" b="1" i="1" dirty="0">
+                <a:solidFill>
+                  <a:srgbClr val="000000"/>
+                </a:solidFill>
+                <a:latin typeface="Consolas" panose="020B0609020204030204" pitchFamily="49" charset="0"/>
+              </a:rPr>
+              <a:t>) {</a:t>
+            </a:r>
+          </a:p>
+          <a:p>
+            <a:pPr algn="l"/>
+            <a:r>
+              <a:rPr lang="fr-FR" sz="1800" dirty="0">
+                <a:solidFill>
+                  <a:srgbClr val="000000"/>
+                </a:solidFill>
+                <a:latin typeface="Consolas" panose="020B0609020204030204" pitchFamily="49" charset="0"/>
+              </a:rPr>
+              <a:t>} </a:t>
+            </a:r>
+            <a:r>
+              <a:rPr lang="fr-FR" sz="1800" b="1" dirty="0" err="1">
+                <a:solidFill>
+                  <a:srgbClr val="7F0055"/>
+                </a:solidFill>
+                <a:latin typeface="Consolas" panose="020B0609020204030204" pitchFamily="49" charset="0"/>
+              </a:rPr>
+              <a:t>else</a:t>
+            </a:r>
+            <a:r>
+              <a:rPr lang="fr-FR" sz="1800" b="1" dirty="0">
+                <a:solidFill>
+                  <a:srgbClr val="000000"/>
+                </a:solidFill>
+                <a:latin typeface="Consolas" panose="020B0609020204030204" pitchFamily="49" charset="0"/>
+              </a:rPr>
+              <a:t> {</a:t>
+            </a:r>
+          </a:p>
+          <a:p>
+            <a:pPr algn="l"/>
+            <a:r>
+              <a:rPr lang="fr-FR" sz="1800" dirty="0">
+                <a:solidFill>
+                  <a:srgbClr val="000000"/>
+                </a:solidFill>
+                <a:latin typeface="Consolas" panose="020B0609020204030204" pitchFamily="49" charset="0"/>
+              </a:rPr>
+              <a:t>__HAL_UART_CLEAR_OREFLAG(&amp;huart2);</a:t>
+            </a:r>
+          </a:p>
+          <a:p>
+            <a:pPr algn="l"/>
+            <a:r>
+              <a:rPr lang="fr-FR" sz="1800" dirty="0">
+                <a:solidFill>
+                  <a:srgbClr val="000000"/>
+                </a:solidFill>
+                <a:latin typeface="Consolas" panose="020B0609020204030204" pitchFamily="49" charset="0"/>
+              </a:rPr>
+              <a:t>}</a:t>
+            </a:r>
+            <a:endParaRPr lang="fr-FR" dirty="0"/>
+          </a:p>
+        </p:txBody>
+      </p:sp>
+      <p:sp>
+        <p:nvSpPr>
+          <p:cNvPr id="5" name="Espace réservé du contenu 2">
+            <a:extLst>
+              <a:ext uri="{FF2B5EF4-FFF2-40B4-BE49-F238E27FC236}">
+                <a16:creationId xmlns:a16="http://schemas.microsoft.com/office/drawing/2014/main" id="{4E721CE8-E81C-4D77-ED98-554CDE57EE32}"/>
+              </a:ext>
+            </a:extLst>
+          </p:cNvPr>
+          <p:cNvSpPr txBox="1">
+            <a:spLocks/>
+          </p:cNvSpPr>
+          <p:nvPr/>
+        </p:nvSpPr>
+        <p:spPr>
+          <a:xfrm>
+            <a:off x="509726" y="1970844"/>
+            <a:ext cx="10515600" cy="509202"/>
+          </a:xfrm>
+          <a:prstGeom prst="rect">
+            <a:avLst/>
+          </a:prstGeom>
+        </p:spPr>
+        <p:txBody>
+          <a:bodyPr vert="horz" lIns="91440" tIns="45720" rIns="91440" bIns="45720" rtlCol="0">
+            <a:normAutofit/>
+          </a:bodyPr>
+          <a:lstStyle>
+            <a:lvl1pPr marL="228600" indent="-228600" algn="l" defTabSz="914400" rtl="0" eaLnBrk="1" latinLnBrk="0" hangingPunct="1">
+              <a:lnSpc>
+                <a:spcPct val="90000"/>
+              </a:lnSpc>
+              <a:spcBef>
+                <a:spcPts val="1000"/>
+              </a:spcBef>
+              <a:buFont typeface="Arial" panose="020B0604020202020204" pitchFamily="34" charset="0"/>
+              <a:buChar char="•"/>
+              <a:defRPr sz="2800" kern="1200">
+                <a:solidFill>
+                  <a:schemeClr val="tx1"/>
+                </a:solidFill>
+                <a:latin typeface="+mn-lt"/>
+                <a:ea typeface="+mn-ea"/>
+                <a:cs typeface="+mn-cs"/>
+              </a:defRPr>
+            </a:lvl1pPr>
+            <a:lvl2pPr marL="685800" indent="-228600" algn="l" defTabSz="914400" rtl="0" eaLnBrk="1" latinLnBrk="0" hangingPunct="1">
+              <a:lnSpc>
+                <a:spcPct val="90000"/>
+              </a:lnSpc>
+              <a:spcBef>
+                <a:spcPts val="500"/>
+              </a:spcBef>
+              <a:buFont typeface="Arial" panose="020B0604020202020204" pitchFamily="34" charset="0"/>
+              <a:buChar char="•"/>
+              <a:defRPr sz="2400" kern="1200">
+                <a:solidFill>
+                  <a:schemeClr val="tx1"/>
+                </a:solidFill>
+                <a:latin typeface="+mn-lt"/>
+                <a:ea typeface="+mn-ea"/>
+                <a:cs typeface="+mn-cs"/>
+              </a:defRPr>
+            </a:lvl2pPr>
+            <a:lvl3pPr marL="1143000" indent="-228600" algn="l" defTabSz="914400" rtl="0" eaLnBrk="1" latinLnBrk="0" hangingPunct="1">
+              <a:lnSpc>
+                <a:spcPct val="90000"/>
+              </a:lnSpc>
+              <a:spcBef>
+                <a:spcPts val="500"/>
+              </a:spcBef>
+              <a:buFont typeface="Arial" panose="020B0604020202020204" pitchFamily="34" charset="0"/>
+              <a:buChar char="•"/>
+              <a:defRPr sz="2000" kern="1200">
+                <a:solidFill>
+                  <a:schemeClr val="tx1"/>
+                </a:solidFill>
+                <a:latin typeface="+mn-lt"/>
+                <a:ea typeface="+mn-ea"/>
+                <a:cs typeface="+mn-cs"/>
+              </a:defRPr>
+            </a:lvl3pPr>
+            <a:lvl4pPr marL="1600200" indent="-228600" algn="l" defTabSz="914400" rtl="0" eaLnBrk="1" latinLnBrk="0" hangingPunct="1">
+              <a:lnSpc>
+                <a:spcPct val="90000"/>
+              </a:lnSpc>
+              <a:spcBef>
+                <a:spcPts val="500"/>
+              </a:spcBef>
+              <a:buFont typeface="Arial" panose="020B0604020202020204" pitchFamily="34" charset="0"/>
+              <a:buChar char="•"/>
+              <a:defRPr sz="1800" kern="1200">
+                <a:solidFill>
+                  <a:schemeClr val="tx1"/>
+                </a:solidFill>
+                <a:latin typeface="+mn-lt"/>
+                <a:ea typeface="+mn-ea"/>
+                <a:cs typeface="+mn-cs"/>
+              </a:defRPr>
+            </a:lvl4pPr>
+            <a:lvl5pPr marL="2057400" indent="-228600" algn="l" defTabSz="914400" rtl="0" eaLnBrk="1" latinLnBrk="0" hangingPunct="1">
+              <a:lnSpc>
+                <a:spcPct val="90000"/>
+              </a:lnSpc>
+              <a:spcBef>
+                <a:spcPts val="500"/>
+              </a:spcBef>
+              <a:buFont typeface="Arial" panose="020B0604020202020204" pitchFamily="34" charset="0"/>
+              <a:buChar char="•"/>
+              <a:defRPr sz="1800" kern="1200">
+                <a:solidFill>
+                  <a:schemeClr val="tx1"/>
+                </a:solidFill>
+                <a:latin typeface="+mn-lt"/>
+                <a:ea typeface="+mn-ea"/>
+                <a:cs typeface="+mn-cs"/>
+              </a:defRPr>
+            </a:lvl5pPr>
+            <a:lvl6pPr marL="2514600" indent="-228600" algn="l" defTabSz="914400" rtl="0" eaLnBrk="1" latinLnBrk="0" hangingPunct="1">
+              <a:lnSpc>
+                <a:spcPct val="90000"/>
+              </a:lnSpc>
+              <a:spcBef>
+                <a:spcPts val="500"/>
+              </a:spcBef>
+              <a:buFont typeface="Arial" panose="020B0604020202020204" pitchFamily="34" charset="0"/>
+              <a:buChar char="•"/>
+              <a:defRPr sz="1800" kern="1200">
+                <a:solidFill>
+                  <a:schemeClr val="tx1"/>
+                </a:solidFill>
+                <a:latin typeface="+mn-lt"/>
+                <a:ea typeface="+mn-ea"/>
+                <a:cs typeface="+mn-cs"/>
+              </a:defRPr>
+            </a:lvl6pPr>
+            <a:lvl7pPr marL="2971800" indent="-228600" algn="l" defTabSz="914400" rtl="0" eaLnBrk="1" latinLnBrk="0" hangingPunct="1">
+              <a:lnSpc>
+                <a:spcPct val="90000"/>
+              </a:lnSpc>
+              <a:spcBef>
+                <a:spcPts val="500"/>
+              </a:spcBef>
+              <a:buFont typeface="Arial" panose="020B0604020202020204" pitchFamily="34" charset="0"/>
+              <a:buChar char="•"/>
+              <a:defRPr sz="1800" kern="1200">
+                <a:solidFill>
+                  <a:schemeClr val="tx1"/>
+                </a:solidFill>
+                <a:latin typeface="+mn-lt"/>
+                <a:ea typeface="+mn-ea"/>
+                <a:cs typeface="+mn-cs"/>
+              </a:defRPr>
+            </a:lvl7pPr>
+            <a:lvl8pPr marL="3429000" indent="-228600" algn="l" defTabSz="914400" rtl="0" eaLnBrk="1" latinLnBrk="0" hangingPunct="1">
+              <a:lnSpc>
+                <a:spcPct val="90000"/>
+              </a:lnSpc>
+              <a:spcBef>
+                <a:spcPts val="500"/>
+              </a:spcBef>
+              <a:buFont typeface="Arial" panose="020B0604020202020204" pitchFamily="34" charset="0"/>
+              <a:buChar char="•"/>
+              <a:defRPr sz="1800" kern="1200">
+                <a:solidFill>
+                  <a:schemeClr val="tx1"/>
+                </a:solidFill>
+                <a:latin typeface="+mn-lt"/>
+                <a:ea typeface="+mn-ea"/>
+                <a:cs typeface="+mn-cs"/>
+              </a:defRPr>
+            </a:lvl8pPr>
+            <a:lvl9pPr marL="3886200" indent="-228600" algn="l" defTabSz="914400" rtl="0" eaLnBrk="1" latinLnBrk="0" hangingPunct="1">
+              <a:lnSpc>
+                <a:spcPct val="90000"/>
+              </a:lnSpc>
+              <a:spcBef>
+                <a:spcPts val="500"/>
+              </a:spcBef>
+              <a:buFont typeface="Arial" panose="020B0604020202020204" pitchFamily="34" charset="0"/>
+              <a:buChar char="•"/>
+              <a:defRPr sz="1800" kern="1200">
+                <a:solidFill>
+                  <a:schemeClr val="tx1"/>
+                </a:solidFill>
+                <a:latin typeface="+mn-lt"/>
+                <a:ea typeface="+mn-ea"/>
+                <a:cs typeface="+mn-cs"/>
+              </a:defRPr>
+            </a:lvl9pPr>
+          </a:lstStyle>
+          <a:p>
+            <a:r>
+              <a:rPr lang="en-US" dirty="0"/>
+              <a:t>Time consumed : 110011 *10^-7 seconds</a:t>
+            </a:r>
+            <a:endParaRPr lang="fr-FR" dirty="0"/>
+          </a:p>
+        </p:txBody>
+      </p:sp>
+      <p:sp>
+        <p:nvSpPr>
+          <p:cNvPr id="6" name="Titre 1">
+            <a:extLst>
+              <a:ext uri="{FF2B5EF4-FFF2-40B4-BE49-F238E27FC236}">
+                <a16:creationId xmlns:a16="http://schemas.microsoft.com/office/drawing/2014/main" id="{D6FCCA43-0902-42BA-ED2E-F42E1CD1DA96}"/>
+              </a:ext>
+            </a:extLst>
+          </p:cNvPr>
+          <p:cNvSpPr txBox="1">
+            <a:spLocks/>
+          </p:cNvSpPr>
+          <p:nvPr/>
+        </p:nvSpPr>
+        <p:spPr>
+          <a:xfrm>
+            <a:off x="509726" y="2480046"/>
+            <a:ext cx="10515600" cy="1932711"/>
+          </a:xfrm>
+          <a:prstGeom prst="rect">
+            <a:avLst/>
+          </a:prstGeom>
+        </p:spPr>
+        <p:txBody>
+          <a:bodyPr vert="horz" lIns="91440" tIns="45720" rIns="91440" bIns="45720" rtlCol="0" anchor="ctr">
+            <a:normAutofit/>
+          </a:bodyPr>
+          <a:lstStyle>
+            <a:lvl1pPr algn="l" defTabSz="914400" rtl="0" eaLnBrk="1" latinLnBrk="0" hangingPunct="1">
+              <a:lnSpc>
+                <a:spcPct val="90000"/>
+              </a:lnSpc>
+              <a:spcBef>
+                <a:spcPct val="0"/>
+              </a:spcBef>
+              <a:buNone/>
+              <a:defRPr sz="4400" kern="1200">
+                <a:solidFill>
+                  <a:schemeClr val="tx1"/>
+                </a:solidFill>
+                <a:latin typeface="+mj-lt"/>
+                <a:ea typeface="+mj-ea"/>
+                <a:cs typeface="+mj-cs"/>
+              </a:defRPr>
+            </a:lvl1pPr>
+          </a:lstStyle>
+          <a:p>
+            <a:pPr algn="l"/>
+            <a:r>
+              <a:rPr lang="fr-FR" dirty="0"/>
+              <a:t>Test sur : </a:t>
+            </a:r>
+          </a:p>
+          <a:p>
+            <a:pPr algn="l"/>
+            <a:r>
+              <a:rPr lang="en-US" sz="1800" b="1" dirty="0">
+                <a:solidFill>
+                  <a:srgbClr val="7F0055"/>
+                </a:solidFill>
+                <a:latin typeface="Consolas" panose="020B0609020204030204" pitchFamily="49" charset="0"/>
+              </a:rPr>
+              <a:t>if</a:t>
+            </a:r>
+            <a:r>
+              <a:rPr lang="en-US" sz="1800" b="1" dirty="0">
+                <a:solidFill>
+                  <a:srgbClr val="000000"/>
+                </a:solidFill>
+                <a:latin typeface="Consolas" panose="020B0609020204030204" pitchFamily="49" charset="0"/>
+              </a:rPr>
+              <a:t> (</a:t>
+            </a:r>
+            <a:r>
+              <a:rPr lang="en-US" sz="1800" b="1" dirty="0" err="1">
+                <a:solidFill>
+                  <a:srgbClr val="000000"/>
+                </a:solidFill>
+                <a:latin typeface="Consolas" panose="020B0609020204030204" pitchFamily="49" charset="0"/>
+              </a:rPr>
+              <a:t>HAL_UART_Receive</a:t>
+            </a:r>
+            <a:r>
+              <a:rPr lang="en-US" sz="1800" b="1" dirty="0">
+                <a:solidFill>
+                  <a:srgbClr val="000000"/>
+                </a:solidFill>
+                <a:latin typeface="Consolas" panose="020B0609020204030204" pitchFamily="49" charset="0"/>
+              </a:rPr>
+              <a:t>(&amp;huart2, (</a:t>
+            </a:r>
+            <a:r>
+              <a:rPr lang="en-US" sz="1800" b="1" dirty="0">
+                <a:solidFill>
+                  <a:srgbClr val="005032"/>
+                </a:solidFill>
+                <a:latin typeface="Consolas" panose="020B0609020204030204" pitchFamily="49" charset="0"/>
+              </a:rPr>
+              <a:t>uint8_t</a:t>
+            </a:r>
+            <a:r>
+              <a:rPr lang="en-US" sz="1800" b="1" dirty="0">
+                <a:solidFill>
+                  <a:srgbClr val="000000"/>
+                </a:solidFill>
+                <a:latin typeface="Consolas" panose="020B0609020204030204" pitchFamily="49" charset="0"/>
+              </a:rPr>
+              <a:t>*) </a:t>
+            </a:r>
+            <a:r>
+              <a:rPr lang="en-US" sz="1800" b="1" dirty="0" err="1">
+                <a:solidFill>
+                  <a:srgbClr val="000000"/>
+                </a:solidFill>
+                <a:latin typeface="Consolas" panose="020B0609020204030204" pitchFamily="49" charset="0"/>
+              </a:rPr>
+              <a:t>r_buffer</a:t>
+            </a:r>
+            <a:r>
+              <a:rPr lang="en-US" sz="1800" b="1" dirty="0">
+                <a:solidFill>
+                  <a:srgbClr val="000000"/>
+                </a:solidFill>
+                <a:latin typeface="Consolas" panose="020B0609020204030204" pitchFamily="49" charset="0"/>
+              </a:rPr>
+              <a:t>, 1, 5) == </a:t>
+            </a:r>
+            <a:r>
+              <a:rPr lang="en-US" sz="1800" b="1" i="1" dirty="0">
+                <a:solidFill>
+                  <a:srgbClr val="0000C0"/>
+                </a:solidFill>
+                <a:latin typeface="Consolas" panose="020B0609020204030204" pitchFamily="49" charset="0"/>
+              </a:rPr>
+              <a:t>HAL_OK</a:t>
+            </a:r>
+            <a:r>
+              <a:rPr lang="en-US" sz="1800" b="1" i="1" dirty="0">
+                <a:solidFill>
+                  <a:srgbClr val="000000"/>
+                </a:solidFill>
+                <a:latin typeface="Consolas" panose="020B0609020204030204" pitchFamily="49" charset="0"/>
+              </a:rPr>
+              <a:t>) {</a:t>
+            </a:r>
+          </a:p>
+          <a:p>
+            <a:pPr algn="l"/>
+            <a:r>
+              <a:rPr lang="fr-FR" sz="1800" dirty="0">
+                <a:solidFill>
+                  <a:srgbClr val="000000"/>
+                </a:solidFill>
+                <a:latin typeface="Consolas" panose="020B0609020204030204" pitchFamily="49" charset="0"/>
+              </a:rPr>
+              <a:t>} </a:t>
+            </a:r>
+            <a:r>
+              <a:rPr lang="fr-FR" sz="1800" b="1" dirty="0" err="1">
+                <a:solidFill>
+                  <a:srgbClr val="7F0055"/>
+                </a:solidFill>
+                <a:latin typeface="Consolas" panose="020B0609020204030204" pitchFamily="49" charset="0"/>
+              </a:rPr>
+              <a:t>else</a:t>
+            </a:r>
+            <a:r>
+              <a:rPr lang="fr-FR" sz="1800" b="1" dirty="0">
+                <a:solidFill>
+                  <a:srgbClr val="000000"/>
+                </a:solidFill>
+                <a:latin typeface="Consolas" panose="020B0609020204030204" pitchFamily="49" charset="0"/>
+              </a:rPr>
+              <a:t> {</a:t>
+            </a:r>
+          </a:p>
+          <a:p>
+            <a:pPr algn="l"/>
+            <a:r>
+              <a:rPr lang="fr-FR" sz="1800" dirty="0">
+                <a:solidFill>
+                  <a:srgbClr val="000000"/>
+                </a:solidFill>
+                <a:latin typeface="Consolas" panose="020B0609020204030204" pitchFamily="49" charset="0"/>
+              </a:rPr>
+              <a:t>__HAL_UART_CLEAR_OREFLAG(&amp;huart2);</a:t>
+            </a:r>
+          </a:p>
+          <a:p>
+            <a:pPr algn="l"/>
+            <a:r>
+              <a:rPr lang="fr-FR" sz="1800" dirty="0">
+                <a:solidFill>
+                  <a:srgbClr val="000000"/>
+                </a:solidFill>
+                <a:latin typeface="Consolas" panose="020B0609020204030204" pitchFamily="49" charset="0"/>
+              </a:rPr>
+              <a:t>}</a:t>
+            </a:r>
+            <a:endParaRPr lang="fr-FR" dirty="0"/>
+          </a:p>
+        </p:txBody>
+      </p:sp>
+      <p:sp>
+        <p:nvSpPr>
+          <p:cNvPr id="7" name="Espace réservé du contenu 2">
+            <a:extLst>
+              <a:ext uri="{FF2B5EF4-FFF2-40B4-BE49-F238E27FC236}">
+                <a16:creationId xmlns:a16="http://schemas.microsoft.com/office/drawing/2014/main" id="{5EA63CDB-2753-4A0D-44E6-92172B206A16}"/>
+              </a:ext>
+            </a:extLst>
+          </p:cNvPr>
+          <p:cNvSpPr txBox="1">
+            <a:spLocks/>
+          </p:cNvSpPr>
+          <p:nvPr/>
+        </p:nvSpPr>
+        <p:spPr>
+          <a:xfrm>
+            <a:off x="509726" y="4315105"/>
+            <a:ext cx="10515600" cy="509202"/>
+          </a:xfrm>
+          <a:prstGeom prst="rect">
+            <a:avLst/>
+          </a:prstGeom>
+        </p:spPr>
+        <p:txBody>
+          <a:bodyPr vert="horz" lIns="91440" tIns="45720" rIns="91440" bIns="45720" rtlCol="0">
+            <a:normAutofit/>
+          </a:bodyPr>
+          <a:lstStyle>
+            <a:lvl1pPr marL="228600" indent="-228600" algn="l" defTabSz="914400" rtl="0" eaLnBrk="1" latinLnBrk="0" hangingPunct="1">
+              <a:lnSpc>
+                <a:spcPct val="90000"/>
+              </a:lnSpc>
+              <a:spcBef>
+                <a:spcPts val="1000"/>
+              </a:spcBef>
+              <a:buFont typeface="Arial" panose="020B0604020202020204" pitchFamily="34" charset="0"/>
+              <a:buChar char="•"/>
+              <a:defRPr sz="2800" kern="1200">
+                <a:solidFill>
+                  <a:schemeClr val="tx1"/>
+                </a:solidFill>
+                <a:latin typeface="+mn-lt"/>
+                <a:ea typeface="+mn-ea"/>
+                <a:cs typeface="+mn-cs"/>
+              </a:defRPr>
+            </a:lvl1pPr>
+            <a:lvl2pPr marL="685800" indent="-228600" algn="l" defTabSz="914400" rtl="0" eaLnBrk="1" latinLnBrk="0" hangingPunct="1">
+              <a:lnSpc>
+                <a:spcPct val="90000"/>
+              </a:lnSpc>
+              <a:spcBef>
+                <a:spcPts val="500"/>
+              </a:spcBef>
+              <a:buFont typeface="Arial" panose="020B0604020202020204" pitchFamily="34" charset="0"/>
+              <a:buChar char="•"/>
+              <a:defRPr sz="2400" kern="1200">
+                <a:solidFill>
+                  <a:schemeClr val="tx1"/>
+                </a:solidFill>
+                <a:latin typeface="+mn-lt"/>
+                <a:ea typeface="+mn-ea"/>
+                <a:cs typeface="+mn-cs"/>
+              </a:defRPr>
+            </a:lvl2pPr>
+            <a:lvl3pPr marL="1143000" indent="-228600" algn="l" defTabSz="914400" rtl="0" eaLnBrk="1" latinLnBrk="0" hangingPunct="1">
+              <a:lnSpc>
+                <a:spcPct val="90000"/>
+              </a:lnSpc>
+              <a:spcBef>
+                <a:spcPts val="500"/>
+              </a:spcBef>
+              <a:buFont typeface="Arial" panose="020B0604020202020204" pitchFamily="34" charset="0"/>
+              <a:buChar char="•"/>
+              <a:defRPr sz="2000" kern="1200">
+                <a:solidFill>
+                  <a:schemeClr val="tx1"/>
+                </a:solidFill>
+                <a:latin typeface="+mn-lt"/>
+                <a:ea typeface="+mn-ea"/>
+                <a:cs typeface="+mn-cs"/>
+              </a:defRPr>
+            </a:lvl3pPr>
+            <a:lvl4pPr marL="1600200" indent="-228600" algn="l" defTabSz="914400" rtl="0" eaLnBrk="1" latinLnBrk="0" hangingPunct="1">
+              <a:lnSpc>
+                <a:spcPct val="90000"/>
+              </a:lnSpc>
+              <a:spcBef>
+                <a:spcPts val="500"/>
+              </a:spcBef>
+              <a:buFont typeface="Arial" panose="020B0604020202020204" pitchFamily="34" charset="0"/>
+              <a:buChar char="•"/>
+              <a:defRPr sz="1800" kern="1200">
+                <a:solidFill>
+                  <a:schemeClr val="tx1"/>
+                </a:solidFill>
+                <a:latin typeface="+mn-lt"/>
+                <a:ea typeface="+mn-ea"/>
+                <a:cs typeface="+mn-cs"/>
+              </a:defRPr>
+            </a:lvl4pPr>
+            <a:lvl5pPr marL="2057400" indent="-228600" algn="l" defTabSz="914400" rtl="0" eaLnBrk="1" latinLnBrk="0" hangingPunct="1">
+              <a:lnSpc>
+                <a:spcPct val="90000"/>
+              </a:lnSpc>
+              <a:spcBef>
+                <a:spcPts val="500"/>
+              </a:spcBef>
+              <a:buFont typeface="Arial" panose="020B0604020202020204" pitchFamily="34" charset="0"/>
+              <a:buChar char="•"/>
+              <a:defRPr sz="1800" kern="1200">
+                <a:solidFill>
+                  <a:schemeClr val="tx1"/>
+                </a:solidFill>
+                <a:latin typeface="+mn-lt"/>
+                <a:ea typeface="+mn-ea"/>
+                <a:cs typeface="+mn-cs"/>
+              </a:defRPr>
+            </a:lvl5pPr>
+            <a:lvl6pPr marL="2514600" indent="-228600" algn="l" defTabSz="914400" rtl="0" eaLnBrk="1" latinLnBrk="0" hangingPunct="1">
+              <a:lnSpc>
+                <a:spcPct val="90000"/>
+              </a:lnSpc>
+              <a:spcBef>
+                <a:spcPts val="500"/>
+              </a:spcBef>
+              <a:buFont typeface="Arial" panose="020B0604020202020204" pitchFamily="34" charset="0"/>
+              <a:buChar char="•"/>
+              <a:defRPr sz="1800" kern="1200">
+                <a:solidFill>
+                  <a:schemeClr val="tx1"/>
+                </a:solidFill>
+                <a:latin typeface="+mn-lt"/>
+                <a:ea typeface="+mn-ea"/>
+                <a:cs typeface="+mn-cs"/>
+              </a:defRPr>
+            </a:lvl6pPr>
+            <a:lvl7pPr marL="2971800" indent="-228600" algn="l" defTabSz="914400" rtl="0" eaLnBrk="1" latinLnBrk="0" hangingPunct="1">
+              <a:lnSpc>
+                <a:spcPct val="90000"/>
+              </a:lnSpc>
+              <a:spcBef>
+                <a:spcPts val="500"/>
+              </a:spcBef>
+              <a:buFont typeface="Arial" panose="020B0604020202020204" pitchFamily="34" charset="0"/>
+              <a:buChar char="•"/>
+              <a:defRPr sz="1800" kern="1200">
+                <a:solidFill>
+                  <a:schemeClr val="tx1"/>
+                </a:solidFill>
+                <a:latin typeface="+mn-lt"/>
+                <a:ea typeface="+mn-ea"/>
+                <a:cs typeface="+mn-cs"/>
+              </a:defRPr>
+            </a:lvl7pPr>
+            <a:lvl8pPr marL="3429000" indent="-228600" algn="l" defTabSz="914400" rtl="0" eaLnBrk="1" latinLnBrk="0" hangingPunct="1">
+              <a:lnSpc>
+                <a:spcPct val="90000"/>
+              </a:lnSpc>
+              <a:spcBef>
+                <a:spcPts val="500"/>
+              </a:spcBef>
+              <a:buFont typeface="Arial" panose="020B0604020202020204" pitchFamily="34" charset="0"/>
+              <a:buChar char="•"/>
+              <a:defRPr sz="1800" kern="1200">
+                <a:solidFill>
+                  <a:schemeClr val="tx1"/>
+                </a:solidFill>
+                <a:latin typeface="+mn-lt"/>
+                <a:ea typeface="+mn-ea"/>
+                <a:cs typeface="+mn-cs"/>
+              </a:defRPr>
+            </a:lvl8pPr>
+            <a:lvl9pPr marL="3886200" indent="-228600" algn="l" defTabSz="914400" rtl="0" eaLnBrk="1" latinLnBrk="0" hangingPunct="1">
+              <a:lnSpc>
+                <a:spcPct val="90000"/>
+              </a:lnSpc>
+              <a:spcBef>
+                <a:spcPts val="500"/>
+              </a:spcBef>
+              <a:buFont typeface="Arial" panose="020B0604020202020204" pitchFamily="34" charset="0"/>
+              <a:buChar char="•"/>
+              <a:defRPr sz="1800" kern="1200">
+                <a:solidFill>
+                  <a:schemeClr val="tx1"/>
+                </a:solidFill>
+                <a:latin typeface="+mn-lt"/>
+                <a:ea typeface="+mn-ea"/>
+                <a:cs typeface="+mn-cs"/>
+              </a:defRPr>
+            </a:lvl9pPr>
+          </a:lstStyle>
+          <a:p>
+            <a:r>
+              <a:rPr lang="en-US" dirty="0"/>
+              <a:t>Time consumed : 60010 *10^-7 seconds</a:t>
+            </a:r>
+            <a:endParaRPr lang="fr-FR" dirty="0"/>
+          </a:p>
+        </p:txBody>
+      </p:sp>
+      <p:sp>
+        <p:nvSpPr>
+          <p:cNvPr id="8" name="Titre 1">
+            <a:extLst>
+              <a:ext uri="{FF2B5EF4-FFF2-40B4-BE49-F238E27FC236}">
+                <a16:creationId xmlns:a16="http://schemas.microsoft.com/office/drawing/2014/main" id="{B71F75BC-314C-22CE-7C91-7491BF119618}"/>
+              </a:ext>
+            </a:extLst>
+          </p:cNvPr>
+          <p:cNvSpPr txBox="1">
+            <a:spLocks/>
+          </p:cNvSpPr>
+          <p:nvPr/>
+        </p:nvSpPr>
+        <p:spPr>
+          <a:xfrm>
+            <a:off x="509726" y="4569706"/>
+            <a:ext cx="10515600" cy="1932711"/>
+          </a:xfrm>
+          <a:prstGeom prst="rect">
+            <a:avLst/>
+          </a:prstGeom>
+        </p:spPr>
+        <p:txBody>
+          <a:bodyPr vert="horz" lIns="91440" tIns="45720" rIns="91440" bIns="45720" rtlCol="0" anchor="ctr">
+            <a:normAutofit/>
+          </a:bodyPr>
+          <a:lstStyle>
+            <a:lvl1pPr algn="l" defTabSz="914400" rtl="0" eaLnBrk="1" latinLnBrk="0" hangingPunct="1">
+              <a:lnSpc>
+                <a:spcPct val="90000"/>
+              </a:lnSpc>
+              <a:spcBef>
+                <a:spcPct val="0"/>
+              </a:spcBef>
+              <a:buNone/>
+              <a:defRPr sz="4400" kern="1200">
+                <a:solidFill>
+                  <a:schemeClr val="tx1"/>
+                </a:solidFill>
+                <a:latin typeface="+mj-lt"/>
+                <a:ea typeface="+mj-ea"/>
+                <a:cs typeface="+mj-cs"/>
+              </a:defRPr>
+            </a:lvl1pPr>
+          </a:lstStyle>
+          <a:p>
+            <a:pPr algn="l"/>
+            <a:r>
+              <a:rPr lang="fr-FR" dirty="0"/>
+              <a:t>Test sur : </a:t>
+            </a:r>
+          </a:p>
+          <a:p>
+            <a:pPr algn="l"/>
+            <a:r>
+              <a:rPr lang="en-US" sz="1800" b="1" dirty="0">
+                <a:solidFill>
+                  <a:srgbClr val="7F0055"/>
+                </a:solidFill>
+                <a:latin typeface="Consolas" panose="020B0609020204030204" pitchFamily="49" charset="0"/>
+              </a:rPr>
+              <a:t>if</a:t>
+            </a:r>
+            <a:r>
+              <a:rPr lang="en-US" sz="1800" b="1" dirty="0">
+                <a:solidFill>
+                  <a:srgbClr val="000000"/>
+                </a:solidFill>
+                <a:latin typeface="Consolas" panose="020B0609020204030204" pitchFamily="49" charset="0"/>
+              </a:rPr>
+              <a:t> (</a:t>
+            </a:r>
+            <a:r>
+              <a:rPr lang="en-US" sz="1800" b="1" dirty="0" err="1">
+                <a:solidFill>
+                  <a:srgbClr val="000000"/>
+                </a:solidFill>
+                <a:latin typeface="Consolas" panose="020B0609020204030204" pitchFamily="49" charset="0"/>
+              </a:rPr>
+              <a:t>HAL_UART_Receive</a:t>
+            </a:r>
+            <a:r>
+              <a:rPr lang="en-US" sz="1800" b="1" dirty="0">
+                <a:solidFill>
+                  <a:srgbClr val="000000"/>
+                </a:solidFill>
+                <a:latin typeface="Consolas" panose="020B0609020204030204" pitchFamily="49" charset="0"/>
+              </a:rPr>
+              <a:t>(&amp;huart2, (</a:t>
+            </a:r>
+            <a:r>
+              <a:rPr lang="en-US" sz="1800" b="1" dirty="0">
+                <a:solidFill>
+                  <a:srgbClr val="005032"/>
+                </a:solidFill>
+                <a:latin typeface="Consolas" panose="020B0609020204030204" pitchFamily="49" charset="0"/>
+              </a:rPr>
+              <a:t>uint8_t</a:t>
+            </a:r>
+            <a:r>
+              <a:rPr lang="en-US" sz="1800" b="1" dirty="0">
+                <a:solidFill>
+                  <a:srgbClr val="000000"/>
+                </a:solidFill>
+                <a:latin typeface="Consolas" panose="020B0609020204030204" pitchFamily="49" charset="0"/>
+              </a:rPr>
+              <a:t>*) </a:t>
+            </a:r>
+            <a:r>
+              <a:rPr lang="en-US" sz="1800" b="1" dirty="0" err="1">
+                <a:solidFill>
+                  <a:srgbClr val="000000"/>
+                </a:solidFill>
+                <a:latin typeface="Consolas" panose="020B0609020204030204" pitchFamily="49" charset="0"/>
+              </a:rPr>
+              <a:t>r_buffer</a:t>
+            </a:r>
+            <a:r>
+              <a:rPr lang="en-US" sz="1800" b="1" dirty="0">
+                <a:solidFill>
+                  <a:srgbClr val="000000"/>
+                </a:solidFill>
+                <a:latin typeface="Consolas" panose="020B0609020204030204" pitchFamily="49" charset="0"/>
+              </a:rPr>
+              <a:t>, 1, 1) == </a:t>
+            </a:r>
+            <a:r>
+              <a:rPr lang="en-US" sz="1800" b="1" i="1" dirty="0">
+                <a:solidFill>
+                  <a:srgbClr val="0000C0"/>
+                </a:solidFill>
+                <a:latin typeface="Consolas" panose="020B0609020204030204" pitchFamily="49" charset="0"/>
+              </a:rPr>
+              <a:t>HAL_OK</a:t>
+            </a:r>
+            <a:r>
+              <a:rPr lang="en-US" sz="1800" b="1" i="1" dirty="0">
+                <a:solidFill>
+                  <a:srgbClr val="000000"/>
+                </a:solidFill>
+                <a:latin typeface="Consolas" panose="020B0609020204030204" pitchFamily="49" charset="0"/>
+              </a:rPr>
+              <a:t>) {</a:t>
+            </a:r>
+          </a:p>
+          <a:p>
+            <a:pPr algn="l"/>
+            <a:r>
+              <a:rPr lang="fr-FR" sz="1800" dirty="0">
+                <a:solidFill>
+                  <a:srgbClr val="000000"/>
+                </a:solidFill>
+                <a:latin typeface="Consolas" panose="020B0609020204030204" pitchFamily="49" charset="0"/>
+              </a:rPr>
+              <a:t>} </a:t>
+            </a:r>
+            <a:r>
+              <a:rPr lang="fr-FR" sz="1800" b="1" dirty="0" err="1">
+                <a:solidFill>
+                  <a:srgbClr val="7F0055"/>
+                </a:solidFill>
+                <a:latin typeface="Consolas" panose="020B0609020204030204" pitchFamily="49" charset="0"/>
+              </a:rPr>
+              <a:t>else</a:t>
+            </a:r>
+            <a:r>
+              <a:rPr lang="fr-FR" sz="1800" b="1" dirty="0">
+                <a:solidFill>
+                  <a:srgbClr val="000000"/>
+                </a:solidFill>
+                <a:latin typeface="Consolas" panose="020B0609020204030204" pitchFamily="49" charset="0"/>
+              </a:rPr>
+              <a:t> {</a:t>
+            </a:r>
+          </a:p>
+          <a:p>
+            <a:pPr algn="l"/>
+            <a:r>
+              <a:rPr lang="fr-FR" sz="1800" dirty="0">
+                <a:solidFill>
+                  <a:srgbClr val="000000"/>
+                </a:solidFill>
+                <a:latin typeface="Consolas" panose="020B0609020204030204" pitchFamily="49" charset="0"/>
+              </a:rPr>
+              <a:t>__HAL_UART_CLEAR_OREFLAG(&amp;huart2);</a:t>
+            </a:r>
+          </a:p>
+          <a:p>
+            <a:pPr algn="l"/>
+            <a:r>
+              <a:rPr lang="fr-FR" sz="1800" dirty="0">
+                <a:solidFill>
+                  <a:srgbClr val="000000"/>
+                </a:solidFill>
+                <a:latin typeface="Consolas" panose="020B0609020204030204" pitchFamily="49" charset="0"/>
+              </a:rPr>
+              <a:t>}</a:t>
+            </a:r>
+            <a:endParaRPr lang="fr-FR" dirty="0"/>
+          </a:p>
+        </p:txBody>
+      </p:sp>
+      <p:sp>
+        <p:nvSpPr>
+          <p:cNvPr id="9" name="Espace réservé du contenu 2">
+            <a:extLst>
+              <a:ext uri="{FF2B5EF4-FFF2-40B4-BE49-F238E27FC236}">
+                <a16:creationId xmlns:a16="http://schemas.microsoft.com/office/drawing/2014/main" id="{30F94E76-AC93-FFCA-B9F3-285DE80B633D}"/>
+              </a:ext>
+            </a:extLst>
+          </p:cNvPr>
+          <p:cNvSpPr txBox="1">
+            <a:spLocks/>
+          </p:cNvSpPr>
+          <p:nvPr/>
+        </p:nvSpPr>
+        <p:spPr>
+          <a:xfrm>
+            <a:off x="509726" y="6404765"/>
+            <a:ext cx="10515600" cy="509202"/>
+          </a:xfrm>
+          <a:prstGeom prst="rect">
+            <a:avLst/>
+          </a:prstGeom>
+        </p:spPr>
+        <p:txBody>
+          <a:bodyPr vert="horz" lIns="91440" tIns="45720" rIns="91440" bIns="45720" rtlCol="0">
+            <a:normAutofit/>
+          </a:bodyPr>
+          <a:lstStyle>
+            <a:lvl1pPr marL="228600" indent="-228600" algn="l" defTabSz="914400" rtl="0" eaLnBrk="1" latinLnBrk="0" hangingPunct="1">
+              <a:lnSpc>
+                <a:spcPct val="90000"/>
+              </a:lnSpc>
+              <a:spcBef>
+                <a:spcPts val="1000"/>
+              </a:spcBef>
+              <a:buFont typeface="Arial" panose="020B0604020202020204" pitchFamily="34" charset="0"/>
+              <a:buChar char="•"/>
+              <a:defRPr sz="2800" kern="1200">
+                <a:solidFill>
+                  <a:schemeClr val="tx1"/>
+                </a:solidFill>
+                <a:latin typeface="+mn-lt"/>
+                <a:ea typeface="+mn-ea"/>
+                <a:cs typeface="+mn-cs"/>
+              </a:defRPr>
+            </a:lvl1pPr>
+            <a:lvl2pPr marL="685800" indent="-228600" algn="l" defTabSz="914400" rtl="0" eaLnBrk="1" latinLnBrk="0" hangingPunct="1">
+              <a:lnSpc>
+                <a:spcPct val="90000"/>
+              </a:lnSpc>
+              <a:spcBef>
+                <a:spcPts val="500"/>
+              </a:spcBef>
+              <a:buFont typeface="Arial" panose="020B0604020202020204" pitchFamily="34" charset="0"/>
+              <a:buChar char="•"/>
+              <a:defRPr sz="2400" kern="1200">
+                <a:solidFill>
+                  <a:schemeClr val="tx1"/>
+                </a:solidFill>
+                <a:latin typeface="+mn-lt"/>
+                <a:ea typeface="+mn-ea"/>
+                <a:cs typeface="+mn-cs"/>
+              </a:defRPr>
+            </a:lvl2pPr>
+            <a:lvl3pPr marL="1143000" indent="-228600" algn="l" defTabSz="914400" rtl="0" eaLnBrk="1" latinLnBrk="0" hangingPunct="1">
+              <a:lnSpc>
+                <a:spcPct val="90000"/>
+              </a:lnSpc>
+              <a:spcBef>
+                <a:spcPts val="500"/>
+              </a:spcBef>
+              <a:buFont typeface="Arial" panose="020B0604020202020204" pitchFamily="34" charset="0"/>
+              <a:buChar char="•"/>
+              <a:defRPr sz="2000" kern="1200">
+                <a:solidFill>
+                  <a:schemeClr val="tx1"/>
+                </a:solidFill>
+                <a:latin typeface="+mn-lt"/>
+                <a:ea typeface="+mn-ea"/>
+                <a:cs typeface="+mn-cs"/>
+              </a:defRPr>
+            </a:lvl3pPr>
+            <a:lvl4pPr marL="1600200" indent="-228600" algn="l" defTabSz="914400" rtl="0" eaLnBrk="1" latinLnBrk="0" hangingPunct="1">
+              <a:lnSpc>
+                <a:spcPct val="90000"/>
+              </a:lnSpc>
+              <a:spcBef>
+                <a:spcPts val="500"/>
+              </a:spcBef>
+              <a:buFont typeface="Arial" panose="020B0604020202020204" pitchFamily="34" charset="0"/>
+              <a:buChar char="•"/>
+              <a:defRPr sz="1800" kern="1200">
+                <a:solidFill>
+                  <a:schemeClr val="tx1"/>
+                </a:solidFill>
+                <a:latin typeface="+mn-lt"/>
+                <a:ea typeface="+mn-ea"/>
+                <a:cs typeface="+mn-cs"/>
+              </a:defRPr>
+            </a:lvl4pPr>
+            <a:lvl5pPr marL="2057400" indent="-228600" algn="l" defTabSz="914400" rtl="0" eaLnBrk="1" latinLnBrk="0" hangingPunct="1">
+              <a:lnSpc>
+                <a:spcPct val="90000"/>
+              </a:lnSpc>
+              <a:spcBef>
+                <a:spcPts val="500"/>
+              </a:spcBef>
+              <a:buFont typeface="Arial" panose="020B0604020202020204" pitchFamily="34" charset="0"/>
+              <a:buChar char="•"/>
+              <a:defRPr sz="1800" kern="1200">
+                <a:solidFill>
+                  <a:schemeClr val="tx1"/>
+                </a:solidFill>
+                <a:latin typeface="+mn-lt"/>
+                <a:ea typeface="+mn-ea"/>
+                <a:cs typeface="+mn-cs"/>
+              </a:defRPr>
+            </a:lvl5pPr>
+            <a:lvl6pPr marL="2514600" indent="-228600" algn="l" defTabSz="914400" rtl="0" eaLnBrk="1" latinLnBrk="0" hangingPunct="1">
+              <a:lnSpc>
+                <a:spcPct val="90000"/>
+              </a:lnSpc>
+              <a:spcBef>
+                <a:spcPts val="500"/>
+              </a:spcBef>
+              <a:buFont typeface="Arial" panose="020B0604020202020204" pitchFamily="34" charset="0"/>
+              <a:buChar char="•"/>
+              <a:defRPr sz="1800" kern="1200">
+                <a:solidFill>
+                  <a:schemeClr val="tx1"/>
+                </a:solidFill>
+                <a:latin typeface="+mn-lt"/>
+                <a:ea typeface="+mn-ea"/>
+                <a:cs typeface="+mn-cs"/>
+              </a:defRPr>
+            </a:lvl6pPr>
+            <a:lvl7pPr marL="2971800" indent="-228600" algn="l" defTabSz="914400" rtl="0" eaLnBrk="1" latinLnBrk="0" hangingPunct="1">
+              <a:lnSpc>
+                <a:spcPct val="90000"/>
+              </a:lnSpc>
+              <a:spcBef>
+                <a:spcPts val="500"/>
+              </a:spcBef>
+              <a:buFont typeface="Arial" panose="020B0604020202020204" pitchFamily="34" charset="0"/>
+              <a:buChar char="•"/>
+              <a:defRPr sz="1800" kern="1200">
+                <a:solidFill>
+                  <a:schemeClr val="tx1"/>
+                </a:solidFill>
+                <a:latin typeface="+mn-lt"/>
+                <a:ea typeface="+mn-ea"/>
+                <a:cs typeface="+mn-cs"/>
+              </a:defRPr>
+            </a:lvl7pPr>
+            <a:lvl8pPr marL="3429000" indent="-228600" algn="l" defTabSz="914400" rtl="0" eaLnBrk="1" latinLnBrk="0" hangingPunct="1">
+              <a:lnSpc>
+                <a:spcPct val="90000"/>
+              </a:lnSpc>
+              <a:spcBef>
+                <a:spcPts val="500"/>
+              </a:spcBef>
+              <a:buFont typeface="Arial" panose="020B0604020202020204" pitchFamily="34" charset="0"/>
+              <a:buChar char="•"/>
+              <a:defRPr sz="1800" kern="1200">
+                <a:solidFill>
+                  <a:schemeClr val="tx1"/>
+                </a:solidFill>
+                <a:latin typeface="+mn-lt"/>
+                <a:ea typeface="+mn-ea"/>
+                <a:cs typeface="+mn-cs"/>
+              </a:defRPr>
+            </a:lvl8pPr>
+            <a:lvl9pPr marL="3886200" indent="-228600" algn="l" defTabSz="914400" rtl="0" eaLnBrk="1" latinLnBrk="0" hangingPunct="1">
+              <a:lnSpc>
+                <a:spcPct val="90000"/>
+              </a:lnSpc>
+              <a:spcBef>
+                <a:spcPts val="500"/>
+              </a:spcBef>
+              <a:buFont typeface="Arial" panose="020B0604020202020204" pitchFamily="34" charset="0"/>
+              <a:buChar char="•"/>
+              <a:defRPr sz="1800" kern="1200">
+                <a:solidFill>
+                  <a:schemeClr val="tx1"/>
+                </a:solidFill>
+                <a:latin typeface="+mn-lt"/>
+                <a:ea typeface="+mn-ea"/>
+                <a:cs typeface="+mn-cs"/>
+              </a:defRPr>
+            </a:lvl9pPr>
+          </a:lstStyle>
+          <a:p>
+            <a:r>
+              <a:rPr lang="en-US" dirty="0"/>
+              <a:t>Time consumed : 20012 *10^-7 seconds</a:t>
+            </a:r>
+            <a:endParaRPr lang="fr-FR" dirty="0"/>
+          </a:p>
+        </p:txBody>
+      </p:sp>
+    </p:spTree>
+    <p:extLst>
+      <p:ext uri="{BB962C8B-B14F-4D97-AF65-F5344CB8AC3E}">
+        <p14:creationId xmlns:p14="http://schemas.microsoft.com/office/powerpoint/2010/main" val="2168928215"/>
+      </p:ext>
+    </p:extLst>
+  </p:cSld>
+  <p:clrMapOvr>
+    <a:masterClrMapping/>
+  </p:clrMapOvr>
+</p:sld>
+</file>
+
 <file path=ppt/slides/slide2.xml><?xml version="1.0" encoding="utf-8"?>
 <p:sld xmlns:a="http://schemas.openxmlformats.org/drawingml/2006/main" xmlns:r="http://schemas.openxmlformats.org/officeDocument/2006/relationships" xmlns:p="http://schemas.openxmlformats.org/presentationml/2006/main">
   <p:cSld>
